--- a/Docs/Presentation/PAWS_presentation.pptx
+++ b/Docs/Presentation/PAWS_presentation.pptx
@@ -5,7 +5,7 @@
     <p:sldMasterId id="2147483648" r:id="rId1"/>
   </p:sldMasterIdLst>
   <p:sldIdLst>
-    <p:sldId id="256" r:id="rId2"/>
+    <p:sldId id="258" r:id="rId2"/>
     <p:sldId id="257" r:id="rId3"/>
   </p:sldIdLst>
   <p:sldSz cx="9144000" cy="6858000" type="screen4x3"/>
@@ -301,7 +301,7 @@
           <a:p>
             <a:fld id="{315F8E45-CAE2-4F4E-909A-1704B9E6D3FE}" type="datetimeFigureOut">
               <a:rPr lang="en-US" smtClean="0"/>
-              <a:t>16/05/15</a:t>
+              <a:t>03/06/15</a:t>
             </a:fld>
             <a:endParaRPr lang="en-US"/>
           </a:p>
@@ -471,7 +471,7 @@
           <a:p>
             <a:fld id="{315F8E45-CAE2-4F4E-909A-1704B9E6D3FE}" type="datetimeFigureOut">
               <a:rPr lang="en-US" smtClean="0"/>
-              <a:t>16/05/15</a:t>
+              <a:t>03/06/15</a:t>
             </a:fld>
             <a:endParaRPr lang="en-US"/>
           </a:p>
@@ -651,7 +651,7 @@
           <a:p>
             <a:fld id="{315F8E45-CAE2-4F4E-909A-1704B9E6D3FE}" type="datetimeFigureOut">
               <a:rPr lang="en-US" smtClean="0"/>
-              <a:t>16/05/15</a:t>
+              <a:t>03/06/15</a:t>
             </a:fld>
             <a:endParaRPr lang="en-US"/>
           </a:p>
@@ -821,7 +821,7 @@
           <a:p>
             <a:fld id="{315F8E45-CAE2-4F4E-909A-1704B9E6D3FE}" type="datetimeFigureOut">
               <a:rPr lang="en-US" smtClean="0"/>
-              <a:t>16/05/15</a:t>
+              <a:t>03/06/15</a:t>
             </a:fld>
             <a:endParaRPr lang="en-US"/>
           </a:p>
@@ -1067,7 +1067,7 @@
           <a:p>
             <a:fld id="{315F8E45-CAE2-4F4E-909A-1704B9E6D3FE}" type="datetimeFigureOut">
               <a:rPr lang="en-US" smtClean="0"/>
-              <a:t>16/05/15</a:t>
+              <a:t>03/06/15</a:t>
             </a:fld>
             <a:endParaRPr lang="en-US"/>
           </a:p>
@@ -1355,7 +1355,7 @@
           <a:p>
             <a:fld id="{315F8E45-CAE2-4F4E-909A-1704B9E6D3FE}" type="datetimeFigureOut">
               <a:rPr lang="en-US" smtClean="0"/>
-              <a:t>16/05/15</a:t>
+              <a:t>03/06/15</a:t>
             </a:fld>
             <a:endParaRPr lang="en-US"/>
           </a:p>
@@ -1777,7 +1777,7 @@
           <a:p>
             <a:fld id="{315F8E45-CAE2-4F4E-909A-1704B9E6D3FE}" type="datetimeFigureOut">
               <a:rPr lang="en-US" smtClean="0"/>
-              <a:t>16/05/15</a:t>
+              <a:t>03/06/15</a:t>
             </a:fld>
             <a:endParaRPr lang="en-US"/>
           </a:p>
@@ -1895,7 +1895,7 @@
           <a:p>
             <a:fld id="{315F8E45-CAE2-4F4E-909A-1704B9E6D3FE}" type="datetimeFigureOut">
               <a:rPr lang="en-US" smtClean="0"/>
-              <a:t>16/05/15</a:t>
+              <a:t>03/06/15</a:t>
             </a:fld>
             <a:endParaRPr lang="en-US"/>
           </a:p>
@@ -1990,7 +1990,7 @@
           <a:p>
             <a:fld id="{315F8E45-CAE2-4F4E-909A-1704B9E6D3FE}" type="datetimeFigureOut">
               <a:rPr lang="en-US" smtClean="0"/>
-              <a:t>16/05/15</a:t>
+              <a:t>03/06/15</a:t>
             </a:fld>
             <a:endParaRPr lang="en-US"/>
           </a:p>
@@ -2267,7 +2267,7 @@
           <a:p>
             <a:fld id="{315F8E45-CAE2-4F4E-909A-1704B9E6D3FE}" type="datetimeFigureOut">
               <a:rPr lang="en-US" smtClean="0"/>
-              <a:t>16/05/15</a:t>
+              <a:t>03/06/15</a:t>
             </a:fld>
             <a:endParaRPr lang="en-US"/>
           </a:p>
@@ -2520,7 +2520,7 @@
           <a:p>
             <a:fld id="{315F8E45-CAE2-4F4E-909A-1704B9E6D3FE}" type="datetimeFigureOut">
               <a:rPr lang="en-US" smtClean="0"/>
-              <a:t>16/05/15</a:t>
+              <a:t>03/06/15</a:t>
             </a:fld>
             <a:endParaRPr lang="en-US"/>
           </a:p>
@@ -2740,7 +2740,7 @@
           <a:p>
             <a:fld id="{315F8E45-CAE2-4F4E-909A-1704B9E6D3FE}" type="datetimeFigureOut">
               <a:rPr lang="en-US" smtClean="0"/>
-              <a:t>16/05/15</a:t>
+              <a:t>03/06/15</a:t>
             </a:fld>
             <a:endParaRPr lang="en-US" dirty="0"/>
           </a:p>
@@ -3101,18 +3101,6 @@
 <file path=ppt/slides/slide1.xml><?xml version="1.0" encoding="utf-8"?>
 <p:sld xmlns:a="http://schemas.openxmlformats.org/drawingml/2006/main" xmlns:r="http://schemas.openxmlformats.org/officeDocument/2006/relationships" xmlns:p="http://schemas.openxmlformats.org/presentationml/2006/main">
   <p:cSld>
-    <p:bg>
-      <p:bgPr>
-        <a:blipFill dpi="0" rotWithShape="1">
-          <a:blip r:embed="rId2"/>
-          <a:srcRect/>
-          <a:stretch>
-            <a:fillRect/>
-          </a:stretch>
-        </a:blipFill>
-        <a:effectLst/>
-      </p:bgPr>
-    </p:bg>
     <p:spTree>
       <p:nvGrpSpPr>
         <p:cNvPr id="1" name=""/>
@@ -3129,7 +3117,7 @@
       </p:grpSpPr>
       <p:sp>
         <p:nvSpPr>
-          <p:cNvPr id="2" name="Title 1"/>
+          <p:cNvPr id="4" name="Title 1"/>
           <p:cNvSpPr>
             <a:spLocks noGrp="1"/>
           </p:cNvSpPr>
@@ -3171,7 +3159,7 @@
       </p:sp>
       <p:sp>
         <p:nvSpPr>
-          <p:cNvPr id="3" name="Subtitle 2"/>
+          <p:cNvPr id="5" name="Subtitle 2"/>
           <p:cNvSpPr>
             <a:spLocks noGrp="1"/>
           </p:cNvSpPr>
@@ -3213,20 +3201,13 @@
     </p:spTree>
     <p:extLst>
       <p:ext uri="{BB962C8B-B14F-4D97-AF65-F5344CB8AC3E}">
-        <p14:creationId xmlns:p14="http://schemas.microsoft.com/office/powerpoint/2010/main" val="3003346859"/>
+        <p14:creationId xmlns:p14="http://schemas.microsoft.com/office/powerpoint/2010/main" val="378239911"/>
       </p:ext>
     </p:extLst>
   </p:cSld>
   <p:clrMapOvr>
     <a:masterClrMapping/>
   </p:clrMapOvr>
-  <p:timing>
-    <p:tnLst>
-      <p:par>
-        <p:cTn xmlns:p14="http://schemas.microsoft.com/office/powerpoint/2010/main" id="1" dur="indefinite" restart="never" nodeType="tmRoot"/>
-      </p:par>
-    </p:tnLst>
-  </p:timing>
 </p:sld>
 </file>
 

--- a/Docs/Presentation/PAWS_presentation.pptx
+++ b/Docs/Presentation/PAWS_presentation.pptx
@@ -4,9 +4,39 @@
   <p:sldMasterIdLst>
     <p:sldMasterId id="2147483648" r:id="rId1"/>
   </p:sldMasterIdLst>
+  <p:notesMasterIdLst>
+    <p:notesMasterId r:id="rId31"/>
+  </p:notesMasterIdLst>
   <p:sldIdLst>
     <p:sldId id="258" r:id="rId2"/>
-    <p:sldId id="257" r:id="rId3"/>
+    <p:sldId id="276" r:id="rId3"/>
+    <p:sldId id="257" r:id="rId4"/>
+    <p:sldId id="259" r:id="rId5"/>
+    <p:sldId id="277" r:id="rId6"/>
+    <p:sldId id="261" r:id="rId7"/>
+    <p:sldId id="283" r:id="rId8"/>
+    <p:sldId id="278" r:id="rId9"/>
+    <p:sldId id="260" r:id="rId10"/>
+    <p:sldId id="262" r:id="rId11"/>
+    <p:sldId id="263" r:id="rId12"/>
+    <p:sldId id="279" r:id="rId13"/>
+    <p:sldId id="284" r:id="rId14"/>
+    <p:sldId id="285" r:id="rId15"/>
+    <p:sldId id="264" r:id="rId16"/>
+    <p:sldId id="280" r:id="rId17"/>
+    <p:sldId id="266" r:id="rId18"/>
+    <p:sldId id="265" r:id="rId19"/>
+    <p:sldId id="267" r:id="rId20"/>
+    <p:sldId id="281" r:id="rId21"/>
+    <p:sldId id="269" r:id="rId22"/>
+    <p:sldId id="270" r:id="rId23"/>
+    <p:sldId id="271" r:id="rId24"/>
+    <p:sldId id="272" r:id="rId25"/>
+    <p:sldId id="273" r:id="rId26"/>
+    <p:sldId id="274" r:id="rId27"/>
+    <p:sldId id="275" r:id="rId28"/>
+    <p:sldId id="268" r:id="rId29"/>
+    <p:sldId id="282" r:id="rId30"/>
   </p:sldIdLst>
   <p:sldSz cx="9144000" cy="6858000" type="screen4x3"/>
   <p:notesSz cx="6858000" cy="9144000"/>
@@ -105,7 +135,2643 @@
       </a:defRPr>
     </a:lvl9pPr>
   </p:defaultTextStyle>
+  <p:extLst>
+    <p:ext uri="{521415D9-36F7-43E2-AB2F-B90AF26B5E84}">
+      <p14:sectionLst xmlns:p14="http://schemas.microsoft.com/office/powerpoint/2010/main">
+        <p14:section name="Default Section" id="{77EA5F66-AE7E-DC45-91EA-94A720CF44F9}">
+          <p14:sldIdLst>
+            <p14:sldId id="258"/>
+            <p14:sldId id="276"/>
+            <p14:sldId id="257"/>
+            <p14:sldId id="259"/>
+            <p14:sldId id="277"/>
+            <p14:sldId id="261"/>
+            <p14:sldId id="283"/>
+            <p14:sldId id="278"/>
+            <p14:sldId id="260"/>
+            <p14:sldId id="262"/>
+            <p14:sldId id="263"/>
+            <p14:sldId id="279"/>
+            <p14:sldId id="284"/>
+            <p14:sldId id="285"/>
+            <p14:sldId id="264"/>
+            <p14:sldId id="280"/>
+            <p14:sldId id="266"/>
+            <p14:sldId id="265"/>
+            <p14:sldId id="267"/>
+            <p14:sldId id="281"/>
+            <p14:sldId id="269"/>
+            <p14:sldId id="270"/>
+            <p14:sldId id="271"/>
+            <p14:sldId id="272"/>
+            <p14:sldId id="273"/>
+            <p14:sldId id="274"/>
+            <p14:sldId id="275"/>
+            <p14:sldId id="268"/>
+            <p14:sldId id="282"/>
+          </p14:sldIdLst>
+        </p14:section>
+      </p14:sectionLst>
+    </p:ext>
+  </p:extLst>
 </p:presentation>
+</file>
+
+<file path=ppt/notesMasters/notesMaster1.xml><?xml version="1.0" encoding="utf-8"?>
+<p:notesMaster xmlns:a="http://schemas.openxmlformats.org/drawingml/2006/main" xmlns:r="http://schemas.openxmlformats.org/officeDocument/2006/relationships" xmlns:p="http://schemas.openxmlformats.org/presentationml/2006/main">
+  <p:cSld>
+    <p:bg>
+      <p:bgRef idx="1001">
+        <a:schemeClr val="bg1"/>
+      </p:bgRef>
+    </p:bg>
+    <p:spTree>
+      <p:nvGrpSpPr>
+        <p:cNvPr id="1" name=""/>
+        <p:cNvGrpSpPr/>
+        <p:nvPr/>
+      </p:nvGrpSpPr>
+      <p:grpSpPr>
+        <a:xfrm>
+          <a:off x="0" y="0"/>
+          <a:ext cx="0" cy="0"/>
+          <a:chOff x="0" y="0"/>
+          <a:chExt cx="0" cy="0"/>
+        </a:xfrm>
+      </p:grpSpPr>
+      <p:sp>
+        <p:nvSpPr>
+          <p:cNvPr id="2" name="Header Placeholder 1"/>
+          <p:cNvSpPr>
+            <a:spLocks noGrp="1"/>
+          </p:cNvSpPr>
+          <p:nvPr>
+            <p:ph type="hdr" sz="quarter"/>
+          </p:nvPr>
+        </p:nvSpPr>
+        <p:spPr>
+          <a:xfrm>
+            <a:off x="0" y="0"/>
+            <a:ext cx="2971800" cy="457200"/>
+          </a:xfrm>
+          <a:prstGeom prst="rect">
+            <a:avLst/>
+          </a:prstGeom>
+        </p:spPr>
+        <p:txBody>
+          <a:bodyPr vert="horz" lIns="91440" tIns="45720" rIns="91440" bIns="45720" rtlCol="0"/>
+          <a:lstStyle>
+            <a:lvl1pPr algn="l">
+              <a:defRPr sz="1200"/>
+            </a:lvl1pPr>
+          </a:lstStyle>
+          <a:p>
+            <a:endParaRPr lang="en-US"/>
+          </a:p>
+        </p:txBody>
+      </p:sp>
+      <p:sp>
+        <p:nvSpPr>
+          <p:cNvPr id="3" name="Date Placeholder 2"/>
+          <p:cNvSpPr>
+            <a:spLocks noGrp="1"/>
+          </p:cNvSpPr>
+          <p:nvPr>
+            <p:ph type="dt" idx="1"/>
+          </p:nvPr>
+        </p:nvSpPr>
+        <p:spPr>
+          <a:xfrm>
+            <a:off x="3884613" y="0"/>
+            <a:ext cx="2971800" cy="457200"/>
+          </a:xfrm>
+          <a:prstGeom prst="rect">
+            <a:avLst/>
+          </a:prstGeom>
+        </p:spPr>
+        <p:txBody>
+          <a:bodyPr vert="horz" lIns="91440" tIns="45720" rIns="91440" bIns="45720" rtlCol="0"/>
+          <a:lstStyle>
+            <a:lvl1pPr algn="r">
+              <a:defRPr sz="1200"/>
+            </a:lvl1pPr>
+          </a:lstStyle>
+          <a:p>
+            <a:fld id="{5585473E-B82B-5D44-9FAF-C76DCBAD9A92}" type="datetimeFigureOut">
+              <a:rPr lang="en-US" smtClean="0"/>
+              <a:t>21/06/15</a:t>
+            </a:fld>
+            <a:endParaRPr lang="en-US"/>
+          </a:p>
+        </p:txBody>
+      </p:sp>
+      <p:sp>
+        <p:nvSpPr>
+          <p:cNvPr id="4" name="Slide Image Placeholder 3"/>
+          <p:cNvSpPr>
+            <a:spLocks noGrp="1" noRot="1" noChangeAspect="1"/>
+          </p:cNvSpPr>
+          <p:nvPr>
+            <p:ph type="sldImg" idx="2"/>
+          </p:nvPr>
+        </p:nvSpPr>
+        <p:spPr>
+          <a:xfrm>
+            <a:off x="1143000" y="685800"/>
+            <a:ext cx="4572000" cy="3429000"/>
+          </a:xfrm>
+          <a:prstGeom prst="rect">
+            <a:avLst/>
+          </a:prstGeom>
+          <a:noFill/>
+          <a:ln w="12700">
+            <a:solidFill>
+              <a:prstClr val="black"/>
+            </a:solidFill>
+          </a:ln>
+        </p:spPr>
+        <p:txBody>
+          <a:bodyPr vert="horz" lIns="91440" tIns="45720" rIns="91440" bIns="45720" rtlCol="0" anchor="ctr"/>
+          <a:lstStyle/>
+          <a:p>
+            <a:endParaRPr lang="en-US"/>
+          </a:p>
+        </p:txBody>
+      </p:sp>
+      <p:sp>
+        <p:nvSpPr>
+          <p:cNvPr id="5" name="Notes Placeholder 4"/>
+          <p:cNvSpPr>
+            <a:spLocks noGrp="1"/>
+          </p:cNvSpPr>
+          <p:nvPr>
+            <p:ph type="body" sz="quarter" idx="3"/>
+          </p:nvPr>
+        </p:nvSpPr>
+        <p:spPr>
+          <a:xfrm>
+            <a:off x="685800" y="4343400"/>
+            <a:ext cx="5486400" cy="4114800"/>
+          </a:xfrm>
+          <a:prstGeom prst="rect">
+            <a:avLst/>
+          </a:prstGeom>
+        </p:spPr>
+        <p:txBody>
+          <a:bodyPr vert="horz" lIns="91440" tIns="45720" rIns="91440" bIns="45720" rtlCol="0"/>
+          <a:lstStyle/>
+          <a:p>
+            <a:pPr lvl="0"/>
+            <a:r>
+              <a:rPr lang="en-GB" smtClean="0"/>
+              <a:t>Click to edit Master text styles</a:t>
+            </a:r>
+          </a:p>
+          <a:p>
+            <a:pPr lvl="1"/>
+            <a:r>
+              <a:rPr lang="en-GB" smtClean="0"/>
+              <a:t>Second level</a:t>
+            </a:r>
+          </a:p>
+          <a:p>
+            <a:pPr lvl="2"/>
+            <a:r>
+              <a:rPr lang="en-GB" smtClean="0"/>
+              <a:t>Third level</a:t>
+            </a:r>
+          </a:p>
+          <a:p>
+            <a:pPr lvl="3"/>
+            <a:r>
+              <a:rPr lang="en-GB" smtClean="0"/>
+              <a:t>Fourth level</a:t>
+            </a:r>
+          </a:p>
+          <a:p>
+            <a:pPr lvl="4"/>
+            <a:r>
+              <a:rPr lang="en-GB" smtClean="0"/>
+              <a:t>Fifth level</a:t>
+            </a:r>
+            <a:endParaRPr lang="en-US"/>
+          </a:p>
+        </p:txBody>
+      </p:sp>
+      <p:sp>
+        <p:nvSpPr>
+          <p:cNvPr id="6" name="Footer Placeholder 5"/>
+          <p:cNvSpPr>
+            <a:spLocks noGrp="1"/>
+          </p:cNvSpPr>
+          <p:nvPr>
+            <p:ph type="ftr" sz="quarter" idx="4"/>
+          </p:nvPr>
+        </p:nvSpPr>
+        <p:spPr>
+          <a:xfrm>
+            <a:off x="0" y="8685213"/>
+            <a:ext cx="2971800" cy="457200"/>
+          </a:xfrm>
+          <a:prstGeom prst="rect">
+            <a:avLst/>
+          </a:prstGeom>
+        </p:spPr>
+        <p:txBody>
+          <a:bodyPr vert="horz" lIns="91440" tIns="45720" rIns="91440" bIns="45720" rtlCol="0" anchor="b"/>
+          <a:lstStyle>
+            <a:lvl1pPr algn="l">
+              <a:defRPr sz="1200"/>
+            </a:lvl1pPr>
+          </a:lstStyle>
+          <a:p>
+            <a:endParaRPr lang="en-US"/>
+          </a:p>
+        </p:txBody>
+      </p:sp>
+      <p:sp>
+        <p:nvSpPr>
+          <p:cNvPr id="7" name="Slide Number Placeholder 6"/>
+          <p:cNvSpPr>
+            <a:spLocks noGrp="1"/>
+          </p:cNvSpPr>
+          <p:nvPr>
+            <p:ph type="sldNum" sz="quarter" idx="5"/>
+          </p:nvPr>
+        </p:nvSpPr>
+        <p:spPr>
+          <a:xfrm>
+            <a:off x="3884613" y="8685213"/>
+            <a:ext cx="2971800" cy="457200"/>
+          </a:xfrm>
+          <a:prstGeom prst="rect">
+            <a:avLst/>
+          </a:prstGeom>
+        </p:spPr>
+        <p:txBody>
+          <a:bodyPr vert="horz" lIns="91440" tIns="45720" rIns="91440" bIns="45720" rtlCol="0" anchor="b"/>
+          <a:lstStyle>
+            <a:lvl1pPr algn="r">
+              <a:defRPr sz="1200"/>
+            </a:lvl1pPr>
+          </a:lstStyle>
+          <a:p>
+            <a:fld id="{F2EEF75A-01B5-F242-B9D1-ABB8057E63C6}" type="slidenum">
+              <a:rPr lang="en-US" smtClean="0"/>
+              <a:t>‹#›</a:t>
+            </a:fld>
+            <a:endParaRPr lang="en-US"/>
+          </a:p>
+        </p:txBody>
+      </p:sp>
+    </p:spTree>
+    <p:extLst>
+      <p:ext uri="{BB962C8B-B14F-4D97-AF65-F5344CB8AC3E}">
+        <p14:creationId xmlns:p14="http://schemas.microsoft.com/office/powerpoint/2010/main" val="1991353293"/>
+      </p:ext>
+    </p:extLst>
+  </p:cSld>
+  <p:clrMap bg1="lt1" tx1="dk1" bg2="lt2" tx2="dk2" accent1="accent1" accent2="accent2" accent3="accent3" accent4="accent4" accent5="accent5" accent6="accent6" hlink="hlink" folHlink="folHlink"/>
+  <p:notesStyle>
+    <a:lvl1pPr marL="0" algn="l" defTabSz="457200" rtl="0" eaLnBrk="1" latinLnBrk="0" hangingPunct="1">
+      <a:defRPr sz="1200" kern="1200">
+        <a:solidFill>
+          <a:schemeClr val="tx1"/>
+        </a:solidFill>
+        <a:latin typeface="+mn-lt"/>
+        <a:ea typeface="+mn-ea"/>
+        <a:cs typeface="+mn-cs"/>
+      </a:defRPr>
+    </a:lvl1pPr>
+    <a:lvl2pPr marL="457200" algn="l" defTabSz="457200" rtl="0" eaLnBrk="1" latinLnBrk="0" hangingPunct="1">
+      <a:defRPr sz="1200" kern="1200">
+        <a:solidFill>
+          <a:schemeClr val="tx1"/>
+        </a:solidFill>
+        <a:latin typeface="+mn-lt"/>
+        <a:ea typeface="+mn-ea"/>
+        <a:cs typeface="+mn-cs"/>
+      </a:defRPr>
+    </a:lvl2pPr>
+    <a:lvl3pPr marL="914400" algn="l" defTabSz="457200" rtl="0" eaLnBrk="1" latinLnBrk="0" hangingPunct="1">
+      <a:defRPr sz="1200" kern="1200">
+        <a:solidFill>
+          <a:schemeClr val="tx1"/>
+        </a:solidFill>
+        <a:latin typeface="+mn-lt"/>
+        <a:ea typeface="+mn-ea"/>
+        <a:cs typeface="+mn-cs"/>
+      </a:defRPr>
+    </a:lvl3pPr>
+    <a:lvl4pPr marL="1371600" algn="l" defTabSz="457200" rtl="0" eaLnBrk="1" latinLnBrk="0" hangingPunct="1">
+      <a:defRPr sz="1200" kern="1200">
+        <a:solidFill>
+          <a:schemeClr val="tx1"/>
+        </a:solidFill>
+        <a:latin typeface="+mn-lt"/>
+        <a:ea typeface="+mn-ea"/>
+        <a:cs typeface="+mn-cs"/>
+      </a:defRPr>
+    </a:lvl4pPr>
+    <a:lvl5pPr marL="1828800" algn="l" defTabSz="457200" rtl="0" eaLnBrk="1" latinLnBrk="0" hangingPunct="1">
+      <a:defRPr sz="1200" kern="1200">
+        <a:solidFill>
+          <a:schemeClr val="tx1"/>
+        </a:solidFill>
+        <a:latin typeface="+mn-lt"/>
+        <a:ea typeface="+mn-ea"/>
+        <a:cs typeface="+mn-cs"/>
+      </a:defRPr>
+    </a:lvl5pPr>
+    <a:lvl6pPr marL="2286000" algn="l" defTabSz="457200" rtl="0" eaLnBrk="1" latinLnBrk="0" hangingPunct="1">
+      <a:defRPr sz="1200" kern="1200">
+        <a:solidFill>
+          <a:schemeClr val="tx1"/>
+        </a:solidFill>
+        <a:latin typeface="+mn-lt"/>
+        <a:ea typeface="+mn-ea"/>
+        <a:cs typeface="+mn-cs"/>
+      </a:defRPr>
+    </a:lvl6pPr>
+    <a:lvl7pPr marL="2743200" algn="l" defTabSz="457200" rtl="0" eaLnBrk="1" latinLnBrk="0" hangingPunct="1">
+      <a:defRPr sz="1200" kern="1200">
+        <a:solidFill>
+          <a:schemeClr val="tx1"/>
+        </a:solidFill>
+        <a:latin typeface="+mn-lt"/>
+        <a:ea typeface="+mn-ea"/>
+        <a:cs typeface="+mn-cs"/>
+      </a:defRPr>
+    </a:lvl7pPr>
+    <a:lvl8pPr marL="3200400" algn="l" defTabSz="457200" rtl="0" eaLnBrk="1" latinLnBrk="0" hangingPunct="1">
+      <a:defRPr sz="1200" kern="1200">
+        <a:solidFill>
+          <a:schemeClr val="tx1"/>
+        </a:solidFill>
+        <a:latin typeface="+mn-lt"/>
+        <a:ea typeface="+mn-ea"/>
+        <a:cs typeface="+mn-cs"/>
+      </a:defRPr>
+    </a:lvl8pPr>
+    <a:lvl9pPr marL="3657600" algn="l" defTabSz="457200" rtl="0" eaLnBrk="1" latinLnBrk="0" hangingPunct="1">
+      <a:defRPr sz="1200" kern="1200">
+        <a:solidFill>
+          <a:schemeClr val="tx1"/>
+        </a:solidFill>
+        <a:latin typeface="+mn-lt"/>
+        <a:ea typeface="+mn-ea"/>
+        <a:cs typeface="+mn-cs"/>
+      </a:defRPr>
+    </a:lvl9pPr>
+  </p:notesStyle>
+</p:notesMaster>
+</file>
+
+<file path=ppt/notesSlides/notesSlide1.xml><?xml version="1.0" encoding="utf-8"?>
+<p:notes xmlns:a="http://schemas.openxmlformats.org/drawingml/2006/main" xmlns:r="http://schemas.openxmlformats.org/officeDocument/2006/relationships" xmlns:p="http://schemas.openxmlformats.org/presentationml/2006/main">
+  <p:cSld>
+    <p:spTree>
+      <p:nvGrpSpPr>
+        <p:cNvPr id="1" name=""/>
+        <p:cNvGrpSpPr/>
+        <p:nvPr/>
+      </p:nvGrpSpPr>
+      <p:grpSpPr>
+        <a:xfrm>
+          <a:off x="0" y="0"/>
+          <a:ext cx="0" cy="0"/>
+          <a:chOff x="0" y="0"/>
+          <a:chExt cx="0" cy="0"/>
+        </a:xfrm>
+      </p:grpSpPr>
+      <p:sp>
+        <p:nvSpPr>
+          <p:cNvPr id="2" name="Slide Image Placeholder 1"/>
+          <p:cNvSpPr>
+            <a:spLocks noGrp="1" noRot="1" noChangeAspect="1"/>
+          </p:cNvSpPr>
+          <p:nvPr>
+            <p:ph type="sldImg"/>
+          </p:nvPr>
+        </p:nvSpPr>
+        <p:spPr/>
+      </p:sp>
+      <p:sp>
+        <p:nvSpPr>
+          <p:cNvPr id="3" name="Notes Placeholder 2"/>
+          <p:cNvSpPr>
+            <a:spLocks noGrp="1"/>
+          </p:cNvSpPr>
+          <p:nvPr>
+            <p:ph type="body" idx="1"/>
+          </p:nvPr>
+        </p:nvSpPr>
+        <p:spPr/>
+        <p:txBody>
+          <a:bodyPr/>
+          <a:lstStyle/>
+          <a:p>
+            <a:pPr marL="0" marR="0" indent="0" algn="l" defTabSz="457200" rtl="0" eaLnBrk="1" fontAlgn="auto" latinLnBrk="0" hangingPunct="1">
+              <a:lnSpc>
+                <a:spcPct val="100000"/>
+              </a:lnSpc>
+              <a:spcBef>
+                <a:spcPts val="0"/>
+              </a:spcBef>
+              <a:spcAft>
+                <a:spcPts val="0"/>
+              </a:spcAft>
+              <a:buClrTx/>
+              <a:buSzTx/>
+              <a:buFontTx/>
+              <a:buNone/>
+              <a:tabLst/>
+              <a:defRPr/>
+            </a:pPr>
+            <a:r>
+              <a:rPr lang="en-US" dirty="0" smtClean="0"/>
+              <a:t>MAX 15 MINUTES</a:t>
+            </a:r>
+            <a:r>
+              <a:rPr lang="en-US" baseline="0" dirty="0" smtClean="0"/>
+              <a:t> UPTO Q&amp;A</a:t>
+            </a:r>
+            <a:endParaRPr lang="en-US" dirty="0" smtClean="0"/>
+          </a:p>
+          <a:p>
+            <a:endParaRPr lang="en-US" dirty="0"/>
+          </a:p>
+        </p:txBody>
+      </p:sp>
+      <p:sp>
+        <p:nvSpPr>
+          <p:cNvPr id="4" name="Slide Number Placeholder 3"/>
+          <p:cNvSpPr>
+            <a:spLocks noGrp="1"/>
+          </p:cNvSpPr>
+          <p:nvPr>
+            <p:ph type="sldNum" sz="quarter" idx="10"/>
+          </p:nvPr>
+        </p:nvSpPr>
+        <p:spPr/>
+        <p:txBody>
+          <a:bodyPr/>
+          <a:lstStyle/>
+          <a:p>
+            <a:fld id="{F2EEF75A-01B5-F242-B9D1-ABB8057E63C6}" type="slidenum">
+              <a:rPr lang="en-US" smtClean="0"/>
+              <a:t>1</a:t>
+            </a:fld>
+            <a:endParaRPr lang="en-US"/>
+          </a:p>
+        </p:txBody>
+      </p:sp>
+    </p:spTree>
+    <p:extLst>
+      <p:ext uri="{BB962C8B-B14F-4D97-AF65-F5344CB8AC3E}">
+        <p14:creationId xmlns:p14="http://schemas.microsoft.com/office/powerpoint/2010/main" val="2540443294"/>
+      </p:ext>
+    </p:extLst>
+  </p:cSld>
+  <p:clrMapOvr>
+    <a:masterClrMapping/>
+  </p:clrMapOvr>
+</p:notes>
+</file>
+
+<file path=ppt/notesSlides/notesSlide10.xml><?xml version="1.0" encoding="utf-8"?>
+<p:notes xmlns:a="http://schemas.openxmlformats.org/drawingml/2006/main" xmlns:r="http://schemas.openxmlformats.org/officeDocument/2006/relationships" xmlns:p="http://schemas.openxmlformats.org/presentationml/2006/main">
+  <p:cSld>
+    <p:spTree>
+      <p:nvGrpSpPr>
+        <p:cNvPr id="1" name=""/>
+        <p:cNvGrpSpPr/>
+        <p:nvPr/>
+      </p:nvGrpSpPr>
+      <p:grpSpPr>
+        <a:xfrm>
+          <a:off x="0" y="0"/>
+          <a:ext cx="0" cy="0"/>
+          <a:chOff x="0" y="0"/>
+          <a:chExt cx="0" cy="0"/>
+        </a:xfrm>
+      </p:grpSpPr>
+      <p:sp>
+        <p:nvSpPr>
+          <p:cNvPr id="2" name="Slide Image Placeholder 1"/>
+          <p:cNvSpPr>
+            <a:spLocks noGrp="1" noRot="1" noChangeAspect="1"/>
+          </p:cNvSpPr>
+          <p:nvPr>
+            <p:ph type="sldImg"/>
+          </p:nvPr>
+        </p:nvSpPr>
+        <p:spPr/>
+      </p:sp>
+      <p:sp>
+        <p:nvSpPr>
+          <p:cNvPr id="3" name="Notes Placeholder 2"/>
+          <p:cNvSpPr>
+            <a:spLocks noGrp="1"/>
+          </p:cNvSpPr>
+          <p:nvPr>
+            <p:ph type="body" idx="1"/>
+          </p:nvPr>
+        </p:nvSpPr>
+        <p:spPr/>
+        <p:txBody>
+          <a:bodyPr/>
+          <a:lstStyle/>
+          <a:p>
+            <a:r>
+              <a:rPr lang="en-US" dirty="0" err="1" smtClean="0"/>
+              <a:t>arduino</a:t>
+            </a:r>
+            <a:r>
+              <a:rPr lang="en-US" baseline="0" dirty="0" smtClean="0"/>
+              <a:t> </a:t>
+            </a:r>
+            <a:r>
+              <a:rPr lang="en-US" baseline="0" dirty="0" err="1" smtClean="0"/>
+              <a:t>uno</a:t>
+            </a:r>
+            <a:r>
+              <a:rPr lang="en-US" baseline="0" dirty="0" smtClean="0"/>
+              <a:t> – various algorithms for data flow – final algorithm for connecting three finger boards to one </a:t>
+            </a:r>
+            <a:r>
+              <a:rPr lang="en-US" baseline="0" dirty="0" err="1" smtClean="0"/>
+              <a:t>arduino</a:t>
+            </a:r>
+            <a:endParaRPr lang="en-US" dirty="0"/>
+          </a:p>
+        </p:txBody>
+      </p:sp>
+      <p:sp>
+        <p:nvSpPr>
+          <p:cNvPr id="4" name="Slide Number Placeholder 3"/>
+          <p:cNvSpPr>
+            <a:spLocks noGrp="1"/>
+          </p:cNvSpPr>
+          <p:nvPr>
+            <p:ph type="sldNum" sz="quarter" idx="10"/>
+          </p:nvPr>
+        </p:nvSpPr>
+        <p:spPr/>
+        <p:txBody>
+          <a:bodyPr/>
+          <a:lstStyle/>
+          <a:p>
+            <a:fld id="{F2EEF75A-01B5-F242-B9D1-ABB8057E63C6}" type="slidenum">
+              <a:rPr lang="en-US" smtClean="0"/>
+              <a:t>11</a:t>
+            </a:fld>
+            <a:endParaRPr lang="en-US"/>
+          </a:p>
+        </p:txBody>
+      </p:sp>
+    </p:spTree>
+    <p:extLst>
+      <p:ext uri="{BB962C8B-B14F-4D97-AF65-F5344CB8AC3E}">
+        <p14:creationId xmlns:p14="http://schemas.microsoft.com/office/powerpoint/2010/main" val="1527327863"/>
+      </p:ext>
+    </p:extLst>
+  </p:cSld>
+  <p:clrMapOvr>
+    <a:masterClrMapping/>
+  </p:clrMapOvr>
+</p:notes>
+</file>
+
+<file path=ppt/notesSlides/notesSlide11.xml><?xml version="1.0" encoding="utf-8"?>
+<p:notes xmlns:a="http://schemas.openxmlformats.org/drawingml/2006/main" xmlns:r="http://schemas.openxmlformats.org/officeDocument/2006/relationships" xmlns:p="http://schemas.openxmlformats.org/presentationml/2006/main">
+  <p:cSld>
+    <p:spTree>
+      <p:nvGrpSpPr>
+        <p:cNvPr id="1" name=""/>
+        <p:cNvGrpSpPr/>
+        <p:nvPr/>
+      </p:nvGrpSpPr>
+      <p:grpSpPr>
+        <a:xfrm>
+          <a:off x="0" y="0"/>
+          <a:ext cx="0" cy="0"/>
+          <a:chOff x="0" y="0"/>
+          <a:chExt cx="0" cy="0"/>
+        </a:xfrm>
+      </p:grpSpPr>
+      <p:sp>
+        <p:nvSpPr>
+          <p:cNvPr id="2" name="Slide Image Placeholder 1"/>
+          <p:cNvSpPr>
+            <a:spLocks noGrp="1" noRot="1" noChangeAspect="1"/>
+          </p:cNvSpPr>
+          <p:nvPr>
+            <p:ph type="sldImg"/>
+          </p:nvPr>
+        </p:nvSpPr>
+        <p:spPr/>
+      </p:sp>
+      <p:sp>
+        <p:nvSpPr>
+          <p:cNvPr id="3" name="Notes Placeholder 2"/>
+          <p:cNvSpPr>
+            <a:spLocks noGrp="1"/>
+          </p:cNvSpPr>
+          <p:nvPr>
+            <p:ph type="body" idx="1"/>
+          </p:nvPr>
+        </p:nvSpPr>
+        <p:spPr/>
+        <p:txBody>
+          <a:bodyPr/>
+          <a:lstStyle/>
+          <a:p>
+            <a:r>
+              <a:rPr lang="en-US" dirty="0" smtClean="0"/>
+              <a:t>python</a:t>
+            </a:r>
+            <a:r>
+              <a:rPr lang="en-US" baseline="0" dirty="0" smtClean="0"/>
+              <a:t> </a:t>
+            </a:r>
+            <a:r>
+              <a:rPr lang="en-US" baseline="0" dirty="0" err="1" smtClean="0"/>
+              <a:t>gui</a:t>
+            </a:r>
+            <a:endParaRPr lang="en-US" baseline="0" dirty="0" smtClean="0"/>
+          </a:p>
+          <a:p>
+            <a:r>
+              <a:rPr lang="en-US" baseline="0" dirty="0" err="1" smtClean="0"/>
+              <a:t>juce</a:t>
+            </a:r>
+            <a:r>
+              <a:rPr lang="en-US" baseline="0" dirty="0" smtClean="0"/>
+              <a:t> </a:t>
+            </a:r>
+            <a:r>
+              <a:rPr lang="en-US" baseline="0" dirty="0" err="1" smtClean="0"/>
+              <a:t>moveover</a:t>
+            </a:r>
+            <a:r>
+              <a:rPr lang="en-US" baseline="0" dirty="0" smtClean="0"/>
+              <a:t> –why?</a:t>
+            </a:r>
+            <a:endParaRPr lang="en-US" dirty="0"/>
+          </a:p>
+        </p:txBody>
+      </p:sp>
+      <p:sp>
+        <p:nvSpPr>
+          <p:cNvPr id="4" name="Slide Number Placeholder 3"/>
+          <p:cNvSpPr>
+            <a:spLocks noGrp="1"/>
+          </p:cNvSpPr>
+          <p:nvPr>
+            <p:ph type="sldNum" sz="quarter" idx="10"/>
+          </p:nvPr>
+        </p:nvSpPr>
+        <p:spPr/>
+        <p:txBody>
+          <a:bodyPr/>
+          <a:lstStyle/>
+          <a:p>
+            <a:fld id="{F2EEF75A-01B5-F242-B9D1-ABB8057E63C6}" type="slidenum">
+              <a:rPr lang="en-US" smtClean="0"/>
+              <a:t>12</a:t>
+            </a:fld>
+            <a:endParaRPr lang="en-US"/>
+          </a:p>
+        </p:txBody>
+      </p:sp>
+    </p:spTree>
+    <p:extLst>
+      <p:ext uri="{BB962C8B-B14F-4D97-AF65-F5344CB8AC3E}">
+        <p14:creationId xmlns:p14="http://schemas.microsoft.com/office/powerpoint/2010/main" val="3363706035"/>
+      </p:ext>
+    </p:extLst>
+  </p:cSld>
+  <p:clrMapOvr>
+    <a:masterClrMapping/>
+  </p:clrMapOvr>
+</p:notes>
+</file>
+
+<file path=ppt/notesSlides/notesSlide12.xml><?xml version="1.0" encoding="utf-8"?>
+<p:notes xmlns:a="http://schemas.openxmlformats.org/drawingml/2006/main" xmlns:r="http://schemas.openxmlformats.org/officeDocument/2006/relationships" xmlns:p="http://schemas.openxmlformats.org/presentationml/2006/main">
+  <p:cSld>
+    <p:spTree>
+      <p:nvGrpSpPr>
+        <p:cNvPr id="1" name=""/>
+        <p:cNvGrpSpPr/>
+        <p:nvPr/>
+      </p:nvGrpSpPr>
+      <p:grpSpPr>
+        <a:xfrm>
+          <a:off x="0" y="0"/>
+          <a:ext cx="0" cy="0"/>
+          <a:chOff x="0" y="0"/>
+          <a:chExt cx="0" cy="0"/>
+        </a:xfrm>
+      </p:grpSpPr>
+      <p:sp>
+        <p:nvSpPr>
+          <p:cNvPr id="2" name="Slide Image Placeholder 1"/>
+          <p:cNvSpPr>
+            <a:spLocks noGrp="1" noRot="1" noChangeAspect="1"/>
+          </p:cNvSpPr>
+          <p:nvPr>
+            <p:ph type="sldImg"/>
+          </p:nvPr>
+        </p:nvSpPr>
+        <p:spPr/>
+      </p:sp>
+      <p:sp>
+        <p:nvSpPr>
+          <p:cNvPr id="3" name="Notes Placeholder 2"/>
+          <p:cNvSpPr>
+            <a:spLocks noGrp="1"/>
+          </p:cNvSpPr>
+          <p:nvPr>
+            <p:ph type="body" idx="1"/>
+          </p:nvPr>
+        </p:nvSpPr>
+        <p:spPr/>
+        <p:txBody>
+          <a:bodyPr/>
+          <a:lstStyle/>
+          <a:p>
+            <a:r>
+              <a:rPr lang="en-US" dirty="0" smtClean="0"/>
+              <a:t>development of</a:t>
+            </a:r>
+            <a:r>
+              <a:rPr lang="en-US" baseline="0" dirty="0" smtClean="0"/>
+              <a:t> </a:t>
+            </a:r>
+            <a:r>
+              <a:rPr lang="en-US" dirty="0" smtClean="0"/>
+              <a:t>3d printed rings</a:t>
+            </a:r>
+            <a:endParaRPr lang="en-US" dirty="0"/>
+          </a:p>
+        </p:txBody>
+      </p:sp>
+      <p:sp>
+        <p:nvSpPr>
+          <p:cNvPr id="4" name="Slide Number Placeholder 3"/>
+          <p:cNvSpPr>
+            <a:spLocks noGrp="1"/>
+          </p:cNvSpPr>
+          <p:nvPr>
+            <p:ph type="sldNum" sz="quarter" idx="10"/>
+          </p:nvPr>
+        </p:nvSpPr>
+        <p:spPr/>
+        <p:txBody>
+          <a:bodyPr/>
+          <a:lstStyle/>
+          <a:p>
+            <a:fld id="{F2EEF75A-01B5-F242-B9D1-ABB8057E63C6}" type="slidenum">
+              <a:rPr lang="en-US" smtClean="0"/>
+              <a:t>13</a:t>
+            </a:fld>
+            <a:endParaRPr lang="en-US"/>
+          </a:p>
+        </p:txBody>
+      </p:sp>
+    </p:spTree>
+    <p:extLst>
+      <p:ext uri="{BB962C8B-B14F-4D97-AF65-F5344CB8AC3E}">
+        <p14:creationId xmlns:p14="http://schemas.microsoft.com/office/powerpoint/2010/main" val="1259841641"/>
+      </p:ext>
+    </p:extLst>
+  </p:cSld>
+  <p:clrMapOvr>
+    <a:masterClrMapping/>
+  </p:clrMapOvr>
+</p:notes>
+</file>
+
+<file path=ppt/notesSlides/notesSlide13.xml><?xml version="1.0" encoding="utf-8"?>
+<p:notes xmlns:a="http://schemas.openxmlformats.org/drawingml/2006/main" xmlns:r="http://schemas.openxmlformats.org/officeDocument/2006/relationships" xmlns:p="http://schemas.openxmlformats.org/presentationml/2006/main">
+  <p:cSld>
+    <p:spTree>
+      <p:nvGrpSpPr>
+        <p:cNvPr id="1" name=""/>
+        <p:cNvGrpSpPr/>
+        <p:nvPr/>
+      </p:nvGrpSpPr>
+      <p:grpSpPr>
+        <a:xfrm>
+          <a:off x="0" y="0"/>
+          <a:ext cx="0" cy="0"/>
+          <a:chOff x="0" y="0"/>
+          <a:chExt cx="0" cy="0"/>
+        </a:xfrm>
+      </p:grpSpPr>
+      <p:sp>
+        <p:nvSpPr>
+          <p:cNvPr id="2" name="Slide Image Placeholder 1"/>
+          <p:cNvSpPr>
+            <a:spLocks noGrp="1" noRot="1" noChangeAspect="1"/>
+          </p:cNvSpPr>
+          <p:nvPr>
+            <p:ph type="sldImg"/>
+          </p:nvPr>
+        </p:nvSpPr>
+        <p:spPr/>
+      </p:sp>
+      <p:sp>
+        <p:nvSpPr>
+          <p:cNvPr id="3" name="Notes Placeholder 2"/>
+          <p:cNvSpPr>
+            <a:spLocks noGrp="1"/>
+          </p:cNvSpPr>
+          <p:nvPr>
+            <p:ph type="body" idx="1"/>
+          </p:nvPr>
+        </p:nvSpPr>
+        <p:spPr/>
+        <p:txBody>
+          <a:bodyPr/>
+          <a:lstStyle/>
+          <a:p>
+            <a:r>
+              <a:rPr lang="en-US" dirty="0" smtClean="0"/>
+              <a:t>summary of what was</a:t>
+            </a:r>
+            <a:r>
+              <a:rPr lang="en-US" baseline="0" dirty="0" smtClean="0"/>
+              <a:t> implemented in the end</a:t>
+            </a:r>
+            <a:endParaRPr lang="en-US" dirty="0"/>
+          </a:p>
+        </p:txBody>
+      </p:sp>
+      <p:sp>
+        <p:nvSpPr>
+          <p:cNvPr id="4" name="Slide Number Placeholder 3"/>
+          <p:cNvSpPr>
+            <a:spLocks noGrp="1"/>
+          </p:cNvSpPr>
+          <p:nvPr>
+            <p:ph type="sldNum" sz="quarter" idx="10"/>
+          </p:nvPr>
+        </p:nvSpPr>
+        <p:spPr/>
+        <p:txBody>
+          <a:bodyPr/>
+          <a:lstStyle/>
+          <a:p>
+            <a:fld id="{F2EEF75A-01B5-F242-B9D1-ABB8057E63C6}" type="slidenum">
+              <a:rPr lang="en-US" smtClean="0"/>
+              <a:t>14</a:t>
+            </a:fld>
+            <a:endParaRPr lang="en-US"/>
+          </a:p>
+        </p:txBody>
+      </p:sp>
+    </p:spTree>
+    <p:extLst>
+      <p:ext uri="{BB962C8B-B14F-4D97-AF65-F5344CB8AC3E}">
+        <p14:creationId xmlns:p14="http://schemas.microsoft.com/office/powerpoint/2010/main" val="1635283673"/>
+      </p:ext>
+    </p:extLst>
+  </p:cSld>
+  <p:clrMapOvr>
+    <a:masterClrMapping/>
+  </p:clrMapOvr>
+</p:notes>
+</file>
+
+<file path=ppt/notesSlides/notesSlide14.xml><?xml version="1.0" encoding="utf-8"?>
+<p:notes xmlns:a="http://schemas.openxmlformats.org/drawingml/2006/main" xmlns:r="http://schemas.openxmlformats.org/officeDocument/2006/relationships" xmlns:p="http://schemas.openxmlformats.org/presentationml/2006/main">
+  <p:cSld>
+    <p:spTree>
+      <p:nvGrpSpPr>
+        <p:cNvPr id="1" name=""/>
+        <p:cNvGrpSpPr/>
+        <p:nvPr/>
+      </p:nvGrpSpPr>
+      <p:grpSpPr>
+        <a:xfrm>
+          <a:off x="0" y="0"/>
+          <a:ext cx="0" cy="0"/>
+          <a:chOff x="0" y="0"/>
+          <a:chExt cx="0" cy="0"/>
+        </a:xfrm>
+      </p:grpSpPr>
+      <p:sp>
+        <p:nvSpPr>
+          <p:cNvPr id="2" name="Slide Image Placeholder 1"/>
+          <p:cNvSpPr>
+            <a:spLocks noGrp="1" noRot="1" noChangeAspect="1"/>
+          </p:cNvSpPr>
+          <p:nvPr>
+            <p:ph type="sldImg"/>
+          </p:nvPr>
+        </p:nvSpPr>
+        <p:spPr/>
+      </p:sp>
+      <p:sp>
+        <p:nvSpPr>
+          <p:cNvPr id="3" name="Notes Placeholder 2"/>
+          <p:cNvSpPr>
+            <a:spLocks noGrp="1"/>
+          </p:cNvSpPr>
+          <p:nvPr>
+            <p:ph type="body" idx="1"/>
+          </p:nvPr>
+        </p:nvSpPr>
+        <p:spPr/>
+        <p:txBody>
+          <a:bodyPr/>
+          <a:lstStyle/>
+          <a:p>
+            <a:r>
+              <a:rPr lang="en-US" dirty="0" smtClean="0"/>
+              <a:t>digital</a:t>
+            </a:r>
+            <a:r>
+              <a:rPr lang="en-US" baseline="0" dirty="0" smtClean="0"/>
+              <a:t> noise in rails feeding through to microphone circuit. </a:t>
+            </a:r>
+            <a:r>
+              <a:rPr lang="en-US" baseline="0" dirty="0" err="1" smtClean="0"/>
+              <a:t>pwm</a:t>
+            </a:r>
+            <a:r>
+              <a:rPr lang="en-US" baseline="0" dirty="0" smtClean="0"/>
+              <a:t> noise (still present in new </a:t>
+            </a:r>
+            <a:r>
+              <a:rPr lang="en-US" baseline="0" dirty="0" err="1" smtClean="0"/>
+              <a:t>arduino</a:t>
+            </a:r>
+            <a:r>
+              <a:rPr lang="en-US" baseline="0" dirty="0" smtClean="0"/>
+              <a:t> shield?)</a:t>
+            </a:r>
+          </a:p>
+          <a:p>
+            <a:r>
+              <a:rPr lang="en-US" baseline="0" dirty="0" smtClean="0"/>
+              <a:t>noise induction onto signal</a:t>
+            </a:r>
+            <a:endParaRPr lang="en-US" dirty="0"/>
+          </a:p>
+        </p:txBody>
+      </p:sp>
+      <p:sp>
+        <p:nvSpPr>
+          <p:cNvPr id="4" name="Slide Number Placeholder 3"/>
+          <p:cNvSpPr>
+            <a:spLocks noGrp="1"/>
+          </p:cNvSpPr>
+          <p:nvPr>
+            <p:ph type="sldNum" sz="quarter" idx="10"/>
+          </p:nvPr>
+        </p:nvSpPr>
+        <p:spPr/>
+        <p:txBody>
+          <a:bodyPr/>
+          <a:lstStyle/>
+          <a:p>
+            <a:fld id="{F2EEF75A-01B5-F242-B9D1-ABB8057E63C6}" type="slidenum">
+              <a:rPr lang="en-US" smtClean="0"/>
+              <a:t>15</a:t>
+            </a:fld>
+            <a:endParaRPr lang="en-US"/>
+          </a:p>
+        </p:txBody>
+      </p:sp>
+    </p:spTree>
+    <p:extLst>
+      <p:ext uri="{BB962C8B-B14F-4D97-AF65-F5344CB8AC3E}">
+        <p14:creationId xmlns:p14="http://schemas.microsoft.com/office/powerpoint/2010/main" val="1327034777"/>
+      </p:ext>
+    </p:extLst>
+  </p:cSld>
+  <p:clrMapOvr>
+    <a:masterClrMapping/>
+  </p:clrMapOvr>
+</p:notes>
+</file>
+
+<file path=ppt/notesSlides/notesSlide15.xml><?xml version="1.0" encoding="utf-8"?>
+<p:notes xmlns:a="http://schemas.openxmlformats.org/drawingml/2006/main" xmlns:r="http://schemas.openxmlformats.org/officeDocument/2006/relationships" xmlns:p="http://schemas.openxmlformats.org/presentationml/2006/main">
+  <p:cSld>
+    <p:spTree>
+      <p:nvGrpSpPr>
+        <p:cNvPr id="1" name=""/>
+        <p:cNvGrpSpPr/>
+        <p:nvPr/>
+      </p:nvGrpSpPr>
+      <p:grpSpPr>
+        <a:xfrm>
+          <a:off x="0" y="0"/>
+          <a:ext cx="0" cy="0"/>
+          <a:chOff x="0" y="0"/>
+          <a:chExt cx="0" cy="0"/>
+        </a:xfrm>
+      </p:grpSpPr>
+      <p:sp>
+        <p:nvSpPr>
+          <p:cNvPr id="2" name="Slide Image Placeholder 1"/>
+          <p:cNvSpPr>
+            <a:spLocks noGrp="1" noRot="1" noChangeAspect="1"/>
+          </p:cNvSpPr>
+          <p:nvPr>
+            <p:ph type="sldImg"/>
+          </p:nvPr>
+        </p:nvSpPr>
+        <p:spPr/>
+      </p:sp>
+      <p:sp>
+        <p:nvSpPr>
+          <p:cNvPr id="3" name="Notes Placeholder 2"/>
+          <p:cNvSpPr>
+            <a:spLocks noGrp="1"/>
+          </p:cNvSpPr>
+          <p:nvPr>
+            <p:ph type="body" idx="1"/>
+          </p:nvPr>
+        </p:nvSpPr>
+        <p:spPr/>
+        <p:txBody>
+          <a:bodyPr/>
+          <a:lstStyle/>
+          <a:p>
+            <a:r>
+              <a:rPr lang="en-US" dirty="0" smtClean="0"/>
+              <a:t>effects of sample rate – how </a:t>
+            </a:r>
+            <a:r>
+              <a:rPr lang="en-US" dirty="0" err="1" smtClean="0"/>
+              <a:t>multirate</a:t>
+            </a:r>
+            <a:r>
+              <a:rPr lang="en-US" dirty="0" smtClean="0"/>
+              <a:t> system developed</a:t>
+            </a:r>
+          </a:p>
+          <a:p>
+            <a:r>
+              <a:rPr lang="en-US" dirty="0" smtClean="0"/>
+              <a:t>interpolation – frequency analyses</a:t>
+            </a:r>
+            <a:r>
+              <a:rPr lang="en-US" baseline="0" dirty="0" smtClean="0"/>
+              <a:t> – effects on microphone signal</a:t>
+            </a:r>
+            <a:endParaRPr lang="en-US" dirty="0"/>
+          </a:p>
+        </p:txBody>
+      </p:sp>
+      <p:sp>
+        <p:nvSpPr>
+          <p:cNvPr id="4" name="Slide Number Placeholder 3"/>
+          <p:cNvSpPr>
+            <a:spLocks noGrp="1"/>
+          </p:cNvSpPr>
+          <p:nvPr>
+            <p:ph type="sldNum" sz="quarter" idx="10"/>
+          </p:nvPr>
+        </p:nvSpPr>
+        <p:spPr/>
+        <p:txBody>
+          <a:bodyPr/>
+          <a:lstStyle/>
+          <a:p>
+            <a:fld id="{F2EEF75A-01B5-F242-B9D1-ABB8057E63C6}" type="slidenum">
+              <a:rPr lang="en-US" smtClean="0"/>
+              <a:t>16</a:t>
+            </a:fld>
+            <a:endParaRPr lang="en-US"/>
+          </a:p>
+        </p:txBody>
+      </p:sp>
+    </p:spTree>
+    <p:extLst>
+      <p:ext uri="{BB962C8B-B14F-4D97-AF65-F5344CB8AC3E}">
+        <p14:creationId xmlns:p14="http://schemas.microsoft.com/office/powerpoint/2010/main" val="573992457"/>
+      </p:ext>
+    </p:extLst>
+  </p:cSld>
+  <p:clrMapOvr>
+    <a:masterClrMapping/>
+  </p:clrMapOvr>
+</p:notes>
+</file>
+
+<file path=ppt/notesSlides/notesSlide16.xml><?xml version="1.0" encoding="utf-8"?>
+<p:notes xmlns:a="http://schemas.openxmlformats.org/drawingml/2006/main" xmlns:r="http://schemas.openxmlformats.org/officeDocument/2006/relationships" xmlns:p="http://schemas.openxmlformats.org/presentationml/2006/main">
+  <p:cSld>
+    <p:spTree>
+      <p:nvGrpSpPr>
+        <p:cNvPr id="1" name=""/>
+        <p:cNvGrpSpPr/>
+        <p:nvPr/>
+      </p:nvGrpSpPr>
+      <p:grpSpPr>
+        <a:xfrm>
+          <a:off x="0" y="0"/>
+          <a:ext cx="0" cy="0"/>
+          <a:chOff x="0" y="0"/>
+          <a:chExt cx="0" cy="0"/>
+        </a:xfrm>
+      </p:grpSpPr>
+      <p:sp>
+        <p:nvSpPr>
+          <p:cNvPr id="2" name="Slide Image Placeholder 1"/>
+          <p:cNvSpPr>
+            <a:spLocks noGrp="1" noRot="1" noChangeAspect="1"/>
+          </p:cNvSpPr>
+          <p:nvPr>
+            <p:ph type="sldImg"/>
+          </p:nvPr>
+        </p:nvSpPr>
+        <p:spPr/>
+      </p:sp>
+      <p:sp>
+        <p:nvSpPr>
+          <p:cNvPr id="3" name="Notes Placeholder 2"/>
+          <p:cNvSpPr>
+            <a:spLocks noGrp="1"/>
+          </p:cNvSpPr>
+          <p:nvPr>
+            <p:ph type="body" idx="1"/>
+          </p:nvPr>
+        </p:nvSpPr>
+        <p:spPr/>
+        <p:txBody>
+          <a:bodyPr/>
+          <a:lstStyle/>
+          <a:p>
+            <a:r>
+              <a:rPr lang="en-US" dirty="0" smtClean="0"/>
+              <a:t>demo videos of prototype 0.2.04 – boards</a:t>
+            </a:r>
+            <a:r>
+              <a:rPr lang="en-US" baseline="0" dirty="0" smtClean="0"/>
+              <a:t> on bench – </a:t>
+            </a:r>
+            <a:r>
+              <a:rPr lang="en-US" baseline="0" dirty="0" err="1" smtClean="0"/>
+              <a:t>analysing</a:t>
+            </a:r>
+            <a:r>
+              <a:rPr lang="en-US" baseline="0" dirty="0" smtClean="0"/>
+              <a:t> use without effects of noise</a:t>
+            </a:r>
+          </a:p>
+          <a:p>
+            <a:r>
+              <a:rPr lang="en-US" baseline="0" dirty="0" smtClean="0"/>
+              <a:t>boards on fingers – </a:t>
+            </a:r>
+            <a:r>
+              <a:rPr lang="en-US" baseline="0" dirty="0" err="1" smtClean="0"/>
+              <a:t>analysing</a:t>
+            </a:r>
+            <a:r>
+              <a:rPr lang="en-US" baseline="0" dirty="0" smtClean="0"/>
+              <a:t> use with effects of cross-board pickup of taps and </a:t>
+            </a:r>
+            <a:r>
+              <a:rPr lang="en-US" baseline="0" dirty="0" err="1" smtClean="0"/>
+              <a:t>mis</a:t>
+            </a:r>
+            <a:r>
+              <a:rPr lang="en-US" baseline="0" dirty="0" smtClean="0"/>
+              <a:t>-triggering of sample files</a:t>
+            </a:r>
+            <a:endParaRPr lang="en-US" dirty="0"/>
+          </a:p>
+        </p:txBody>
+      </p:sp>
+      <p:sp>
+        <p:nvSpPr>
+          <p:cNvPr id="4" name="Slide Number Placeholder 3"/>
+          <p:cNvSpPr>
+            <a:spLocks noGrp="1"/>
+          </p:cNvSpPr>
+          <p:nvPr>
+            <p:ph type="sldNum" sz="quarter" idx="10"/>
+          </p:nvPr>
+        </p:nvSpPr>
+        <p:spPr/>
+        <p:txBody>
+          <a:bodyPr/>
+          <a:lstStyle/>
+          <a:p>
+            <a:fld id="{F2EEF75A-01B5-F242-B9D1-ABB8057E63C6}" type="slidenum">
+              <a:rPr lang="en-US" smtClean="0"/>
+              <a:t>17</a:t>
+            </a:fld>
+            <a:endParaRPr lang="en-US"/>
+          </a:p>
+        </p:txBody>
+      </p:sp>
+    </p:spTree>
+    <p:extLst>
+      <p:ext uri="{BB962C8B-B14F-4D97-AF65-F5344CB8AC3E}">
+        <p14:creationId xmlns:p14="http://schemas.microsoft.com/office/powerpoint/2010/main" val="3388418271"/>
+      </p:ext>
+    </p:extLst>
+  </p:cSld>
+  <p:clrMapOvr>
+    <a:masterClrMapping/>
+  </p:clrMapOvr>
+</p:notes>
+</file>
+
+<file path=ppt/notesSlides/notesSlide17.xml><?xml version="1.0" encoding="utf-8"?>
+<p:notes xmlns:a="http://schemas.openxmlformats.org/drawingml/2006/main" xmlns:r="http://schemas.openxmlformats.org/officeDocument/2006/relationships" xmlns:p="http://schemas.openxmlformats.org/presentationml/2006/main">
+  <p:cSld>
+    <p:spTree>
+      <p:nvGrpSpPr>
+        <p:cNvPr id="1" name=""/>
+        <p:cNvGrpSpPr/>
+        <p:nvPr/>
+      </p:nvGrpSpPr>
+      <p:grpSpPr>
+        <a:xfrm>
+          <a:off x="0" y="0"/>
+          <a:ext cx="0" cy="0"/>
+          <a:chOff x="0" y="0"/>
+          <a:chExt cx="0" cy="0"/>
+        </a:xfrm>
+      </p:grpSpPr>
+      <p:sp>
+        <p:nvSpPr>
+          <p:cNvPr id="2" name="Slide Image Placeholder 1"/>
+          <p:cNvSpPr>
+            <a:spLocks noGrp="1" noRot="1" noChangeAspect="1"/>
+          </p:cNvSpPr>
+          <p:nvPr>
+            <p:ph type="sldImg"/>
+          </p:nvPr>
+        </p:nvSpPr>
+        <p:spPr/>
+      </p:sp>
+      <p:sp>
+        <p:nvSpPr>
+          <p:cNvPr id="3" name="Notes Placeholder 2"/>
+          <p:cNvSpPr>
+            <a:spLocks noGrp="1"/>
+          </p:cNvSpPr>
+          <p:nvPr>
+            <p:ph type="body" idx="1"/>
+          </p:nvPr>
+        </p:nvSpPr>
+        <p:spPr/>
+        <p:txBody>
+          <a:bodyPr/>
+          <a:lstStyle/>
+          <a:p>
+            <a:r>
+              <a:rPr lang="en-US" dirty="0" smtClean="0"/>
+              <a:t>what requirements met? what not met? what required for</a:t>
+            </a:r>
+            <a:r>
+              <a:rPr lang="en-US" baseline="0" dirty="0" smtClean="0"/>
+              <a:t> further development</a:t>
+            </a:r>
+            <a:endParaRPr lang="en-US" dirty="0"/>
+          </a:p>
+        </p:txBody>
+      </p:sp>
+      <p:sp>
+        <p:nvSpPr>
+          <p:cNvPr id="4" name="Slide Number Placeholder 3"/>
+          <p:cNvSpPr>
+            <a:spLocks noGrp="1"/>
+          </p:cNvSpPr>
+          <p:nvPr>
+            <p:ph type="sldNum" sz="quarter" idx="10"/>
+          </p:nvPr>
+        </p:nvSpPr>
+        <p:spPr/>
+        <p:txBody>
+          <a:bodyPr/>
+          <a:lstStyle/>
+          <a:p>
+            <a:fld id="{F2EEF75A-01B5-F242-B9D1-ABB8057E63C6}" type="slidenum">
+              <a:rPr lang="en-US" smtClean="0"/>
+              <a:t>18</a:t>
+            </a:fld>
+            <a:endParaRPr lang="en-US"/>
+          </a:p>
+        </p:txBody>
+      </p:sp>
+    </p:spTree>
+    <p:extLst>
+      <p:ext uri="{BB962C8B-B14F-4D97-AF65-F5344CB8AC3E}">
+        <p14:creationId xmlns:p14="http://schemas.microsoft.com/office/powerpoint/2010/main" val="3251257322"/>
+      </p:ext>
+    </p:extLst>
+  </p:cSld>
+  <p:clrMapOvr>
+    <a:masterClrMapping/>
+  </p:clrMapOvr>
+</p:notes>
+</file>
+
+<file path=ppt/notesSlides/notesSlide18.xml><?xml version="1.0" encoding="utf-8"?>
+<p:notes xmlns:a="http://schemas.openxmlformats.org/drawingml/2006/main" xmlns:r="http://schemas.openxmlformats.org/officeDocument/2006/relationships" xmlns:p="http://schemas.openxmlformats.org/presentationml/2006/main">
+  <p:cSld>
+    <p:spTree>
+      <p:nvGrpSpPr>
+        <p:cNvPr id="1" name=""/>
+        <p:cNvGrpSpPr/>
+        <p:nvPr/>
+      </p:nvGrpSpPr>
+      <p:grpSpPr>
+        <a:xfrm>
+          <a:off x="0" y="0"/>
+          <a:ext cx="0" cy="0"/>
+          <a:chOff x="0" y="0"/>
+          <a:chExt cx="0" cy="0"/>
+        </a:xfrm>
+      </p:grpSpPr>
+      <p:sp>
+        <p:nvSpPr>
+          <p:cNvPr id="2" name="Slide Image Placeholder 1"/>
+          <p:cNvSpPr>
+            <a:spLocks noGrp="1" noRot="1" noChangeAspect="1"/>
+          </p:cNvSpPr>
+          <p:nvPr>
+            <p:ph type="sldImg"/>
+          </p:nvPr>
+        </p:nvSpPr>
+        <p:spPr/>
+      </p:sp>
+      <p:sp>
+        <p:nvSpPr>
+          <p:cNvPr id="3" name="Notes Placeholder 2"/>
+          <p:cNvSpPr>
+            <a:spLocks noGrp="1"/>
+          </p:cNvSpPr>
+          <p:nvPr>
+            <p:ph type="body" idx="1"/>
+          </p:nvPr>
+        </p:nvSpPr>
+        <p:spPr/>
+        <p:txBody>
+          <a:bodyPr/>
+          <a:lstStyle/>
+          <a:p>
+            <a:r>
+              <a:rPr lang="en-US" dirty="0" smtClean="0"/>
+              <a:t>further development. how</a:t>
+            </a:r>
+            <a:r>
+              <a:rPr lang="en-US" baseline="0" dirty="0" smtClean="0"/>
+              <a:t> to improve prototype in short term</a:t>
+            </a:r>
+            <a:endParaRPr lang="en-US" dirty="0"/>
+          </a:p>
+        </p:txBody>
+      </p:sp>
+      <p:sp>
+        <p:nvSpPr>
+          <p:cNvPr id="4" name="Slide Number Placeholder 3"/>
+          <p:cNvSpPr>
+            <a:spLocks noGrp="1"/>
+          </p:cNvSpPr>
+          <p:nvPr>
+            <p:ph type="sldNum" sz="quarter" idx="10"/>
+          </p:nvPr>
+        </p:nvSpPr>
+        <p:spPr/>
+        <p:txBody>
+          <a:bodyPr/>
+          <a:lstStyle/>
+          <a:p>
+            <a:fld id="{F2EEF75A-01B5-F242-B9D1-ABB8057E63C6}" type="slidenum">
+              <a:rPr lang="en-US" smtClean="0"/>
+              <a:t>19</a:t>
+            </a:fld>
+            <a:endParaRPr lang="en-US"/>
+          </a:p>
+        </p:txBody>
+      </p:sp>
+    </p:spTree>
+    <p:extLst>
+      <p:ext uri="{BB962C8B-B14F-4D97-AF65-F5344CB8AC3E}">
+        <p14:creationId xmlns:p14="http://schemas.microsoft.com/office/powerpoint/2010/main" val="2309206857"/>
+      </p:ext>
+    </p:extLst>
+  </p:cSld>
+  <p:clrMapOvr>
+    <a:masterClrMapping/>
+  </p:clrMapOvr>
+</p:notes>
+</file>
+
+<file path=ppt/notesSlides/notesSlide19.xml><?xml version="1.0" encoding="utf-8"?>
+<p:notes xmlns:a="http://schemas.openxmlformats.org/drawingml/2006/main" xmlns:r="http://schemas.openxmlformats.org/officeDocument/2006/relationships" xmlns:p="http://schemas.openxmlformats.org/presentationml/2006/main">
+  <p:cSld>
+    <p:spTree>
+      <p:nvGrpSpPr>
+        <p:cNvPr id="1" name=""/>
+        <p:cNvGrpSpPr/>
+        <p:nvPr/>
+      </p:nvGrpSpPr>
+      <p:grpSpPr>
+        <a:xfrm>
+          <a:off x="0" y="0"/>
+          <a:ext cx="0" cy="0"/>
+          <a:chOff x="0" y="0"/>
+          <a:chExt cx="0" cy="0"/>
+        </a:xfrm>
+      </p:grpSpPr>
+      <p:sp>
+        <p:nvSpPr>
+          <p:cNvPr id="2" name="Slide Image Placeholder 1"/>
+          <p:cNvSpPr>
+            <a:spLocks noGrp="1" noRot="1" noChangeAspect="1"/>
+          </p:cNvSpPr>
+          <p:nvPr>
+            <p:ph type="sldImg"/>
+          </p:nvPr>
+        </p:nvSpPr>
+        <p:spPr/>
+      </p:sp>
+      <p:sp>
+        <p:nvSpPr>
+          <p:cNvPr id="3" name="Notes Placeholder 2"/>
+          <p:cNvSpPr>
+            <a:spLocks noGrp="1"/>
+          </p:cNvSpPr>
+          <p:nvPr>
+            <p:ph type="body" idx="1"/>
+          </p:nvPr>
+        </p:nvSpPr>
+        <p:spPr/>
+        <p:txBody>
+          <a:bodyPr/>
+          <a:lstStyle/>
+          <a:p>
+            <a:r>
+              <a:rPr lang="en-US" dirty="0" smtClean="0"/>
+              <a:t>long</a:t>
+            </a:r>
+            <a:r>
+              <a:rPr lang="en-US" baseline="0" dirty="0" smtClean="0"/>
+              <a:t> term scope of instrument. functionalities to introduce to make marketable</a:t>
+            </a:r>
+          </a:p>
+          <a:p>
+            <a:r>
+              <a:rPr lang="en-US" baseline="0" dirty="0" err="1" smtClean="0"/>
+              <a:t>pawprints</a:t>
+            </a:r>
+            <a:r>
+              <a:rPr lang="en-US" baseline="0" dirty="0" smtClean="0"/>
+              <a:t>?</a:t>
+            </a:r>
+            <a:endParaRPr lang="en-US" dirty="0"/>
+          </a:p>
+        </p:txBody>
+      </p:sp>
+      <p:sp>
+        <p:nvSpPr>
+          <p:cNvPr id="4" name="Slide Number Placeholder 3"/>
+          <p:cNvSpPr>
+            <a:spLocks noGrp="1"/>
+          </p:cNvSpPr>
+          <p:nvPr>
+            <p:ph type="sldNum" sz="quarter" idx="10"/>
+          </p:nvPr>
+        </p:nvSpPr>
+        <p:spPr/>
+        <p:txBody>
+          <a:bodyPr/>
+          <a:lstStyle/>
+          <a:p>
+            <a:fld id="{F2EEF75A-01B5-F242-B9D1-ABB8057E63C6}" type="slidenum">
+              <a:rPr lang="en-US" smtClean="0"/>
+              <a:t>20</a:t>
+            </a:fld>
+            <a:endParaRPr lang="en-US"/>
+          </a:p>
+        </p:txBody>
+      </p:sp>
+    </p:spTree>
+    <p:extLst>
+      <p:ext uri="{BB962C8B-B14F-4D97-AF65-F5344CB8AC3E}">
+        <p14:creationId xmlns:p14="http://schemas.microsoft.com/office/powerpoint/2010/main" val="348444037"/>
+      </p:ext>
+    </p:extLst>
+  </p:cSld>
+  <p:clrMapOvr>
+    <a:masterClrMapping/>
+  </p:clrMapOvr>
+</p:notes>
+</file>
+
+<file path=ppt/notesSlides/notesSlide2.xml><?xml version="1.0" encoding="utf-8"?>
+<p:notes xmlns:a="http://schemas.openxmlformats.org/drawingml/2006/main" xmlns:r="http://schemas.openxmlformats.org/officeDocument/2006/relationships" xmlns:p="http://schemas.openxmlformats.org/presentationml/2006/main">
+  <p:cSld>
+    <p:spTree>
+      <p:nvGrpSpPr>
+        <p:cNvPr id="1" name=""/>
+        <p:cNvGrpSpPr/>
+        <p:nvPr/>
+      </p:nvGrpSpPr>
+      <p:grpSpPr>
+        <a:xfrm>
+          <a:off x="0" y="0"/>
+          <a:ext cx="0" cy="0"/>
+          <a:chOff x="0" y="0"/>
+          <a:chExt cx="0" cy="0"/>
+        </a:xfrm>
+      </p:grpSpPr>
+      <p:sp>
+        <p:nvSpPr>
+          <p:cNvPr id="2" name="Slide Image Placeholder 1"/>
+          <p:cNvSpPr>
+            <a:spLocks noGrp="1" noRot="1" noChangeAspect="1"/>
+          </p:cNvSpPr>
+          <p:nvPr>
+            <p:ph type="sldImg"/>
+          </p:nvPr>
+        </p:nvSpPr>
+        <p:spPr/>
+      </p:sp>
+      <p:sp>
+        <p:nvSpPr>
+          <p:cNvPr id="3" name="Notes Placeholder 2"/>
+          <p:cNvSpPr>
+            <a:spLocks noGrp="1"/>
+          </p:cNvSpPr>
+          <p:nvPr>
+            <p:ph type="body" idx="1"/>
+          </p:nvPr>
+        </p:nvSpPr>
+        <p:spPr/>
+        <p:txBody>
+          <a:bodyPr/>
+          <a:lstStyle/>
+          <a:p>
+            <a:endParaRPr lang="en-US"/>
+          </a:p>
+        </p:txBody>
+      </p:sp>
+      <p:sp>
+        <p:nvSpPr>
+          <p:cNvPr id="4" name="Slide Number Placeholder 3"/>
+          <p:cNvSpPr>
+            <a:spLocks noGrp="1"/>
+          </p:cNvSpPr>
+          <p:nvPr>
+            <p:ph type="sldNum" sz="quarter" idx="10"/>
+          </p:nvPr>
+        </p:nvSpPr>
+        <p:spPr/>
+        <p:txBody>
+          <a:bodyPr/>
+          <a:lstStyle/>
+          <a:p>
+            <a:fld id="{F2EEF75A-01B5-F242-B9D1-ABB8057E63C6}" type="slidenum">
+              <a:rPr lang="en-US" smtClean="0"/>
+              <a:t>3</a:t>
+            </a:fld>
+            <a:endParaRPr lang="en-US"/>
+          </a:p>
+        </p:txBody>
+      </p:sp>
+    </p:spTree>
+    <p:extLst>
+      <p:ext uri="{BB962C8B-B14F-4D97-AF65-F5344CB8AC3E}">
+        <p14:creationId xmlns:p14="http://schemas.microsoft.com/office/powerpoint/2010/main" val="1244374360"/>
+      </p:ext>
+    </p:extLst>
+  </p:cSld>
+  <p:clrMapOvr>
+    <a:masterClrMapping/>
+  </p:clrMapOvr>
+</p:notes>
+</file>
+
+<file path=ppt/notesSlides/notesSlide20.xml><?xml version="1.0" encoding="utf-8"?>
+<p:notes xmlns:a="http://schemas.openxmlformats.org/drawingml/2006/main" xmlns:r="http://schemas.openxmlformats.org/officeDocument/2006/relationships" xmlns:p="http://schemas.openxmlformats.org/presentationml/2006/main">
+  <p:cSld>
+    <p:spTree>
+      <p:nvGrpSpPr>
+        <p:cNvPr id="1" name=""/>
+        <p:cNvGrpSpPr/>
+        <p:nvPr/>
+      </p:nvGrpSpPr>
+      <p:grpSpPr>
+        <a:xfrm>
+          <a:off x="0" y="0"/>
+          <a:ext cx="0" cy="0"/>
+          <a:chOff x="0" y="0"/>
+          <a:chExt cx="0" cy="0"/>
+        </a:xfrm>
+      </p:grpSpPr>
+      <p:sp>
+        <p:nvSpPr>
+          <p:cNvPr id="2" name="Slide Image Placeholder 1"/>
+          <p:cNvSpPr>
+            <a:spLocks noGrp="1" noRot="1" noChangeAspect="1"/>
+          </p:cNvSpPr>
+          <p:nvPr>
+            <p:ph type="sldImg"/>
+          </p:nvPr>
+        </p:nvSpPr>
+        <p:spPr/>
+      </p:sp>
+      <p:sp>
+        <p:nvSpPr>
+          <p:cNvPr id="3" name="Notes Placeholder 2"/>
+          <p:cNvSpPr>
+            <a:spLocks noGrp="1"/>
+          </p:cNvSpPr>
+          <p:nvPr>
+            <p:ph type="body" idx="1"/>
+          </p:nvPr>
+        </p:nvSpPr>
+        <p:spPr/>
+        <p:txBody>
+          <a:bodyPr/>
+          <a:lstStyle/>
+          <a:p>
+            <a:r>
+              <a:rPr lang="en-US" dirty="0" smtClean="0"/>
+              <a:t>what learnt from project? key points of what was</a:t>
+            </a:r>
+            <a:r>
+              <a:rPr lang="en-US" baseline="0" dirty="0" smtClean="0"/>
+              <a:t> explored and proved in terms of concept design.</a:t>
+            </a:r>
+          </a:p>
+          <a:p>
+            <a:r>
+              <a:rPr lang="en-US" dirty="0" smtClean="0"/>
+              <a:t>future scope of instrument</a:t>
+            </a:r>
+            <a:endParaRPr lang="en-US" dirty="0"/>
+          </a:p>
+        </p:txBody>
+      </p:sp>
+      <p:sp>
+        <p:nvSpPr>
+          <p:cNvPr id="4" name="Slide Number Placeholder 3"/>
+          <p:cNvSpPr>
+            <a:spLocks noGrp="1"/>
+          </p:cNvSpPr>
+          <p:nvPr>
+            <p:ph type="sldNum" sz="quarter" idx="10"/>
+          </p:nvPr>
+        </p:nvSpPr>
+        <p:spPr/>
+        <p:txBody>
+          <a:bodyPr/>
+          <a:lstStyle/>
+          <a:p>
+            <a:fld id="{F2EEF75A-01B5-F242-B9D1-ABB8057E63C6}" type="slidenum">
+              <a:rPr lang="en-US" smtClean="0"/>
+              <a:t>21</a:t>
+            </a:fld>
+            <a:endParaRPr lang="en-US"/>
+          </a:p>
+        </p:txBody>
+      </p:sp>
+    </p:spTree>
+    <p:extLst>
+      <p:ext uri="{BB962C8B-B14F-4D97-AF65-F5344CB8AC3E}">
+        <p14:creationId xmlns:p14="http://schemas.microsoft.com/office/powerpoint/2010/main" val="2773898484"/>
+      </p:ext>
+    </p:extLst>
+  </p:cSld>
+  <p:clrMapOvr>
+    <a:masterClrMapping/>
+  </p:clrMapOvr>
+</p:notes>
+</file>
+
+<file path=ppt/notesSlides/notesSlide21.xml><?xml version="1.0" encoding="utf-8"?>
+<p:notes xmlns:a="http://schemas.openxmlformats.org/drawingml/2006/main" xmlns:r="http://schemas.openxmlformats.org/officeDocument/2006/relationships" xmlns:p="http://schemas.openxmlformats.org/presentationml/2006/main">
+  <p:cSld>
+    <p:spTree>
+      <p:nvGrpSpPr>
+        <p:cNvPr id="1" name=""/>
+        <p:cNvGrpSpPr/>
+        <p:nvPr/>
+      </p:nvGrpSpPr>
+      <p:grpSpPr>
+        <a:xfrm>
+          <a:off x="0" y="0"/>
+          <a:ext cx="0" cy="0"/>
+          <a:chOff x="0" y="0"/>
+          <a:chExt cx="0" cy="0"/>
+        </a:xfrm>
+      </p:grpSpPr>
+      <p:sp>
+        <p:nvSpPr>
+          <p:cNvPr id="2" name="Slide Image Placeholder 1"/>
+          <p:cNvSpPr>
+            <a:spLocks noGrp="1" noRot="1" noChangeAspect="1"/>
+          </p:cNvSpPr>
+          <p:nvPr>
+            <p:ph type="sldImg"/>
+          </p:nvPr>
+        </p:nvSpPr>
+        <p:spPr/>
+      </p:sp>
+      <p:sp>
+        <p:nvSpPr>
+          <p:cNvPr id="3" name="Notes Placeholder 2"/>
+          <p:cNvSpPr>
+            <a:spLocks noGrp="1"/>
+          </p:cNvSpPr>
+          <p:nvPr>
+            <p:ph type="body" idx="1"/>
+          </p:nvPr>
+        </p:nvSpPr>
+        <p:spPr/>
+        <p:txBody>
+          <a:bodyPr/>
+          <a:lstStyle/>
+          <a:p>
+            <a:r>
+              <a:rPr lang="en-US" dirty="0" smtClean="0"/>
+              <a:t>summary of project progress – what aimed</a:t>
+            </a:r>
+            <a:r>
+              <a:rPr lang="en-US" baseline="0" dirty="0" smtClean="0"/>
+              <a:t> to do, what actually did, overall success. </a:t>
+            </a:r>
+          </a:p>
+          <a:p>
+            <a:r>
+              <a:rPr lang="en-US" dirty="0" smtClean="0"/>
+              <a:t>MAX 15 MINUTES</a:t>
+            </a:r>
+            <a:r>
+              <a:rPr lang="en-US" baseline="0" dirty="0" smtClean="0"/>
+              <a:t> UPTO HERE</a:t>
+            </a:r>
+            <a:endParaRPr lang="en-US" dirty="0"/>
+          </a:p>
+        </p:txBody>
+      </p:sp>
+      <p:sp>
+        <p:nvSpPr>
+          <p:cNvPr id="4" name="Slide Number Placeholder 3"/>
+          <p:cNvSpPr>
+            <a:spLocks noGrp="1"/>
+          </p:cNvSpPr>
+          <p:nvPr>
+            <p:ph type="sldNum" sz="quarter" idx="10"/>
+          </p:nvPr>
+        </p:nvSpPr>
+        <p:spPr/>
+        <p:txBody>
+          <a:bodyPr/>
+          <a:lstStyle/>
+          <a:p>
+            <a:fld id="{F2EEF75A-01B5-F242-B9D1-ABB8057E63C6}" type="slidenum">
+              <a:rPr lang="en-US" smtClean="0"/>
+              <a:t>22</a:t>
+            </a:fld>
+            <a:endParaRPr lang="en-US"/>
+          </a:p>
+        </p:txBody>
+      </p:sp>
+    </p:spTree>
+    <p:extLst>
+      <p:ext uri="{BB962C8B-B14F-4D97-AF65-F5344CB8AC3E}">
+        <p14:creationId xmlns:p14="http://schemas.microsoft.com/office/powerpoint/2010/main" val="645844601"/>
+      </p:ext>
+    </p:extLst>
+  </p:cSld>
+  <p:clrMapOvr>
+    <a:masterClrMapping/>
+  </p:clrMapOvr>
+</p:notes>
+</file>
+
+<file path=ppt/notesSlides/notesSlide22.xml><?xml version="1.0" encoding="utf-8"?>
+<p:notes xmlns:a="http://schemas.openxmlformats.org/drawingml/2006/main" xmlns:r="http://schemas.openxmlformats.org/officeDocument/2006/relationships" xmlns:p="http://schemas.openxmlformats.org/presentationml/2006/main">
+  <p:cSld>
+    <p:spTree>
+      <p:nvGrpSpPr>
+        <p:cNvPr id="1" name=""/>
+        <p:cNvGrpSpPr/>
+        <p:nvPr/>
+      </p:nvGrpSpPr>
+      <p:grpSpPr>
+        <a:xfrm>
+          <a:off x="0" y="0"/>
+          <a:ext cx="0" cy="0"/>
+          <a:chOff x="0" y="0"/>
+          <a:chExt cx="0" cy="0"/>
+        </a:xfrm>
+      </p:grpSpPr>
+      <p:sp>
+        <p:nvSpPr>
+          <p:cNvPr id="2" name="Slide Image Placeholder 1"/>
+          <p:cNvSpPr>
+            <a:spLocks noGrp="1" noRot="1" noChangeAspect="1"/>
+          </p:cNvSpPr>
+          <p:nvPr>
+            <p:ph type="sldImg"/>
+          </p:nvPr>
+        </p:nvSpPr>
+        <p:spPr/>
+      </p:sp>
+      <p:sp>
+        <p:nvSpPr>
+          <p:cNvPr id="3" name="Notes Placeholder 2"/>
+          <p:cNvSpPr>
+            <a:spLocks noGrp="1"/>
+          </p:cNvSpPr>
+          <p:nvPr>
+            <p:ph type="body" idx="1"/>
+          </p:nvPr>
+        </p:nvSpPr>
+        <p:spPr/>
+        <p:txBody>
+          <a:bodyPr/>
+          <a:lstStyle/>
+          <a:p>
+            <a:r>
+              <a:rPr lang="en-US" dirty="0" smtClean="0"/>
+              <a:t>costs of 0.2.04 </a:t>
+            </a:r>
+            <a:r>
+              <a:rPr lang="en-US" dirty="0" err="1" smtClean="0"/>
+              <a:t>vs</a:t>
+            </a:r>
+            <a:r>
+              <a:rPr lang="en-US" dirty="0" smtClean="0"/>
+              <a:t> 0.3.xx – obviously lower </a:t>
+            </a:r>
+            <a:endParaRPr lang="en-US" dirty="0"/>
+          </a:p>
+        </p:txBody>
+      </p:sp>
+      <p:sp>
+        <p:nvSpPr>
+          <p:cNvPr id="4" name="Slide Number Placeholder 3"/>
+          <p:cNvSpPr>
+            <a:spLocks noGrp="1"/>
+          </p:cNvSpPr>
+          <p:nvPr>
+            <p:ph type="sldNum" sz="quarter" idx="10"/>
+          </p:nvPr>
+        </p:nvSpPr>
+        <p:spPr/>
+        <p:txBody>
+          <a:bodyPr/>
+          <a:lstStyle/>
+          <a:p>
+            <a:fld id="{F2EEF75A-01B5-F242-B9D1-ABB8057E63C6}" type="slidenum">
+              <a:rPr lang="en-US" smtClean="0"/>
+              <a:t>28</a:t>
+            </a:fld>
+            <a:endParaRPr lang="en-US"/>
+          </a:p>
+        </p:txBody>
+      </p:sp>
+    </p:spTree>
+    <p:extLst>
+      <p:ext uri="{BB962C8B-B14F-4D97-AF65-F5344CB8AC3E}">
+        <p14:creationId xmlns:p14="http://schemas.microsoft.com/office/powerpoint/2010/main" val="413379568"/>
+      </p:ext>
+    </p:extLst>
+  </p:cSld>
+  <p:clrMapOvr>
+    <a:masterClrMapping/>
+  </p:clrMapOvr>
+</p:notes>
+</file>
+
+<file path=ppt/notesSlides/notesSlide3.xml><?xml version="1.0" encoding="utf-8"?>
+<p:notes xmlns:a="http://schemas.openxmlformats.org/drawingml/2006/main" xmlns:r="http://schemas.openxmlformats.org/officeDocument/2006/relationships" xmlns:p="http://schemas.openxmlformats.org/presentationml/2006/main">
+  <p:cSld>
+    <p:spTree>
+      <p:nvGrpSpPr>
+        <p:cNvPr id="1" name=""/>
+        <p:cNvGrpSpPr/>
+        <p:nvPr/>
+      </p:nvGrpSpPr>
+      <p:grpSpPr>
+        <a:xfrm>
+          <a:off x="0" y="0"/>
+          <a:ext cx="0" cy="0"/>
+          <a:chOff x="0" y="0"/>
+          <a:chExt cx="0" cy="0"/>
+        </a:xfrm>
+      </p:grpSpPr>
+      <p:sp>
+        <p:nvSpPr>
+          <p:cNvPr id="2" name="Slide Image Placeholder 1"/>
+          <p:cNvSpPr>
+            <a:spLocks noGrp="1" noRot="1" noChangeAspect="1"/>
+          </p:cNvSpPr>
+          <p:nvPr>
+            <p:ph type="sldImg"/>
+          </p:nvPr>
+        </p:nvSpPr>
+        <p:spPr/>
+      </p:sp>
+      <p:sp>
+        <p:nvSpPr>
+          <p:cNvPr id="3" name="Notes Placeholder 2"/>
+          <p:cNvSpPr>
+            <a:spLocks noGrp="1"/>
+          </p:cNvSpPr>
+          <p:nvPr>
+            <p:ph type="body" idx="1"/>
+          </p:nvPr>
+        </p:nvSpPr>
+        <p:spPr/>
+        <p:txBody>
+          <a:bodyPr/>
+          <a:lstStyle/>
+          <a:p>
+            <a:r>
+              <a:rPr lang="en-US" dirty="0" smtClean="0"/>
+              <a:t>video of </a:t>
+            </a:r>
+            <a:r>
+              <a:rPr lang="en-US" dirty="0" err="1" smtClean="0"/>
+              <a:t>mi.mu</a:t>
+            </a:r>
+            <a:r>
+              <a:rPr lang="en-US" dirty="0" smtClean="0"/>
+              <a:t> gloves</a:t>
+            </a:r>
+          </a:p>
+          <a:p>
+            <a:r>
+              <a:rPr lang="en-US" dirty="0" err="1" smtClean="0"/>
+              <a:t>drumpants</a:t>
+            </a:r>
+            <a:endParaRPr lang="en-US" dirty="0" smtClean="0"/>
+          </a:p>
+          <a:p>
+            <a:endParaRPr lang="en-US" dirty="0" smtClean="0"/>
+          </a:p>
+          <a:p>
+            <a:r>
+              <a:rPr lang="en-US" dirty="0" smtClean="0"/>
+              <a:t>talk about motion gestures</a:t>
+            </a:r>
+            <a:r>
+              <a:rPr lang="en-US" baseline="0" dirty="0" smtClean="0"/>
+              <a:t> and wearable sensors</a:t>
+            </a:r>
+            <a:endParaRPr lang="en-US" dirty="0"/>
+          </a:p>
+        </p:txBody>
+      </p:sp>
+      <p:sp>
+        <p:nvSpPr>
+          <p:cNvPr id="4" name="Slide Number Placeholder 3"/>
+          <p:cNvSpPr>
+            <a:spLocks noGrp="1"/>
+          </p:cNvSpPr>
+          <p:nvPr>
+            <p:ph type="sldNum" sz="quarter" idx="10"/>
+          </p:nvPr>
+        </p:nvSpPr>
+        <p:spPr/>
+        <p:txBody>
+          <a:bodyPr/>
+          <a:lstStyle/>
+          <a:p>
+            <a:fld id="{F2EEF75A-01B5-F242-B9D1-ABB8057E63C6}" type="slidenum">
+              <a:rPr lang="en-US" smtClean="0"/>
+              <a:t>4</a:t>
+            </a:fld>
+            <a:endParaRPr lang="en-US"/>
+          </a:p>
+        </p:txBody>
+      </p:sp>
+    </p:spTree>
+    <p:extLst>
+      <p:ext uri="{BB962C8B-B14F-4D97-AF65-F5344CB8AC3E}">
+        <p14:creationId xmlns:p14="http://schemas.microsoft.com/office/powerpoint/2010/main" val="1649633863"/>
+      </p:ext>
+    </p:extLst>
+  </p:cSld>
+  <p:clrMapOvr>
+    <a:masterClrMapping/>
+  </p:clrMapOvr>
+</p:notes>
+</file>
+
+<file path=ppt/notesSlides/notesSlide4.xml><?xml version="1.0" encoding="utf-8"?>
+<p:notes xmlns:a="http://schemas.openxmlformats.org/drawingml/2006/main" xmlns:r="http://schemas.openxmlformats.org/officeDocument/2006/relationships" xmlns:p="http://schemas.openxmlformats.org/presentationml/2006/main">
+  <p:cSld>
+    <p:spTree>
+      <p:nvGrpSpPr>
+        <p:cNvPr id="1" name=""/>
+        <p:cNvGrpSpPr/>
+        <p:nvPr/>
+      </p:nvGrpSpPr>
+      <p:grpSpPr>
+        <a:xfrm>
+          <a:off x="0" y="0"/>
+          <a:ext cx="0" cy="0"/>
+          <a:chOff x="0" y="0"/>
+          <a:chExt cx="0" cy="0"/>
+        </a:xfrm>
+      </p:grpSpPr>
+      <p:sp>
+        <p:nvSpPr>
+          <p:cNvPr id="2" name="Slide Image Placeholder 1"/>
+          <p:cNvSpPr>
+            <a:spLocks noGrp="1" noRot="1" noChangeAspect="1"/>
+          </p:cNvSpPr>
+          <p:nvPr>
+            <p:ph type="sldImg"/>
+          </p:nvPr>
+        </p:nvSpPr>
+        <p:spPr/>
+      </p:sp>
+      <p:sp>
+        <p:nvSpPr>
+          <p:cNvPr id="3" name="Notes Placeholder 2"/>
+          <p:cNvSpPr>
+            <a:spLocks noGrp="1"/>
+          </p:cNvSpPr>
+          <p:nvPr>
+            <p:ph type="body" idx="1"/>
+          </p:nvPr>
+        </p:nvSpPr>
+        <p:spPr/>
+        <p:txBody>
+          <a:bodyPr/>
+          <a:lstStyle/>
+          <a:p>
+            <a:r>
+              <a:rPr lang="en-US" dirty="0" smtClean="0"/>
+              <a:t>what is the instrument? what will it do? how will it work?</a:t>
+            </a:r>
+          </a:p>
+          <a:p>
+            <a:endParaRPr lang="en-US" dirty="0"/>
+          </a:p>
+        </p:txBody>
+      </p:sp>
+      <p:sp>
+        <p:nvSpPr>
+          <p:cNvPr id="4" name="Slide Number Placeholder 3"/>
+          <p:cNvSpPr>
+            <a:spLocks noGrp="1"/>
+          </p:cNvSpPr>
+          <p:nvPr>
+            <p:ph type="sldNum" sz="quarter" idx="10"/>
+          </p:nvPr>
+        </p:nvSpPr>
+        <p:spPr/>
+        <p:txBody>
+          <a:bodyPr/>
+          <a:lstStyle/>
+          <a:p>
+            <a:fld id="{F2EEF75A-01B5-F242-B9D1-ABB8057E63C6}" type="slidenum">
+              <a:rPr lang="en-US" smtClean="0"/>
+              <a:t>5</a:t>
+            </a:fld>
+            <a:endParaRPr lang="en-US"/>
+          </a:p>
+        </p:txBody>
+      </p:sp>
+    </p:spTree>
+    <p:extLst>
+      <p:ext uri="{BB962C8B-B14F-4D97-AF65-F5344CB8AC3E}">
+        <p14:creationId xmlns:p14="http://schemas.microsoft.com/office/powerpoint/2010/main" val="987579750"/>
+      </p:ext>
+    </p:extLst>
+  </p:cSld>
+  <p:clrMapOvr>
+    <a:masterClrMapping/>
+  </p:clrMapOvr>
+</p:notes>
+</file>
+
+<file path=ppt/notesSlides/notesSlide5.xml><?xml version="1.0" encoding="utf-8"?>
+<p:notes xmlns:a="http://schemas.openxmlformats.org/drawingml/2006/main" xmlns:r="http://schemas.openxmlformats.org/officeDocument/2006/relationships" xmlns:p="http://schemas.openxmlformats.org/presentationml/2006/main">
+  <p:cSld>
+    <p:spTree>
+      <p:nvGrpSpPr>
+        <p:cNvPr id="1" name=""/>
+        <p:cNvGrpSpPr/>
+        <p:nvPr/>
+      </p:nvGrpSpPr>
+      <p:grpSpPr>
+        <a:xfrm>
+          <a:off x="0" y="0"/>
+          <a:ext cx="0" cy="0"/>
+          <a:chOff x="0" y="0"/>
+          <a:chExt cx="0" cy="0"/>
+        </a:xfrm>
+      </p:grpSpPr>
+      <p:sp>
+        <p:nvSpPr>
+          <p:cNvPr id="2" name="Slide Image Placeholder 1"/>
+          <p:cNvSpPr>
+            <a:spLocks noGrp="1" noRot="1" noChangeAspect="1"/>
+          </p:cNvSpPr>
+          <p:nvPr>
+            <p:ph type="sldImg"/>
+          </p:nvPr>
+        </p:nvSpPr>
+        <p:spPr/>
+      </p:sp>
+      <p:sp>
+        <p:nvSpPr>
+          <p:cNvPr id="3" name="Notes Placeholder 2"/>
+          <p:cNvSpPr>
+            <a:spLocks noGrp="1"/>
+          </p:cNvSpPr>
+          <p:nvPr>
+            <p:ph type="body" idx="1"/>
+          </p:nvPr>
+        </p:nvSpPr>
+        <p:spPr/>
+        <p:txBody>
+          <a:bodyPr/>
+          <a:lstStyle/>
+          <a:p>
+            <a:r>
+              <a:rPr lang="en-US" dirty="0" smtClean="0"/>
+              <a:t>talk about what is required of the concept and the objectives</a:t>
+            </a:r>
+            <a:r>
+              <a:rPr lang="en-US" baseline="0" dirty="0" smtClean="0"/>
+              <a:t> it aims to meet, found from market research</a:t>
+            </a:r>
+          </a:p>
+          <a:p>
+            <a:r>
+              <a:rPr lang="en-US" baseline="0" dirty="0" smtClean="0"/>
+              <a:t>no physical limitations, full flexibility of control and user-programmability – these ideas that make it stand out from what’s on the market</a:t>
+            </a:r>
+          </a:p>
+        </p:txBody>
+      </p:sp>
+      <p:sp>
+        <p:nvSpPr>
+          <p:cNvPr id="4" name="Slide Number Placeholder 3"/>
+          <p:cNvSpPr>
+            <a:spLocks noGrp="1"/>
+          </p:cNvSpPr>
+          <p:nvPr>
+            <p:ph type="sldNum" sz="quarter" idx="10"/>
+          </p:nvPr>
+        </p:nvSpPr>
+        <p:spPr/>
+        <p:txBody>
+          <a:bodyPr/>
+          <a:lstStyle/>
+          <a:p>
+            <a:fld id="{F2EEF75A-01B5-F242-B9D1-ABB8057E63C6}" type="slidenum">
+              <a:rPr lang="en-US" smtClean="0"/>
+              <a:t>6</a:t>
+            </a:fld>
+            <a:endParaRPr lang="en-US"/>
+          </a:p>
+        </p:txBody>
+      </p:sp>
+    </p:spTree>
+    <p:extLst>
+      <p:ext uri="{BB962C8B-B14F-4D97-AF65-F5344CB8AC3E}">
+        <p14:creationId xmlns:p14="http://schemas.microsoft.com/office/powerpoint/2010/main" val="4065085896"/>
+      </p:ext>
+    </p:extLst>
+  </p:cSld>
+  <p:clrMapOvr>
+    <a:masterClrMapping/>
+  </p:clrMapOvr>
+</p:notes>
+</file>
+
+<file path=ppt/notesSlides/notesSlide6.xml><?xml version="1.0" encoding="utf-8"?>
+<p:notes xmlns:a="http://schemas.openxmlformats.org/drawingml/2006/main" xmlns:r="http://schemas.openxmlformats.org/officeDocument/2006/relationships" xmlns:p="http://schemas.openxmlformats.org/presentationml/2006/main">
+  <p:cSld>
+    <p:spTree>
+      <p:nvGrpSpPr>
+        <p:cNvPr id="1" name=""/>
+        <p:cNvGrpSpPr/>
+        <p:nvPr/>
+      </p:nvGrpSpPr>
+      <p:grpSpPr>
+        <a:xfrm>
+          <a:off x="0" y="0"/>
+          <a:ext cx="0" cy="0"/>
+          <a:chOff x="0" y="0"/>
+          <a:chExt cx="0" cy="0"/>
+        </a:xfrm>
+      </p:grpSpPr>
+      <p:sp>
+        <p:nvSpPr>
+          <p:cNvPr id="2" name="Slide Image Placeholder 1"/>
+          <p:cNvSpPr>
+            <a:spLocks noGrp="1" noRot="1" noChangeAspect="1"/>
+          </p:cNvSpPr>
+          <p:nvPr>
+            <p:ph type="sldImg"/>
+          </p:nvPr>
+        </p:nvSpPr>
+        <p:spPr/>
+      </p:sp>
+      <p:sp>
+        <p:nvSpPr>
+          <p:cNvPr id="3" name="Notes Placeholder 2"/>
+          <p:cNvSpPr>
+            <a:spLocks noGrp="1"/>
+          </p:cNvSpPr>
+          <p:nvPr>
+            <p:ph type="body" idx="1"/>
+          </p:nvPr>
+        </p:nvSpPr>
+        <p:spPr/>
+        <p:txBody>
+          <a:bodyPr/>
+          <a:lstStyle/>
+          <a:p>
+            <a:r>
+              <a:rPr lang="en-US" dirty="0" smtClean="0"/>
+              <a:t>user level</a:t>
+            </a:r>
+            <a:r>
+              <a:rPr lang="en-US" baseline="0" dirty="0" smtClean="0"/>
+              <a:t> and hi level </a:t>
+            </a:r>
+            <a:r>
+              <a:rPr lang="en-US" dirty="0" smtClean="0"/>
+              <a:t>system diagram</a:t>
+            </a:r>
+            <a:r>
+              <a:rPr lang="en-US" baseline="0" dirty="0" smtClean="0"/>
+              <a:t> of how will work</a:t>
+            </a:r>
+            <a:endParaRPr lang="en-US" dirty="0"/>
+          </a:p>
+        </p:txBody>
+      </p:sp>
+      <p:sp>
+        <p:nvSpPr>
+          <p:cNvPr id="4" name="Slide Number Placeholder 3"/>
+          <p:cNvSpPr>
+            <a:spLocks noGrp="1"/>
+          </p:cNvSpPr>
+          <p:nvPr>
+            <p:ph type="sldNum" sz="quarter" idx="10"/>
+          </p:nvPr>
+        </p:nvSpPr>
+        <p:spPr/>
+        <p:txBody>
+          <a:bodyPr/>
+          <a:lstStyle/>
+          <a:p>
+            <a:fld id="{F2EEF75A-01B5-F242-B9D1-ABB8057E63C6}" type="slidenum">
+              <a:rPr lang="en-US" smtClean="0"/>
+              <a:t>7</a:t>
+            </a:fld>
+            <a:endParaRPr lang="en-US"/>
+          </a:p>
+        </p:txBody>
+      </p:sp>
+    </p:spTree>
+    <p:extLst>
+      <p:ext uri="{BB962C8B-B14F-4D97-AF65-F5344CB8AC3E}">
+        <p14:creationId xmlns:p14="http://schemas.microsoft.com/office/powerpoint/2010/main" val="723724869"/>
+      </p:ext>
+    </p:extLst>
+  </p:cSld>
+  <p:clrMapOvr>
+    <a:masterClrMapping/>
+  </p:clrMapOvr>
+</p:notes>
+</file>
+
+<file path=ppt/notesSlides/notesSlide7.xml><?xml version="1.0" encoding="utf-8"?>
+<p:notes xmlns:a="http://schemas.openxmlformats.org/drawingml/2006/main" xmlns:r="http://schemas.openxmlformats.org/officeDocument/2006/relationships" xmlns:p="http://schemas.openxmlformats.org/presentationml/2006/main">
+  <p:cSld>
+    <p:spTree>
+      <p:nvGrpSpPr>
+        <p:cNvPr id="1" name=""/>
+        <p:cNvGrpSpPr/>
+        <p:nvPr/>
+      </p:nvGrpSpPr>
+      <p:grpSpPr>
+        <a:xfrm>
+          <a:off x="0" y="0"/>
+          <a:ext cx="0" cy="0"/>
+          <a:chOff x="0" y="0"/>
+          <a:chExt cx="0" cy="0"/>
+        </a:xfrm>
+      </p:grpSpPr>
+      <p:sp>
+        <p:nvSpPr>
+          <p:cNvPr id="2" name="Slide Image Placeholder 1"/>
+          <p:cNvSpPr>
+            <a:spLocks noGrp="1" noRot="1" noChangeAspect="1"/>
+          </p:cNvSpPr>
+          <p:nvPr>
+            <p:ph type="sldImg"/>
+          </p:nvPr>
+        </p:nvSpPr>
+        <p:spPr/>
+      </p:sp>
+      <p:sp>
+        <p:nvSpPr>
+          <p:cNvPr id="3" name="Notes Placeholder 2"/>
+          <p:cNvSpPr>
+            <a:spLocks noGrp="1"/>
+          </p:cNvSpPr>
+          <p:nvPr>
+            <p:ph type="body" idx="1"/>
+          </p:nvPr>
+        </p:nvSpPr>
+        <p:spPr/>
+        <p:txBody>
+          <a:bodyPr/>
+          <a:lstStyle/>
+          <a:p>
+            <a:r>
+              <a:rPr lang="en-US" dirty="0" smtClean="0"/>
+              <a:t>system diagram of various functionalities</a:t>
+            </a:r>
+            <a:endParaRPr lang="en-US" dirty="0"/>
+          </a:p>
+        </p:txBody>
+      </p:sp>
+      <p:sp>
+        <p:nvSpPr>
+          <p:cNvPr id="4" name="Slide Number Placeholder 3"/>
+          <p:cNvSpPr>
+            <a:spLocks noGrp="1"/>
+          </p:cNvSpPr>
+          <p:nvPr>
+            <p:ph type="sldNum" sz="quarter" idx="10"/>
+          </p:nvPr>
+        </p:nvSpPr>
+        <p:spPr/>
+        <p:txBody>
+          <a:bodyPr/>
+          <a:lstStyle/>
+          <a:p>
+            <a:fld id="{F2EEF75A-01B5-F242-B9D1-ABB8057E63C6}" type="slidenum">
+              <a:rPr lang="en-US" smtClean="0"/>
+              <a:t>8</a:t>
+            </a:fld>
+            <a:endParaRPr lang="en-US"/>
+          </a:p>
+        </p:txBody>
+      </p:sp>
+    </p:spTree>
+    <p:extLst>
+      <p:ext uri="{BB962C8B-B14F-4D97-AF65-F5344CB8AC3E}">
+        <p14:creationId xmlns:p14="http://schemas.microsoft.com/office/powerpoint/2010/main" val="2970603183"/>
+      </p:ext>
+    </p:extLst>
+  </p:cSld>
+  <p:clrMapOvr>
+    <a:masterClrMapping/>
+  </p:clrMapOvr>
+</p:notes>
+</file>
+
+<file path=ppt/notesSlides/notesSlide8.xml><?xml version="1.0" encoding="utf-8"?>
+<p:notes xmlns:a="http://schemas.openxmlformats.org/drawingml/2006/main" xmlns:r="http://schemas.openxmlformats.org/officeDocument/2006/relationships" xmlns:p="http://schemas.openxmlformats.org/presentationml/2006/main">
+  <p:cSld>
+    <p:spTree>
+      <p:nvGrpSpPr>
+        <p:cNvPr id="1" name=""/>
+        <p:cNvGrpSpPr/>
+        <p:nvPr/>
+      </p:nvGrpSpPr>
+      <p:grpSpPr>
+        <a:xfrm>
+          <a:off x="0" y="0"/>
+          <a:ext cx="0" cy="0"/>
+          <a:chOff x="0" y="0"/>
+          <a:chExt cx="0" cy="0"/>
+        </a:xfrm>
+      </p:grpSpPr>
+      <p:sp>
+        <p:nvSpPr>
+          <p:cNvPr id="2" name="Slide Image Placeholder 1"/>
+          <p:cNvSpPr>
+            <a:spLocks noGrp="1" noRot="1" noChangeAspect="1"/>
+          </p:cNvSpPr>
+          <p:nvPr>
+            <p:ph type="sldImg"/>
+          </p:nvPr>
+        </p:nvSpPr>
+        <p:spPr/>
+      </p:sp>
+      <p:sp>
+        <p:nvSpPr>
+          <p:cNvPr id="3" name="Notes Placeholder 2"/>
+          <p:cNvSpPr>
+            <a:spLocks noGrp="1"/>
+          </p:cNvSpPr>
+          <p:nvPr>
+            <p:ph type="body" idx="1"/>
+          </p:nvPr>
+        </p:nvSpPr>
+        <p:spPr/>
+        <p:txBody>
+          <a:bodyPr/>
+          <a:lstStyle/>
+          <a:p>
+            <a:pPr marL="0" marR="0" indent="0" algn="l" defTabSz="457200" rtl="0" eaLnBrk="1" fontAlgn="auto" latinLnBrk="0" hangingPunct="1">
+              <a:lnSpc>
+                <a:spcPct val="100000"/>
+              </a:lnSpc>
+              <a:spcBef>
+                <a:spcPts val="0"/>
+              </a:spcBef>
+              <a:spcAft>
+                <a:spcPts val="0"/>
+              </a:spcAft>
+              <a:buClrTx/>
+              <a:buSzTx/>
+              <a:buFontTx/>
+              <a:buNone/>
+              <a:tabLst/>
+              <a:defRPr/>
+            </a:pPr>
+            <a:r>
+              <a:rPr lang="en-US" dirty="0" smtClean="0"/>
+              <a:t>draw system diagram and highlight bits of it for each section slide</a:t>
+            </a:r>
+          </a:p>
+          <a:p>
+            <a:r>
+              <a:rPr lang="en-US" dirty="0" smtClean="0"/>
+              <a:t>this is where we design</a:t>
+            </a:r>
+            <a:r>
+              <a:rPr lang="en-US" baseline="0" dirty="0" smtClean="0"/>
+              <a:t> what we’re going to be building and what aspects of the requirements we aim to meet</a:t>
+            </a:r>
+          </a:p>
+          <a:p>
+            <a:r>
+              <a:rPr lang="en-US" baseline="0" dirty="0" smtClean="0"/>
+              <a:t>final design – three finger boards – one microcontroller</a:t>
+            </a:r>
+            <a:endParaRPr lang="en-US" dirty="0"/>
+          </a:p>
+        </p:txBody>
+      </p:sp>
+      <p:sp>
+        <p:nvSpPr>
+          <p:cNvPr id="4" name="Slide Number Placeholder 3"/>
+          <p:cNvSpPr>
+            <a:spLocks noGrp="1"/>
+          </p:cNvSpPr>
+          <p:nvPr>
+            <p:ph type="sldNum" sz="quarter" idx="10"/>
+          </p:nvPr>
+        </p:nvSpPr>
+        <p:spPr/>
+        <p:txBody>
+          <a:bodyPr/>
+          <a:lstStyle/>
+          <a:p>
+            <a:fld id="{F2EEF75A-01B5-F242-B9D1-ABB8057E63C6}" type="slidenum">
+              <a:rPr lang="en-US" smtClean="0"/>
+              <a:t>9</a:t>
+            </a:fld>
+            <a:endParaRPr lang="en-US"/>
+          </a:p>
+        </p:txBody>
+      </p:sp>
+    </p:spTree>
+    <p:extLst>
+      <p:ext uri="{BB962C8B-B14F-4D97-AF65-F5344CB8AC3E}">
+        <p14:creationId xmlns:p14="http://schemas.microsoft.com/office/powerpoint/2010/main" val="1672691044"/>
+      </p:ext>
+    </p:extLst>
+  </p:cSld>
+  <p:clrMapOvr>
+    <a:masterClrMapping/>
+  </p:clrMapOvr>
+</p:notes>
+</file>
+
+<file path=ppt/notesSlides/notesSlide9.xml><?xml version="1.0" encoding="utf-8"?>
+<p:notes xmlns:a="http://schemas.openxmlformats.org/drawingml/2006/main" xmlns:r="http://schemas.openxmlformats.org/officeDocument/2006/relationships" xmlns:p="http://schemas.openxmlformats.org/presentationml/2006/main">
+  <p:cSld>
+    <p:spTree>
+      <p:nvGrpSpPr>
+        <p:cNvPr id="1" name=""/>
+        <p:cNvGrpSpPr/>
+        <p:nvPr/>
+      </p:nvGrpSpPr>
+      <p:grpSpPr>
+        <a:xfrm>
+          <a:off x="0" y="0"/>
+          <a:ext cx="0" cy="0"/>
+          <a:chOff x="0" y="0"/>
+          <a:chExt cx="0" cy="0"/>
+        </a:xfrm>
+      </p:grpSpPr>
+      <p:sp>
+        <p:nvSpPr>
+          <p:cNvPr id="2" name="Slide Image Placeholder 1"/>
+          <p:cNvSpPr>
+            <a:spLocks noGrp="1" noRot="1" noChangeAspect="1"/>
+          </p:cNvSpPr>
+          <p:nvPr>
+            <p:ph type="sldImg"/>
+          </p:nvPr>
+        </p:nvSpPr>
+        <p:spPr/>
+      </p:sp>
+      <p:sp>
+        <p:nvSpPr>
+          <p:cNvPr id="3" name="Notes Placeholder 2"/>
+          <p:cNvSpPr>
+            <a:spLocks noGrp="1"/>
+          </p:cNvSpPr>
+          <p:nvPr>
+            <p:ph type="body" idx="1"/>
+          </p:nvPr>
+        </p:nvSpPr>
+        <p:spPr/>
+        <p:txBody>
+          <a:bodyPr/>
+          <a:lstStyle/>
+          <a:p>
+            <a:r>
+              <a:rPr lang="en-US" dirty="0" smtClean="0"/>
+              <a:t>op amp circuits, </a:t>
+            </a:r>
+            <a:r>
+              <a:rPr lang="en-US" dirty="0" err="1" smtClean="0"/>
+              <a:t>pga</a:t>
+            </a:r>
+            <a:r>
+              <a:rPr lang="en-US" dirty="0" smtClean="0"/>
+              <a:t> – why</a:t>
+            </a:r>
+            <a:r>
+              <a:rPr lang="en-US" baseline="0" dirty="0" smtClean="0"/>
+              <a:t> </a:t>
+            </a:r>
+            <a:r>
+              <a:rPr lang="en-US" baseline="0" dirty="0" err="1" smtClean="0"/>
+              <a:t>pga</a:t>
+            </a:r>
+            <a:r>
+              <a:rPr lang="en-US" baseline="0" dirty="0" smtClean="0"/>
+              <a:t> better? future scope</a:t>
+            </a:r>
+            <a:endParaRPr lang="en-US" dirty="0"/>
+          </a:p>
+        </p:txBody>
+      </p:sp>
+      <p:sp>
+        <p:nvSpPr>
+          <p:cNvPr id="4" name="Slide Number Placeholder 3"/>
+          <p:cNvSpPr>
+            <a:spLocks noGrp="1"/>
+          </p:cNvSpPr>
+          <p:nvPr>
+            <p:ph type="sldNum" sz="quarter" idx="10"/>
+          </p:nvPr>
+        </p:nvSpPr>
+        <p:spPr/>
+        <p:txBody>
+          <a:bodyPr/>
+          <a:lstStyle/>
+          <a:p>
+            <a:fld id="{F2EEF75A-01B5-F242-B9D1-ABB8057E63C6}" type="slidenum">
+              <a:rPr lang="en-US" smtClean="0"/>
+              <a:t>10</a:t>
+            </a:fld>
+            <a:endParaRPr lang="en-US"/>
+          </a:p>
+        </p:txBody>
+      </p:sp>
+    </p:spTree>
+    <p:extLst>
+      <p:ext uri="{BB962C8B-B14F-4D97-AF65-F5344CB8AC3E}">
+        <p14:creationId xmlns:p14="http://schemas.microsoft.com/office/powerpoint/2010/main" val="1858091848"/>
+      </p:ext>
+    </p:extLst>
+  </p:cSld>
+  <p:clrMapOvr>
+    <a:masterClrMapping/>
+  </p:clrMapOvr>
+</p:notes>
 </file>
 
 <file path=ppt/slideLayouts/slideLayout1.xml><?xml version="1.0" encoding="utf-8"?>
@@ -301,7 +2967,7 @@
           <a:p>
             <a:fld id="{315F8E45-CAE2-4F4E-909A-1704B9E6D3FE}" type="datetimeFigureOut">
               <a:rPr lang="en-US" smtClean="0"/>
-              <a:t>03/06/15</a:t>
+              <a:t>21/06/15</a:t>
             </a:fld>
             <a:endParaRPr lang="en-US"/>
           </a:p>
@@ -471,7 +3137,7 @@
           <a:p>
             <a:fld id="{315F8E45-CAE2-4F4E-909A-1704B9E6D3FE}" type="datetimeFigureOut">
               <a:rPr lang="en-US" smtClean="0"/>
-              <a:t>03/06/15</a:t>
+              <a:t>21/06/15</a:t>
             </a:fld>
             <a:endParaRPr lang="en-US"/>
           </a:p>
@@ -651,7 +3317,7 @@
           <a:p>
             <a:fld id="{315F8E45-CAE2-4F4E-909A-1704B9E6D3FE}" type="datetimeFigureOut">
               <a:rPr lang="en-US" smtClean="0"/>
-              <a:t>03/06/15</a:t>
+              <a:t>21/06/15</a:t>
             </a:fld>
             <a:endParaRPr lang="en-US"/>
           </a:p>
@@ -821,7 +3487,7 @@
           <a:p>
             <a:fld id="{315F8E45-CAE2-4F4E-909A-1704B9E6D3FE}" type="datetimeFigureOut">
               <a:rPr lang="en-US" smtClean="0"/>
-              <a:t>03/06/15</a:t>
+              <a:t>21/06/15</a:t>
             </a:fld>
             <a:endParaRPr lang="en-US"/>
           </a:p>
@@ -1067,7 +3733,7 @@
           <a:p>
             <a:fld id="{315F8E45-CAE2-4F4E-909A-1704B9E6D3FE}" type="datetimeFigureOut">
               <a:rPr lang="en-US" smtClean="0"/>
-              <a:t>03/06/15</a:t>
+              <a:t>21/06/15</a:t>
             </a:fld>
             <a:endParaRPr lang="en-US"/>
           </a:p>
@@ -1355,7 +4021,7 @@
           <a:p>
             <a:fld id="{315F8E45-CAE2-4F4E-909A-1704B9E6D3FE}" type="datetimeFigureOut">
               <a:rPr lang="en-US" smtClean="0"/>
-              <a:t>03/06/15</a:t>
+              <a:t>21/06/15</a:t>
             </a:fld>
             <a:endParaRPr lang="en-US"/>
           </a:p>
@@ -1777,7 +4443,7 @@
           <a:p>
             <a:fld id="{315F8E45-CAE2-4F4E-909A-1704B9E6D3FE}" type="datetimeFigureOut">
               <a:rPr lang="en-US" smtClean="0"/>
-              <a:t>03/06/15</a:t>
+              <a:t>21/06/15</a:t>
             </a:fld>
             <a:endParaRPr lang="en-US"/>
           </a:p>
@@ -1895,7 +4561,7 @@
           <a:p>
             <a:fld id="{315F8E45-CAE2-4F4E-909A-1704B9E6D3FE}" type="datetimeFigureOut">
               <a:rPr lang="en-US" smtClean="0"/>
-              <a:t>03/06/15</a:t>
+              <a:t>21/06/15</a:t>
             </a:fld>
             <a:endParaRPr lang="en-US"/>
           </a:p>
@@ -1990,7 +4656,7 @@
           <a:p>
             <a:fld id="{315F8E45-CAE2-4F4E-909A-1704B9E6D3FE}" type="datetimeFigureOut">
               <a:rPr lang="en-US" smtClean="0"/>
-              <a:t>03/06/15</a:t>
+              <a:t>21/06/15</a:t>
             </a:fld>
             <a:endParaRPr lang="en-US"/>
           </a:p>
@@ -2267,7 +4933,7 @@
           <a:p>
             <a:fld id="{315F8E45-CAE2-4F4E-909A-1704B9E6D3FE}" type="datetimeFigureOut">
               <a:rPr lang="en-US" smtClean="0"/>
-              <a:t>03/06/15</a:t>
+              <a:t>21/06/15</a:t>
             </a:fld>
             <a:endParaRPr lang="en-US"/>
           </a:p>
@@ -2520,7 +5186,7 @@
           <a:p>
             <a:fld id="{315F8E45-CAE2-4F4E-909A-1704B9E6D3FE}" type="datetimeFigureOut">
               <a:rPr lang="en-US" smtClean="0"/>
-              <a:t>03/06/15</a:t>
+              <a:t>21/06/15</a:t>
             </a:fld>
             <a:endParaRPr lang="en-US"/>
           </a:p>
@@ -2740,7 +5406,7 @@
           <a:p>
             <a:fld id="{315F8E45-CAE2-4F4E-909A-1704B9E6D3FE}" type="datetimeFigureOut">
               <a:rPr lang="en-US" smtClean="0"/>
-              <a:t>03/06/15</a:t>
+              <a:t>21/06/15</a:t>
             </a:fld>
             <a:endParaRPr lang="en-US" dirty="0"/>
           </a:p>
@@ -3169,8 +5835,8 @@
         </p:nvSpPr>
         <p:spPr>
           <a:xfrm>
-            <a:off x="1371600" y="5135734"/>
-            <a:ext cx="6400800" cy="842150"/>
+            <a:off x="1371600" y="4983870"/>
+            <a:ext cx="6400800" cy="994013"/>
           </a:xfrm>
         </p:spPr>
         <p:txBody>
@@ -3193,8 +5859,23 @@
                 <a:latin typeface="Helvetica Neue Thin"/>
                 <a:cs typeface="Helvetica Neue Thin"/>
               </a:rPr>
-              <a:t>artik Gohil</a:t>
-            </a:r>
+              <a:t>artik </a:t>
+            </a:r>
+            <a:r>
+              <a:rPr lang="en-US" dirty="0" smtClean="0">
+                <a:solidFill>
+                  <a:srgbClr val="FFFFFF"/>
+                </a:solidFill>
+                <a:latin typeface="Helvetica Neue Thin"/>
+                <a:cs typeface="Helvetica Neue Thin"/>
+              </a:rPr>
+              <a:t>Gohil</a:t>
+            </a:r>
+            <a:endParaRPr lang="en-US" dirty="0">
+              <a:solidFill>
+                <a:srgbClr val="FFFFFF"/>
+              </a:solidFill>
+            </a:endParaRPr>
           </a:p>
         </p:txBody>
       </p:sp>
@@ -3208,6 +5889,813 @@
   <p:clrMapOvr>
     <a:masterClrMapping/>
   </p:clrMapOvr>
+  <p:timing>
+    <p:tnLst>
+      <p:par>
+        <p:cTn xmlns:p14="http://schemas.microsoft.com/office/powerpoint/2010/main" id="1" dur="indefinite" restart="never" nodeType="tmRoot"/>
+      </p:par>
+    </p:tnLst>
+  </p:timing>
+</p:sld>
+</file>
+
+<file path=ppt/slides/slide10.xml><?xml version="1.0" encoding="utf-8"?>
+<p:sld xmlns:a="http://schemas.openxmlformats.org/drawingml/2006/main" xmlns:r="http://schemas.openxmlformats.org/officeDocument/2006/relationships" xmlns:p="http://schemas.openxmlformats.org/presentationml/2006/main">
+  <p:cSld>
+    <p:spTree>
+      <p:nvGrpSpPr>
+        <p:cNvPr id="1" name=""/>
+        <p:cNvGrpSpPr/>
+        <p:nvPr/>
+      </p:nvGrpSpPr>
+      <p:grpSpPr>
+        <a:xfrm>
+          <a:off x="0" y="0"/>
+          <a:ext cx="0" cy="0"/>
+          <a:chOff x="0" y="0"/>
+          <a:chExt cx="0" cy="0"/>
+        </a:xfrm>
+      </p:grpSpPr>
+      <p:sp>
+        <p:nvSpPr>
+          <p:cNvPr id="2" name="Title 1"/>
+          <p:cNvSpPr>
+            <a:spLocks noGrp="1"/>
+          </p:cNvSpPr>
+          <p:nvPr>
+            <p:ph type="title"/>
+          </p:nvPr>
+        </p:nvSpPr>
+        <p:spPr/>
+        <p:txBody>
+          <a:bodyPr>
+            <a:normAutofit/>
+          </a:bodyPr>
+          <a:lstStyle/>
+          <a:p>
+            <a:r>
+              <a:rPr lang="en-US" dirty="0" smtClean="0"/>
+              <a:t>PAWS Board: microphone circuit</a:t>
+            </a:r>
+            <a:endParaRPr lang="en-US" dirty="0"/>
+          </a:p>
+        </p:txBody>
+      </p:sp>
+      <p:sp>
+        <p:nvSpPr>
+          <p:cNvPr id="3" name="Content Placeholder 2"/>
+          <p:cNvSpPr>
+            <a:spLocks noGrp="1"/>
+          </p:cNvSpPr>
+          <p:nvPr>
+            <p:ph idx="1"/>
+          </p:nvPr>
+        </p:nvSpPr>
+        <p:spPr/>
+        <p:txBody>
+          <a:bodyPr/>
+          <a:lstStyle/>
+          <a:p>
+            <a:endParaRPr lang="en-US"/>
+          </a:p>
+        </p:txBody>
+      </p:sp>
+    </p:spTree>
+    <p:extLst>
+      <p:ext uri="{BB962C8B-B14F-4D97-AF65-F5344CB8AC3E}">
+        <p14:creationId xmlns:p14="http://schemas.microsoft.com/office/powerpoint/2010/main" val="2430443343"/>
+      </p:ext>
+    </p:extLst>
+  </p:cSld>
+  <p:clrMapOvr>
+    <a:masterClrMapping/>
+  </p:clrMapOvr>
+  <p:timing>
+    <p:tnLst>
+      <p:par>
+        <p:cTn xmlns:p14="http://schemas.microsoft.com/office/powerpoint/2010/main" id="1" dur="indefinite" restart="never" nodeType="tmRoot"/>
+      </p:par>
+    </p:tnLst>
+  </p:timing>
+</p:sld>
+</file>
+
+<file path=ppt/slides/slide11.xml><?xml version="1.0" encoding="utf-8"?>
+<p:sld xmlns:a="http://schemas.openxmlformats.org/drawingml/2006/main" xmlns:r="http://schemas.openxmlformats.org/officeDocument/2006/relationships" xmlns:p="http://schemas.openxmlformats.org/presentationml/2006/main">
+  <p:cSld>
+    <p:spTree>
+      <p:nvGrpSpPr>
+        <p:cNvPr id="1" name=""/>
+        <p:cNvGrpSpPr/>
+        <p:nvPr/>
+      </p:nvGrpSpPr>
+      <p:grpSpPr>
+        <a:xfrm>
+          <a:off x="0" y="0"/>
+          <a:ext cx="0" cy="0"/>
+          <a:chOff x="0" y="0"/>
+          <a:chExt cx="0" cy="0"/>
+        </a:xfrm>
+      </p:grpSpPr>
+      <p:sp>
+        <p:nvSpPr>
+          <p:cNvPr id="2" name="Title 1"/>
+          <p:cNvSpPr>
+            <a:spLocks noGrp="1"/>
+          </p:cNvSpPr>
+          <p:nvPr>
+            <p:ph type="title"/>
+          </p:nvPr>
+        </p:nvSpPr>
+        <p:spPr/>
+        <p:txBody>
+          <a:bodyPr/>
+          <a:lstStyle/>
+          <a:p>
+            <a:r>
+              <a:rPr lang="en-US" dirty="0" smtClean="0"/>
+              <a:t>PAWS Board: microcontroller</a:t>
+            </a:r>
+            <a:endParaRPr lang="en-US" dirty="0"/>
+          </a:p>
+        </p:txBody>
+      </p:sp>
+      <p:sp>
+        <p:nvSpPr>
+          <p:cNvPr id="3" name="Content Placeholder 2"/>
+          <p:cNvSpPr>
+            <a:spLocks noGrp="1"/>
+          </p:cNvSpPr>
+          <p:nvPr>
+            <p:ph idx="1"/>
+          </p:nvPr>
+        </p:nvSpPr>
+        <p:spPr/>
+        <p:txBody>
+          <a:bodyPr/>
+          <a:lstStyle/>
+          <a:p>
+            <a:endParaRPr lang="en-US"/>
+          </a:p>
+        </p:txBody>
+      </p:sp>
+    </p:spTree>
+    <p:extLst>
+      <p:ext uri="{BB962C8B-B14F-4D97-AF65-F5344CB8AC3E}">
+        <p14:creationId xmlns:p14="http://schemas.microsoft.com/office/powerpoint/2010/main" val="1867737017"/>
+      </p:ext>
+    </p:extLst>
+  </p:cSld>
+  <p:clrMapOvr>
+    <a:masterClrMapping/>
+  </p:clrMapOvr>
+  <p:timing>
+    <p:tnLst>
+      <p:par>
+        <p:cTn xmlns:p14="http://schemas.microsoft.com/office/powerpoint/2010/main" id="1" dur="indefinite" restart="never" nodeType="tmRoot"/>
+      </p:par>
+    </p:tnLst>
+  </p:timing>
+</p:sld>
+</file>
+
+<file path=ppt/slides/slide12.xml><?xml version="1.0" encoding="utf-8"?>
+<p:sld xmlns:a="http://schemas.openxmlformats.org/drawingml/2006/main" xmlns:r="http://schemas.openxmlformats.org/officeDocument/2006/relationships" xmlns:p="http://schemas.openxmlformats.org/presentationml/2006/main">
+  <p:cSld>
+    <p:spTree>
+      <p:nvGrpSpPr>
+        <p:cNvPr id="1" name=""/>
+        <p:cNvGrpSpPr/>
+        <p:nvPr/>
+      </p:nvGrpSpPr>
+      <p:grpSpPr>
+        <a:xfrm>
+          <a:off x="0" y="0"/>
+          <a:ext cx="0" cy="0"/>
+          <a:chOff x="0" y="0"/>
+          <a:chExt cx="0" cy="0"/>
+        </a:xfrm>
+      </p:grpSpPr>
+      <p:sp>
+        <p:nvSpPr>
+          <p:cNvPr id="2" name="Title 1"/>
+          <p:cNvSpPr>
+            <a:spLocks noGrp="1"/>
+          </p:cNvSpPr>
+          <p:nvPr>
+            <p:ph type="title"/>
+          </p:nvPr>
+        </p:nvSpPr>
+        <p:spPr/>
+        <p:txBody>
+          <a:bodyPr/>
+          <a:lstStyle/>
+          <a:p>
+            <a:r>
+              <a:rPr lang="en-US" dirty="0" smtClean="0"/>
+              <a:t>Interface</a:t>
+            </a:r>
+            <a:endParaRPr lang="en-US" dirty="0"/>
+          </a:p>
+        </p:txBody>
+      </p:sp>
+      <p:sp>
+        <p:nvSpPr>
+          <p:cNvPr id="3" name="Content Placeholder 2"/>
+          <p:cNvSpPr>
+            <a:spLocks noGrp="1"/>
+          </p:cNvSpPr>
+          <p:nvPr>
+            <p:ph idx="1"/>
+          </p:nvPr>
+        </p:nvSpPr>
+        <p:spPr/>
+        <p:txBody>
+          <a:bodyPr/>
+          <a:lstStyle/>
+          <a:p>
+            <a:endParaRPr lang="en-US"/>
+          </a:p>
+        </p:txBody>
+      </p:sp>
+    </p:spTree>
+    <p:extLst>
+      <p:ext uri="{BB962C8B-B14F-4D97-AF65-F5344CB8AC3E}">
+        <p14:creationId xmlns:p14="http://schemas.microsoft.com/office/powerpoint/2010/main" val="315155119"/>
+      </p:ext>
+    </p:extLst>
+  </p:cSld>
+  <p:clrMapOvr>
+    <a:masterClrMapping/>
+  </p:clrMapOvr>
+  <p:timing>
+    <p:tnLst>
+      <p:par>
+        <p:cTn xmlns:p14="http://schemas.microsoft.com/office/powerpoint/2010/main" id="1" dur="indefinite" restart="never" nodeType="tmRoot"/>
+      </p:par>
+    </p:tnLst>
+  </p:timing>
+</p:sld>
+</file>
+
+<file path=ppt/slides/slide13.xml><?xml version="1.0" encoding="utf-8"?>
+<p:sld xmlns:a="http://schemas.openxmlformats.org/drawingml/2006/main" xmlns:r="http://schemas.openxmlformats.org/officeDocument/2006/relationships" xmlns:p="http://schemas.openxmlformats.org/presentationml/2006/main">
+  <p:cSld>
+    <p:spTree>
+      <p:nvGrpSpPr>
+        <p:cNvPr id="1" name=""/>
+        <p:cNvGrpSpPr/>
+        <p:nvPr/>
+      </p:nvGrpSpPr>
+      <p:grpSpPr>
+        <a:xfrm>
+          <a:off x="0" y="0"/>
+          <a:ext cx="0" cy="0"/>
+          <a:chOff x="0" y="0"/>
+          <a:chExt cx="0" cy="0"/>
+        </a:xfrm>
+      </p:grpSpPr>
+      <p:sp>
+        <p:nvSpPr>
+          <p:cNvPr id="2" name="Title 1"/>
+          <p:cNvSpPr>
+            <a:spLocks noGrp="1"/>
+          </p:cNvSpPr>
+          <p:nvPr>
+            <p:ph type="title"/>
+          </p:nvPr>
+        </p:nvSpPr>
+        <p:spPr/>
+        <p:txBody>
+          <a:bodyPr/>
+          <a:lstStyle/>
+          <a:p>
+            <a:r>
+              <a:rPr lang="en-US" dirty="0" smtClean="0"/>
+              <a:t>plastic </a:t>
+            </a:r>
+            <a:r>
+              <a:rPr lang="en-US" dirty="0" err="1" smtClean="0"/>
+              <a:t>wearables</a:t>
+            </a:r>
+            <a:endParaRPr lang="en-US" dirty="0"/>
+          </a:p>
+        </p:txBody>
+      </p:sp>
+      <p:sp>
+        <p:nvSpPr>
+          <p:cNvPr id="3" name="Content Placeholder 2"/>
+          <p:cNvSpPr>
+            <a:spLocks noGrp="1"/>
+          </p:cNvSpPr>
+          <p:nvPr>
+            <p:ph idx="1"/>
+          </p:nvPr>
+        </p:nvSpPr>
+        <p:spPr/>
+        <p:txBody>
+          <a:bodyPr/>
+          <a:lstStyle/>
+          <a:p>
+            <a:endParaRPr lang="en-US"/>
+          </a:p>
+        </p:txBody>
+      </p:sp>
+    </p:spTree>
+    <p:extLst>
+      <p:ext uri="{BB962C8B-B14F-4D97-AF65-F5344CB8AC3E}">
+        <p14:creationId xmlns:p14="http://schemas.microsoft.com/office/powerpoint/2010/main" val="2164221956"/>
+      </p:ext>
+    </p:extLst>
+  </p:cSld>
+  <p:clrMapOvr>
+    <a:masterClrMapping/>
+  </p:clrMapOvr>
+</p:sld>
+</file>
+
+<file path=ppt/slides/slide14.xml><?xml version="1.0" encoding="utf-8"?>
+<p:sld xmlns:a="http://schemas.openxmlformats.org/drawingml/2006/main" xmlns:r="http://schemas.openxmlformats.org/officeDocument/2006/relationships" xmlns:p="http://schemas.openxmlformats.org/presentationml/2006/main">
+  <p:cSld>
+    <p:spTree>
+      <p:nvGrpSpPr>
+        <p:cNvPr id="1" name=""/>
+        <p:cNvGrpSpPr/>
+        <p:nvPr/>
+      </p:nvGrpSpPr>
+      <p:grpSpPr>
+        <a:xfrm>
+          <a:off x="0" y="0"/>
+          <a:ext cx="0" cy="0"/>
+          <a:chOff x="0" y="0"/>
+          <a:chExt cx="0" cy="0"/>
+        </a:xfrm>
+      </p:grpSpPr>
+      <p:sp>
+        <p:nvSpPr>
+          <p:cNvPr id="2" name="Title 1"/>
+          <p:cNvSpPr>
+            <a:spLocks noGrp="1"/>
+          </p:cNvSpPr>
+          <p:nvPr>
+            <p:ph type="title"/>
+          </p:nvPr>
+        </p:nvSpPr>
+        <p:spPr/>
+        <p:txBody>
+          <a:bodyPr/>
+          <a:lstStyle/>
+          <a:p>
+            <a:r>
+              <a:rPr lang="en-US" dirty="0" smtClean="0"/>
+              <a:t>final prototype</a:t>
+            </a:r>
+            <a:endParaRPr lang="en-US" dirty="0"/>
+          </a:p>
+        </p:txBody>
+      </p:sp>
+      <p:sp>
+        <p:nvSpPr>
+          <p:cNvPr id="3" name="Content Placeholder 2"/>
+          <p:cNvSpPr>
+            <a:spLocks noGrp="1"/>
+          </p:cNvSpPr>
+          <p:nvPr>
+            <p:ph idx="1"/>
+          </p:nvPr>
+        </p:nvSpPr>
+        <p:spPr/>
+        <p:txBody>
+          <a:bodyPr/>
+          <a:lstStyle/>
+          <a:p>
+            <a:r>
+              <a:rPr lang="en-US" dirty="0" smtClean="0"/>
+              <a:t>3 Finger Boards</a:t>
+            </a:r>
+          </a:p>
+          <a:p>
+            <a:r>
+              <a:rPr lang="en-US" dirty="0" smtClean="0"/>
+              <a:t>1 Finger Ring + 1 Thumb Ring</a:t>
+            </a:r>
+          </a:p>
+          <a:p>
+            <a:r>
+              <a:rPr lang="en-US" dirty="0" err="1" smtClean="0"/>
+              <a:t>Arduino</a:t>
+            </a:r>
+            <a:r>
+              <a:rPr lang="en-US" dirty="0" smtClean="0"/>
+              <a:t> Uno</a:t>
+            </a:r>
+          </a:p>
+          <a:p>
+            <a:r>
+              <a:rPr lang="en-US" dirty="0" smtClean="0"/>
+              <a:t>Interface on computer</a:t>
+            </a:r>
+          </a:p>
+          <a:p>
+            <a:r>
+              <a:rPr lang="en-US" dirty="0" smtClean="0"/>
+              <a:t>wired connections</a:t>
+            </a:r>
+            <a:endParaRPr lang="en-US" dirty="0"/>
+          </a:p>
+        </p:txBody>
+      </p:sp>
+    </p:spTree>
+    <p:extLst>
+      <p:ext uri="{BB962C8B-B14F-4D97-AF65-F5344CB8AC3E}">
+        <p14:creationId xmlns:p14="http://schemas.microsoft.com/office/powerpoint/2010/main" val="1664898920"/>
+      </p:ext>
+    </p:extLst>
+  </p:cSld>
+  <p:clrMapOvr>
+    <a:masterClrMapping/>
+  </p:clrMapOvr>
+</p:sld>
+</file>
+
+<file path=ppt/slides/slide15.xml><?xml version="1.0" encoding="utf-8"?>
+<p:sld xmlns:a="http://schemas.openxmlformats.org/drawingml/2006/main" xmlns:r="http://schemas.openxmlformats.org/officeDocument/2006/relationships" xmlns:p="http://schemas.openxmlformats.org/presentationml/2006/main">
+  <p:cSld>
+    <p:spTree>
+      <p:nvGrpSpPr>
+        <p:cNvPr id="1" name=""/>
+        <p:cNvGrpSpPr/>
+        <p:nvPr/>
+      </p:nvGrpSpPr>
+      <p:grpSpPr>
+        <a:xfrm>
+          <a:off x="0" y="0"/>
+          <a:ext cx="0" cy="0"/>
+          <a:chOff x="0" y="0"/>
+          <a:chExt cx="0" cy="0"/>
+        </a:xfrm>
+      </p:grpSpPr>
+      <p:sp>
+        <p:nvSpPr>
+          <p:cNvPr id="2" name="Title 1"/>
+          <p:cNvSpPr>
+            <a:spLocks noGrp="1"/>
+          </p:cNvSpPr>
+          <p:nvPr>
+            <p:ph type="title"/>
+          </p:nvPr>
+        </p:nvSpPr>
+        <p:spPr/>
+        <p:txBody>
+          <a:bodyPr/>
+          <a:lstStyle/>
+          <a:p>
+            <a:r>
+              <a:rPr lang="en-US" dirty="0" smtClean="0"/>
+              <a:t>analysis: effects of noise</a:t>
+            </a:r>
+            <a:endParaRPr lang="en-US" dirty="0"/>
+          </a:p>
+        </p:txBody>
+      </p:sp>
+      <p:sp>
+        <p:nvSpPr>
+          <p:cNvPr id="3" name="Content Placeholder 2"/>
+          <p:cNvSpPr>
+            <a:spLocks noGrp="1"/>
+          </p:cNvSpPr>
+          <p:nvPr>
+            <p:ph idx="1"/>
+          </p:nvPr>
+        </p:nvSpPr>
+        <p:spPr/>
+        <p:txBody>
+          <a:bodyPr/>
+          <a:lstStyle/>
+          <a:p>
+            <a:endParaRPr lang="en-US"/>
+          </a:p>
+        </p:txBody>
+      </p:sp>
+    </p:spTree>
+    <p:extLst>
+      <p:ext uri="{BB962C8B-B14F-4D97-AF65-F5344CB8AC3E}">
+        <p14:creationId xmlns:p14="http://schemas.microsoft.com/office/powerpoint/2010/main" val="3403158304"/>
+      </p:ext>
+    </p:extLst>
+  </p:cSld>
+  <p:clrMapOvr>
+    <a:masterClrMapping/>
+  </p:clrMapOvr>
+  <p:timing>
+    <p:tnLst>
+      <p:par>
+        <p:cTn xmlns:p14="http://schemas.microsoft.com/office/powerpoint/2010/main" id="1" dur="indefinite" restart="never" nodeType="tmRoot"/>
+      </p:par>
+    </p:tnLst>
+  </p:timing>
+</p:sld>
+</file>
+
+<file path=ppt/slides/slide16.xml><?xml version="1.0" encoding="utf-8"?>
+<p:sld xmlns:a="http://schemas.openxmlformats.org/drawingml/2006/main" xmlns:r="http://schemas.openxmlformats.org/officeDocument/2006/relationships" xmlns:p="http://schemas.openxmlformats.org/presentationml/2006/main">
+  <p:cSld>
+    <p:spTree>
+      <p:nvGrpSpPr>
+        <p:cNvPr id="1" name=""/>
+        <p:cNvGrpSpPr/>
+        <p:nvPr/>
+      </p:nvGrpSpPr>
+      <p:grpSpPr>
+        <a:xfrm>
+          <a:off x="0" y="0"/>
+          <a:ext cx="0" cy="0"/>
+          <a:chOff x="0" y="0"/>
+          <a:chExt cx="0" cy="0"/>
+        </a:xfrm>
+      </p:grpSpPr>
+      <p:sp>
+        <p:nvSpPr>
+          <p:cNvPr id="2" name="Title 1"/>
+          <p:cNvSpPr>
+            <a:spLocks noGrp="1"/>
+          </p:cNvSpPr>
+          <p:nvPr>
+            <p:ph type="title"/>
+          </p:nvPr>
+        </p:nvSpPr>
+        <p:spPr/>
+        <p:txBody>
+          <a:bodyPr/>
+          <a:lstStyle/>
+          <a:p>
+            <a:r>
+              <a:rPr lang="en-US" dirty="0" smtClean="0"/>
+              <a:t>analysis: sample rates</a:t>
+            </a:r>
+            <a:endParaRPr lang="en-US" dirty="0"/>
+          </a:p>
+        </p:txBody>
+      </p:sp>
+      <p:sp>
+        <p:nvSpPr>
+          <p:cNvPr id="3" name="Content Placeholder 2"/>
+          <p:cNvSpPr>
+            <a:spLocks noGrp="1"/>
+          </p:cNvSpPr>
+          <p:nvPr>
+            <p:ph idx="1"/>
+          </p:nvPr>
+        </p:nvSpPr>
+        <p:spPr/>
+        <p:txBody>
+          <a:bodyPr/>
+          <a:lstStyle/>
+          <a:p>
+            <a:endParaRPr lang="en-US"/>
+          </a:p>
+        </p:txBody>
+      </p:sp>
+    </p:spTree>
+    <p:extLst>
+      <p:ext uri="{BB962C8B-B14F-4D97-AF65-F5344CB8AC3E}">
+        <p14:creationId xmlns:p14="http://schemas.microsoft.com/office/powerpoint/2010/main" val="579418273"/>
+      </p:ext>
+    </p:extLst>
+  </p:cSld>
+  <p:clrMapOvr>
+    <a:masterClrMapping/>
+  </p:clrMapOvr>
+  <p:timing>
+    <p:tnLst>
+      <p:par>
+        <p:cTn xmlns:p14="http://schemas.microsoft.com/office/powerpoint/2010/main" id="1" dur="indefinite" restart="never" nodeType="tmRoot"/>
+      </p:par>
+    </p:tnLst>
+  </p:timing>
+</p:sld>
+</file>
+
+<file path=ppt/slides/slide17.xml><?xml version="1.0" encoding="utf-8"?>
+<p:sld xmlns:a="http://schemas.openxmlformats.org/drawingml/2006/main" xmlns:r="http://schemas.openxmlformats.org/officeDocument/2006/relationships" xmlns:p="http://schemas.openxmlformats.org/presentationml/2006/main">
+  <p:cSld>
+    <p:spTree>
+      <p:nvGrpSpPr>
+        <p:cNvPr id="1" name=""/>
+        <p:cNvGrpSpPr/>
+        <p:nvPr/>
+      </p:nvGrpSpPr>
+      <p:grpSpPr>
+        <a:xfrm>
+          <a:off x="0" y="0"/>
+          <a:ext cx="0" cy="0"/>
+          <a:chOff x="0" y="0"/>
+          <a:chExt cx="0" cy="0"/>
+        </a:xfrm>
+      </p:grpSpPr>
+      <p:sp>
+        <p:nvSpPr>
+          <p:cNvPr id="2" name="Title 1"/>
+          <p:cNvSpPr>
+            <a:spLocks noGrp="1"/>
+          </p:cNvSpPr>
+          <p:nvPr>
+            <p:ph type="title"/>
+          </p:nvPr>
+        </p:nvSpPr>
+        <p:spPr>
+          <a:xfrm>
+            <a:off x="457200" y="2155124"/>
+            <a:ext cx="8229600" cy="1143000"/>
+          </a:xfrm>
+        </p:spPr>
+        <p:txBody>
+          <a:bodyPr/>
+          <a:lstStyle/>
+          <a:p>
+            <a:r>
+              <a:rPr lang="en-US" dirty="0" smtClean="0"/>
+              <a:t>demonstration</a:t>
+            </a:r>
+            <a:endParaRPr lang="en-US" dirty="0"/>
+          </a:p>
+        </p:txBody>
+      </p:sp>
+    </p:spTree>
+    <p:extLst>
+      <p:ext uri="{BB962C8B-B14F-4D97-AF65-F5344CB8AC3E}">
+        <p14:creationId xmlns:p14="http://schemas.microsoft.com/office/powerpoint/2010/main" val="475684981"/>
+      </p:ext>
+    </p:extLst>
+  </p:cSld>
+  <p:clrMapOvr>
+    <a:masterClrMapping/>
+  </p:clrMapOvr>
+  <p:timing>
+    <p:tnLst>
+      <p:par>
+        <p:cTn xmlns:p14="http://schemas.microsoft.com/office/powerpoint/2010/main" id="1" dur="indefinite" restart="never" nodeType="tmRoot"/>
+      </p:par>
+    </p:tnLst>
+  </p:timing>
+</p:sld>
+</file>
+
+<file path=ppt/slides/slide18.xml><?xml version="1.0" encoding="utf-8"?>
+<p:sld xmlns:a="http://schemas.openxmlformats.org/drawingml/2006/main" xmlns:r="http://schemas.openxmlformats.org/officeDocument/2006/relationships" xmlns:p="http://schemas.openxmlformats.org/presentationml/2006/main">
+  <p:cSld>
+    <p:spTree>
+      <p:nvGrpSpPr>
+        <p:cNvPr id="1" name=""/>
+        <p:cNvGrpSpPr/>
+        <p:nvPr/>
+      </p:nvGrpSpPr>
+      <p:grpSpPr>
+        <a:xfrm>
+          <a:off x="0" y="0"/>
+          <a:ext cx="0" cy="0"/>
+          <a:chOff x="0" y="0"/>
+          <a:chExt cx="0" cy="0"/>
+        </a:xfrm>
+      </p:grpSpPr>
+      <p:sp>
+        <p:nvSpPr>
+          <p:cNvPr id="2" name="Title 1"/>
+          <p:cNvSpPr>
+            <a:spLocks noGrp="1"/>
+          </p:cNvSpPr>
+          <p:nvPr>
+            <p:ph type="title"/>
+          </p:nvPr>
+        </p:nvSpPr>
+        <p:spPr/>
+        <p:txBody>
+          <a:bodyPr/>
+          <a:lstStyle/>
+          <a:p>
+            <a:r>
+              <a:rPr lang="en-US" dirty="0" smtClean="0"/>
+              <a:t>evaluation</a:t>
+            </a:r>
+            <a:endParaRPr lang="en-US" dirty="0"/>
+          </a:p>
+        </p:txBody>
+      </p:sp>
+      <p:sp>
+        <p:nvSpPr>
+          <p:cNvPr id="3" name="Content Placeholder 2"/>
+          <p:cNvSpPr>
+            <a:spLocks noGrp="1"/>
+          </p:cNvSpPr>
+          <p:nvPr>
+            <p:ph idx="1"/>
+          </p:nvPr>
+        </p:nvSpPr>
+        <p:spPr/>
+        <p:txBody>
+          <a:bodyPr/>
+          <a:lstStyle/>
+          <a:p>
+            <a:endParaRPr lang="en-US"/>
+          </a:p>
+        </p:txBody>
+      </p:sp>
+    </p:spTree>
+    <p:extLst>
+      <p:ext uri="{BB962C8B-B14F-4D97-AF65-F5344CB8AC3E}">
+        <p14:creationId xmlns:p14="http://schemas.microsoft.com/office/powerpoint/2010/main" val="3814845704"/>
+      </p:ext>
+    </p:extLst>
+  </p:cSld>
+  <p:clrMapOvr>
+    <a:masterClrMapping/>
+  </p:clrMapOvr>
+  <p:timing>
+    <p:tnLst>
+      <p:par>
+        <p:cTn xmlns:p14="http://schemas.microsoft.com/office/powerpoint/2010/main" id="1" dur="indefinite" restart="never" nodeType="tmRoot"/>
+      </p:par>
+    </p:tnLst>
+  </p:timing>
+</p:sld>
+</file>
+
+<file path=ppt/slides/slide19.xml><?xml version="1.0" encoding="utf-8"?>
+<p:sld xmlns:a="http://schemas.openxmlformats.org/drawingml/2006/main" xmlns:r="http://schemas.openxmlformats.org/officeDocument/2006/relationships" xmlns:p="http://schemas.openxmlformats.org/presentationml/2006/main">
+  <p:cSld>
+    <p:spTree>
+      <p:nvGrpSpPr>
+        <p:cNvPr id="1" name=""/>
+        <p:cNvGrpSpPr/>
+        <p:nvPr/>
+      </p:nvGrpSpPr>
+      <p:grpSpPr>
+        <a:xfrm>
+          <a:off x="0" y="0"/>
+          <a:ext cx="0" cy="0"/>
+          <a:chOff x="0" y="0"/>
+          <a:chExt cx="0" cy="0"/>
+        </a:xfrm>
+      </p:grpSpPr>
+      <p:sp>
+        <p:nvSpPr>
+          <p:cNvPr id="2" name="Title 1"/>
+          <p:cNvSpPr>
+            <a:spLocks noGrp="1"/>
+          </p:cNvSpPr>
+          <p:nvPr>
+            <p:ph type="title"/>
+          </p:nvPr>
+        </p:nvSpPr>
+        <p:spPr/>
+        <p:txBody>
+          <a:bodyPr/>
+          <a:lstStyle/>
+          <a:p>
+            <a:r>
+              <a:rPr lang="en-US" dirty="0" smtClean="0"/>
+              <a:t>future design: technical</a:t>
+            </a:r>
+            <a:endParaRPr lang="en-US" dirty="0"/>
+          </a:p>
+        </p:txBody>
+      </p:sp>
+      <p:sp>
+        <p:nvSpPr>
+          <p:cNvPr id="3" name="Content Placeholder 2"/>
+          <p:cNvSpPr>
+            <a:spLocks noGrp="1"/>
+          </p:cNvSpPr>
+          <p:nvPr>
+            <p:ph idx="1"/>
+          </p:nvPr>
+        </p:nvSpPr>
+        <p:spPr/>
+        <p:txBody>
+          <a:bodyPr/>
+          <a:lstStyle/>
+          <a:p>
+            <a:endParaRPr lang="en-US"/>
+          </a:p>
+        </p:txBody>
+      </p:sp>
+    </p:spTree>
+    <p:extLst>
+      <p:ext uri="{BB962C8B-B14F-4D97-AF65-F5344CB8AC3E}">
+        <p14:creationId xmlns:p14="http://schemas.microsoft.com/office/powerpoint/2010/main" val="207650873"/>
+      </p:ext>
+    </p:extLst>
+  </p:cSld>
+  <p:clrMapOvr>
+    <a:masterClrMapping/>
+  </p:clrMapOvr>
+  <p:timing>
+    <p:tnLst>
+      <p:par>
+        <p:cTn xmlns:p14="http://schemas.microsoft.com/office/powerpoint/2010/main" id="1" dur="indefinite" restart="never" nodeType="tmRoot"/>
+      </p:par>
+    </p:tnLst>
+  </p:timing>
 </p:sld>
 </file>
 
@@ -3243,6 +6731,10 @@
           <a:bodyPr/>
           <a:lstStyle/>
           <a:p>
+            <a:r>
+              <a:rPr lang="en-US" dirty="0" smtClean="0"/>
+              <a:t>brief</a:t>
+            </a:r>
             <a:endParaRPr lang="en-US" dirty="0"/>
           </a:p>
         </p:txBody>
@@ -3257,10 +6749,933 @@
             <p:ph idx="1"/>
           </p:nvPr>
         </p:nvSpPr>
-        <p:spPr/>
-        <p:txBody>
-          <a:bodyPr/>
-          <a:lstStyle/>
+        <p:spPr>
+          <a:xfrm>
+            <a:off x="457200" y="1566098"/>
+            <a:ext cx="8229600" cy="1699371"/>
+          </a:xfrm>
+        </p:spPr>
+        <p:txBody>
+          <a:bodyPr/>
+          <a:lstStyle/>
+          <a:p>
+            <a:pPr marL="0" indent="0" algn="ctr">
+              <a:buNone/>
+            </a:pPr>
+            <a:r>
+              <a:rPr lang="en-US" i="1" dirty="0" smtClean="0"/>
+              <a:t>The development of a novel wearable musical instrument whose functionality is flexible and fully programmable through a simple interface</a:t>
+            </a:r>
+            <a:endParaRPr lang="en-US" i="1" dirty="0"/>
+          </a:p>
+        </p:txBody>
+      </p:sp>
+    </p:spTree>
+    <p:extLst>
+      <p:ext uri="{BB962C8B-B14F-4D97-AF65-F5344CB8AC3E}">
+        <p14:creationId xmlns:p14="http://schemas.microsoft.com/office/powerpoint/2010/main" val="2796193031"/>
+      </p:ext>
+    </p:extLst>
+  </p:cSld>
+  <p:clrMapOvr>
+    <a:masterClrMapping/>
+  </p:clrMapOvr>
+  <p:timing>
+    <p:tnLst>
+      <p:par>
+        <p:cTn xmlns:p14="http://schemas.microsoft.com/office/powerpoint/2010/main" id="1" dur="indefinite" restart="never" nodeType="tmRoot"/>
+      </p:par>
+    </p:tnLst>
+  </p:timing>
+</p:sld>
+</file>
+
+<file path=ppt/slides/slide20.xml><?xml version="1.0" encoding="utf-8"?>
+<p:sld xmlns:a="http://schemas.openxmlformats.org/drawingml/2006/main" xmlns:r="http://schemas.openxmlformats.org/officeDocument/2006/relationships" xmlns:p="http://schemas.openxmlformats.org/presentationml/2006/main">
+  <p:cSld>
+    <p:spTree>
+      <p:nvGrpSpPr>
+        <p:cNvPr id="1" name=""/>
+        <p:cNvGrpSpPr/>
+        <p:nvPr/>
+      </p:nvGrpSpPr>
+      <p:grpSpPr>
+        <a:xfrm>
+          <a:off x="0" y="0"/>
+          <a:ext cx="0" cy="0"/>
+          <a:chOff x="0" y="0"/>
+          <a:chExt cx="0" cy="0"/>
+        </a:xfrm>
+      </p:grpSpPr>
+      <p:sp>
+        <p:nvSpPr>
+          <p:cNvPr id="2" name="Title 1"/>
+          <p:cNvSpPr>
+            <a:spLocks noGrp="1"/>
+          </p:cNvSpPr>
+          <p:nvPr>
+            <p:ph type="title"/>
+          </p:nvPr>
+        </p:nvSpPr>
+        <p:spPr/>
+        <p:txBody>
+          <a:bodyPr/>
+          <a:lstStyle/>
+          <a:p>
+            <a:r>
+              <a:rPr lang="en-US" dirty="0" smtClean="0"/>
+              <a:t>future design: creative</a:t>
+            </a:r>
+            <a:endParaRPr lang="en-US" dirty="0"/>
+          </a:p>
+        </p:txBody>
+      </p:sp>
+      <p:sp>
+        <p:nvSpPr>
+          <p:cNvPr id="3" name="Content Placeholder 2"/>
+          <p:cNvSpPr>
+            <a:spLocks noGrp="1"/>
+          </p:cNvSpPr>
+          <p:nvPr>
+            <p:ph idx="1"/>
+          </p:nvPr>
+        </p:nvSpPr>
+        <p:spPr/>
+        <p:txBody>
+          <a:bodyPr/>
+          <a:lstStyle/>
+          <a:p>
+            <a:endParaRPr lang="en-US"/>
+          </a:p>
+        </p:txBody>
+      </p:sp>
+    </p:spTree>
+    <p:extLst>
+      <p:ext uri="{BB962C8B-B14F-4D97-AF65-F5344CB8AC3E}">
+        <p14:creationId xmlns:p14="http://schemas.microsoft.com/office/powerpoint/2010/main" val="4032461779"/>
+      </p:ext>
+    </p:extLst>
+  </p:cSld>
+  <p:clrMapOvr>
+    <a:masterClrMapping/>
+  </p:clrMapOvr>
+  <p:timing>
+    <p:tnLst>
+      <p:par>
+        <p:cTn xmlns:p14="http://schemas.microsoft.com/office/powerpoint/2010/main" id="1" dur="indefinite" restart="never" nodeType="tmRoot"/>
+      </p:par>
+    </p:tnLst>
+  </p:timing>
+</p:sld>
+</file>
+
+<file path=ppt/slides/slide21.xml><?xml version="1.0" encoding="utf-8"?>
+<p:sld xmlns:a="http://schemas.openxmlformats.org/drawingml/2006/main" xmlns:r="http://schemas.openxmlformats.org/officeDocument/2006/relationships" xmlns:p="http://schemas.openxmlformats.org/presentationml/2006/main">
+  <p:cSld>
+    <p:spTree>
+      <p:nvGrpSpPr>
+        <p:cNvPr id="1" name=""/>
+        <p:cNvGrpSpPr/>
+        <p:nvPr/>
+      </p:nvGrpSpPr>
+      <p:grpSpPr>
+        <a:xfrm>
+          <a:off x="0" y="0"/>
+          <a:ext cx="0" cy="0"/>
+          <a:chOff x="0" y="0"/>
+          <a:chExt cx="0" cy="0"/>
+        </a:xfrm>
+      </p:grpSpPr>
+      <p:sp>
+        <p:nvSpPr>
+          <p:cNvPr id="2" name="Title 1"/>
+          <p:cNvSpPr>
+            <a:spLocks noGrp="1"/>
+          </p:cNvSpPr>
+          <p:nvPr>
+            <p:ph type="title"/>
+          </p:nvPr>
+        </p:nvSpPr>
+        <p:spPr/>
+        <p:txBody>
+          <a:bodyPr/>
+          <a:lstStyle/>
+          <a:p>
+            <a:r>
+              <a:rPr lang="en-US" dirty="0" smtClean="0"/>
+              <a:t>conclusion</a:t>
+            </a:r>
+            <a:endParaRPr lang="en-US" dirty="0"/>
+          </a:p>
+        </p:txBody>
+      </p:sp>
+      <p:sp>
+        <p:nvSpPr>
+          <p:cNvPr id="3" name="Content Placeholder 2"/>
+          <p:cNvSpPr>
+            <a:spLocks noGrp="1"/>
+          </p:cNvSpPr>
+          <p:nvPr>
+            <p:ph idx="1"/>
+          </p:nvPr>
+        </p:nvSpPr>
+        <p:spPr/>
+        <p:txBody>
+          <a:bodyPr/>
+          <a:lstStyle/>
+          <a:p>
+            <a:endParaRPr lang="en-US"/>
+          </a:p>
+        </p:txBody>
+      </p:sp>
+    </p:spTree>
+    <p:extLst>
+      <p:ext uri="{BB962C8B-B14F-4D97-AF65-F5344CB8AC3E}">
+        <p14:creationId xmlns:p14="http://schemas.microsoft.com/office/powerpoint/2010/main" val="4015528330"/>
+      </p:ext>
+    </p:extLst>
+  </p:cSld>
+  <p:clrMapOvr>
+    <a:masterClrMapping/>
+  </p:clrMapOvr>
+  <p:timing>
+    <p:tnLst>
+      <p:par>
+        <p:cTn xmlns:p14="http://schemas.microsoft.com/office/powerpoint/2010/main" id="1" dur="indefinite" restart="never" nodeType="tmRoot"/>
+      </p:par>
+    </p:tnLst>
+  </p:timing>
+</p:sld>
+</file>
+
+<file path=ppt/slides/slide22.xml><?xml version="1.0" encoding="utf-8"?>
+<p:sld xmlns:a="http://schemas.openxmlformats.org/drawingml/2006/main" xmlns:r="http://schemas.openxmlformats.org/officeDocument/2006/relationships" xmlns:p="http://schemas.openxmlformats.org/presentationml/2006/main">
+  <p:cSld>
+    <p:spTree>
+      <p:nvGrpSpPr>
+        <p:cNvPr id="1" name=""/>
+        <p:cNvGrpSpPr/>
+        <p:nvPr/>
+      </p:nvGrpSpPr>
+      <p:grpSpPr>
+        <a:xfrm>
+          <a:off x="0" y="0"/>
+          <a:ext cx="0" cy="0"/>
+          <a:chOff x="0" y="0"/>
+          <a:chExt cx="0" cy="0"/>
+        </a:xfrm>
+      </p:grpSpPr>
+      <p:sp>
+        <p:nvSpPr>
+          <p:cNvPr id="2" name="Title 1"/>
+          <p:cNvSpPr>
+            <a:spLocks noGrp="1"/>
+          </p:cNvSpPr>
+          <p:nvPr>
+            <p:ph type="title"/>
+          </p:nvPr>
+        </p:nvSpPr>
+        <p:spPr/>
+        <p:txBody>
+          <a:bodyPr/>
+          <a:lstStyle/>
+          <a:p>
+            <a:r>
+              <a:rPr lang="en-US" dirty="0" smtClean="0"/>
+              <a:t>summary</a:t>
+            </a:r>
+            <a:endParaRPr lang="en-US" dirty="0"/>
+          </a:p>
+        </p:txBody>
+      </p:sp>
+      <p:sp>
+        <p:nvSpPr>
+          <p:cNvPr id="3" name="Content Placeholder 2"/>
+          <p:cNvSpPr>
+            <a:spLocks noGrp="1"/>
+          </p:cNvSpPr>
+          <p:nvPr>
+            <p:ph idx="1"/>
+          </p:nvPr>
+        </p:nvSpPr>
+        <p:spPr/>
+        <p:txBody>
+          <a:bodyPr/>
+          <a:lstStyle/>
+          <a:p>
+            <a:endParaRPr lang="en-US"/>
+          </a:p>
+        </p:txBody>
+      </p:sp>
+    </p:spTree>
+    <p:extLst>
+      <p:ext uri="{BB962C8B-B14F-4D97-AF65-F5344CB8AC3E}">
+        <p14:creationId xmlns:p14="http://schemas.microsoft.com/office/powerpoint/2010/main" val="3597059967"/>
+      </p:ext>
+    </p:extLst>
+  </p:cSld>
+  <p:clrMapOvr>
+    <a:masterClrMapping/>
+  </p:clrMapOvr>
+  <p:timing>
+    <p:tnLst>
+      <p:par>
+        <p:cTn xmlns:p14="http://schemas.microsoft.com/office/powerpoint/2010/main" id="1" dur="indefinite" restart="never" nodeType="tmRoot"/>
+      </p:par>
+    </p:tnLst>
+  </p:timing>
+</p:sld>
+</file>
+
+<file path=ppt/slides/slide23.xml><?xml version="1.0" encoding="utf-8"?>
+<p:sld xmlns:a="http://schemas.openxmlformats.org/drawingml/2006/main" xmlns:r="http://schemas.openxmlformats.org/officeDocument/2006/relationships" xmlns:p="http://schemas.openxmlformats.org/presentationml/2006/main">
+  <p:cSld>
+    <p:spTree>
+      <p:nvGrpSpPr>
+        <p:cNvPr id="1" name=""/>
+        <p:cNvGrpSpPr/>
+        <p:nvPr/>
+      </p:nvGrpSpPr>
+      <p:grpSpPr>
+        <a:xfrm>
+          <a:off x="0" y="0"/>
+          <a:ext cx="0" cy="0"/>
+          <a:chOff x="0" y="0"/>
+          <a:chExt cx="0" cy="0"/>
+        </a:xfrm>
+      </p:grpSpPr>
+      <p:sp>
+        <p:nvSpPr>
+          <p:cNvPr id="2" name="Title 1"/>
+          <p:cNvSpPr>
+            <a:spLocks noGrp="1"/>
+          </p:cNvSpPr>
+          <p:nvPr>
+            <p:ph type="title"/>
+          </p:nvPr>
+        </p:nvSpPr>
+        <p:spPr>
+          <a:xfrm>
+            <a:off x="457200" y="2160966"/>
+            <a:ext cx="8229600" cy="1143000"/>
+          </a:xfrm>
+        </p:spPr>
+        <p:txBody>
+          <a:bodyPr/>
+          <a:lstStyle/>
+          <a:p>
+            <a:r>
+              <a:rPr lang="en-US" dirty="0" err="1" smtClean="0"/>
+              <a:t>q&amp;a</a:t>
+            </a:r>
+            <a:endParaRPr lang="en-US" dirty="0"/>
+          </a:p>
+        </p:txBody>
+      </p:sp>
+    </p:spTree>
+    <p:extLst>
+      <p:ext uri="{BB962C8B-B14F-4D97-AF65-F5344CB8AC3E}">
+        <p14:creationId xmlns:p14="http://schemas.microsoft.com/office/powerpoint/2010/main" val="531012881"/>
+      </p:ext>
+    </p:extLst>
+  </p:cSld>
+  <p:clrMapOvr>
+    <a:masterClrMapping/>
+  </p:clrMapOvr>
+  <p:timing>
+    <p:tnLst>
+      <p:par>
+        <p:cTn xmlns:p14="http://schemas.microsoft.com/office/powerpoint/2010/main" id="1" dur="indefinite" restart="never" nodeType="tmRoot"/>
+      </p:par>
+    </p:tnLst>
+  </p:timing>
+</p:sld>
+</file>
+
+<file path=ppt/slides/slide24.xml><?xml version="1.0" encoding="utf-8"?>
+<p:sld xmlns:a="http://schemas.openxmlformats.org/drawingml/2006/main" xmlns:r="http://schemas.openxmlformats.org/officeDocument/2006/relationships" xmlns:p="http://schemas.openxmlformats.org/presentationml/2006/main" show="0">
+  <p:cSld>
+    <p:spTree>
+      <p:nvGrpSpPr>
+        <p:cNvPr id="1" name=""/>
+        <p:cNvGrpSpPr/>
+        <p:nvPr/>
+      </p:nvGrpSpPr>
+      <p:grpSpPr>
+        <a:xfrm>
+          <a:off x="0" y="0"/>
+          <a:ext cx="0" cy="0"/>
+          <a:chOff x="0" y="0"/>
+          <a:chExt cx="0" cy="0"/>
+        </a:xfrm>
+      </p:grpSpPr>
+      <p:sp>
+        <p:nvSpPr>
+          <p:cNvPr id="2" name="Title 1"/>
+          <p:cNvSpPr>
+            <a:spLocks noGrp="1"/>
+          </p:cNvSpPr>
+          <p:nvPr>
+            <p:ph type="title"/>
+          </p:nvPr>
+        </p:nvSpPr>
+        <p:spPr/>
+        <p:txBody>
+          <a:bodyPr/>
+          <a:lstStyle/>
+          <a:p>
+            <a:r>
+              <a:rPr lang="en-US" dirty="0" smtClean="0"/>
+              <a:t>effects of noise</a:t>
+            </a:r>
+            <a:endParaRPr lang="en-US" dirty="0"/>
+          </a:p>
+        </p:txBody>
+      </p:sp>
+      <p:sp>
+        <p:nvSpPr>
+          <p:cNvPr id="3" name="Content Placeholder 2"/>
+          <p:cNvSpPr>
+            <a:spLocks noGrp="1"/>
+          </p:cNvSpPr>
+          <p:nvPr>
+            <p:ph idx="1"/>
+          </p:nvPr>
+        </p:nvSpPr>
+        <p:spPr/>
+        <p:txBody>
+          <a:bodyPr/>
+          <a:lstStyle/>
+          <a:p>
+            <a:endParaRPr lang="en-US"/>
+          </a:p>
+        </p:txBody>
+      </p:sp>
+    </p:spTree>
+    <p:extLst>
+      <p:ext uri="{BB962C8B-B14F-4D97-AF65-F5344CB8AC3E}">
+        <p14:creationId xmlns:p14="http://schemas.microsoft.com/office/powerpoint/2010/main" val="3509967878"/>
+      </p:ext>
+    </p:extLst>
+  </p:cSld>
+  <p:clrMapOvr>
+    <a:masterClrMapping/>
+  </p:clrMapOvr>
+  <mc:AlternateContent xmlns:mc="http://schemas.openxmlformats.org/markup-compatibility/2006">
+    <mc:Choice xmlns:p14="http://schemas.microsoft.com/office/powerpoint/2010/main" Requires="p14">
+      <p:transition spd="slow" p14:dur="2000"/>
+    </mc:Choice>
+    <mc:Fallback>
+      <p:transition xmlns:p14="http://schemas.microsoft.com/office/powerpoint/2010/main" spd="slow"/>
+    </mc:Fallback>
+  </mc:AlternateContent>
+  <p:timing>
+    <p:tnLst>
+      <p:par>
+        <p:cTn xmlns:p14="http://schemas.microsoft.com/office/powerpoint/2010/main" id="1" dur="indefinite" restart="never" nodeType="tmRoot"/>
+      </p:par>
+    </p:tnLst>
+  </p:timing>
+</p:sld>
+</file>
+
+<file path=ppt/slides/slide25.xml><?xml version="1.0" encoding="utf-8"?>
+<p:sld xmlns:a="http://schemas.openxmlformats.org/drawingml/2006/main" xmlns:r="http://schemas.openxmlformats.org/officeDocument/2006/relationships" xmlns:p="http://schemas.openxmlformats.org/presentationml/2006/main" show="0">
+  <p:cSld>
+    <p:spTree>
+      <p:nvGrpSpPr>
+        <p:cNvPr id="1" name=""/>
+        <p:cNvGrpSpPr/>
+        <p:nvPr/>
+      </p:nvGrpSpPr>
+      <p:grpSpPr>
+        <a:xfrm>
+          <a:off x="0" y="0"/>
+          <a:ext cx="0" cy="0"/>
+          <a:chOff x="0" y="0"/>
+          <a:chExt cx="0" cy="0"/>
+        </a:xfrm>
+      </p:grpSpPr>
+      <p:sp>
+        <p:nvSpPr>
+          <p:cNvPr id="2" name="Title 1"/>
+          <p:cNvSpPr>
+            <a:spLocks noGrp="1"/>
+          </p:cNvSpPr>
+          <p:nvPr>
+            <p:ph type="title"/>
+          </p:nvPr>
+        </p:nvSpPr>
+        <p:spPr/>
+        <p:txBody>
+          <a:bodyPr/>
+          <a:lstStyle/>
+          <a:p>
+            <a:r>
+              <a:rPr lang="en-US" dirty="0" smtClean="0"/>
+              <a:t>sample rates</a:t>
+            </a:r>
+            <a:endParaRPr lang="en-US" dirty="0"/>
+          </a:p>
+        </p:txBody>
+      </p:sp>
+      <p:sp>
+        <p:nvSpPr>
+          <p:cNvPr id="3" name="Content Placeholder 2"/>
+          <p:cNvSpPr>
+            <a:spLocks noGrp="1"/>
+          </p:cNvSpPr>
+          <p:nvPr>
+            <p:ph idx="1"/>
+          </p:nvPr>
+        </p:nvSpPr>
+        <p:spPr/>
+        <p:txBody>
+          <a:bodyPr/>
+          <a:lstStyle/>
+          <a:p>
+            <a:endParaRPr lang="en-US"/>
+          </a:p>
+        </p:txBody>
+      </p:sp>
+    </p:spTree>
+    <p:extLst>
+      <p:ext uri="{BB962C8B-B14F-4D97-AF65-F5344CB8AC3E}">
+        <p14:creationId xmlns:p14="http://schemas.microsoft.com/office/powerpoint/2010/main" val="3805098494"/>
+      </p:ext>
+    </p:extLst>
+  </p:cSld>
+  <p:clrMapOvr>
+    <a:masterClrMapping/>
+  </p:clrMapOvr>
+  <mc:AlternateContent xmlns:mc="http://schemas.openxmlformats.org/markup-compatibility/2006">
+    <mc:Choice xmlns:p14="http://schemas.microsoft.com/office/powerpoint/2010/main" Requires="p14">
+      <p:transition spd="slow" p14:dur="2000"/>
+    </mc:Choice>
+    <mc:Fallback>
+      <p:transition xmlns:p14="http://schemas.microsoft.com/office/powerpoint/2010/main" spd="slow"/>
+    </mc:Fallback>
+  </mc:AlternateContent>
+  <p:timing>
+    <p:tnLst>
+      <p:par>
+        <p:cTn xmlns:p14="http://schemas.microsoft.com/office/powerpoint/2010/main" id="1" dur="indefinite" restart="never" nodeType="tmRoot"/>
+      </p:par>
+    </p:tnLst>
+  </p:timing>
+</p:sld>
+</file>
+
+<file path=ppt/slides/slide26.xml><?xml version="1.0" encoding="utf-8"?>
+<p:sld xmlns:a="http://schemas.openxmlformats.org/drawingml/2006/main" xmlns:r="http://schemas.openxmlformats.org/officeDocument/2006/relationships" xmlns:p="http://schemas.openxmlformats.org/presentationml/2006/main" show="0">
+  <p:cSld>
+    <p:spTree>
+      <p:nvGrpSpPr>
+        <p:cNvPr id="1" name=""/>
+        <p:cNvGrpSpPr/>
+        <p:nvPr/>
+      </p:nvGrpSpPr>
+      <p:grpSpPr>
+        <a:xfrm>
+          <a:off x="0" y="0"/>
+          <a:ext cx="0" cy="0"/>
+          <a:chOff x="0" y="0"/>
+          <a:chExt cx="0" cy="0"/>
+        </a:xfrm>
+      </p:grpSpPr>
+      <p:sp>
+        <p:nvSpPr>
+          <p:cNvPr id="2" name="Title 1"/>
+          <p:cNvSpPr>
+            <a:spLocks noGrp="1"/>
+          </p:cNvSpPr>
+          <p:nvPr>
+            <p:ph type="title"/>
+          </p:nvPr>
+        </p:nvSpPr>
+        <p:spPr/>
+        <p:txBody>
+          <a:bodyPr/>
+          <a:lstStyle/>
+          <a:p>
+            <a:r>
+              <a:rPr lang="en-US" dirty="0" smtClean="0"/>
+              <a:t>circuit diagrams</a:t>
+            </a:r>
+            <a:endParaRPr lang="en-US" dirty="0"/>
+          </a:p>
+        </p:txBody>
+      </p:sp>
+      <p:sp>
+        <p:nvSpPr>
+          <p:cNvPr id="3" name="Content Placeholder 2"/>
+          <p:cNvSpPr>
+            <a:spLocks noGrp="1"/>
+          </p:cNvSpPr>
+          <p:nvPr>
+            <p:ph idx="1"/>
+          </p:nvPr>
+        </p:nvSpPr>
+        <p:spPr/>
+        <p:txBody>
+          <a:bodyPr/>
+          <a:lstStyle/>
+          <a:p>
+            <a:endParaRPr lang="en-US"/>
+          </a:p>
+        </p:txBody>
+      </p:sp>
+    </p:spTree>
+    <p:extLst>
+      <p:ext uri="{BB962C8B-B14F-4D97-AF65-F5344CB8AC3E}">
+        <p14:creationId xmlns:p14="http://schemas.microsoft.com/office/powerpoint/2010/main" val="3538184375"/>
+      </p:ext>
+    </p:extLst>
+  </p:cSld>
+  <p:clrMapOvr>
+    <a:masterClrMapping/>
+  </p:clrMapOvr>
+  <mc:AlternateContent xmlns:mc="http://schemas.openxmlformats.org/markup-compatibility/2006">
+    <mc:Choice xmlns:p14="http://schemas.microsoft.com/office/powerpoint/2010/main" Requires="p14">
+      <p:transition spd="slow" p14:dur="2000"/>
+    </mc:Choice>
+    <mc:Fallback>
+      <p:transition xmlns:p14="http://schemas.microsoft.com/office/powerpoint/2010/main" spd="slow"/>
+    </mc:Fallback>
+  </mc:AlternateContent>
+  <p:timing>
+    <p:tnLst>
+      <p:par>
+        <p:cTn xmlns:p14="http://schemas.microsoft.com/office/powerpoint/2010/main" id="1" dur="indefinite" restart="never" nodeType="tmRoot"/>
+      </p:par>
+    </p:tnLst>
+  </p:timing>
+</p:sld>
+</file>
+
+<file path=ppt/slides/slide27.xml><?xml version="1.0" encoding="utf-8"?>
+<p:sld xmlns:a="http://schemas.openxmlformats.org/drawingml/2006/main" xmlns:r="http://schemas.openxmlformats.org/officeDocument/2006/relationships" xmlns:p="http://schemas.openxmlformats.org/presentationml/2006/main" show="0">
+  <p:cSld>
+    <p:spTree>
+      <p:nvGrpSpPr>
+        <p:cNvPr id="1" name=""/>
+        <p:cNvGrpSpPr/>
+        <p:nvPr/>
+      </p:nvGrpSpPr>
+      <p:grpSpPr>
+        <a:xfrm>
+          <a:off x="0" y="0"/>
+          <a:ext cx="0" cy="0"/>
+          <a:chOff x="0" y="0"/>
+          <a:chExt cx="0" cy="0"/>
+        </a:xfrm>
+      </p:grpSpPr>
+      <p:sp>
+        <p:nvSpPr>
+          <p:cNvPr id="2" name="Title 1"/>
+          <p:cNvSpPr>
+            <a:spLocks noGrp="1"/>
+          </p:cNvSpPr>
+          <p:nvPr>
+            <p:ph type="title"/>
+          </p:nvPr>
+        </p:nvSpPr>
+        <p:spPr/>
+        <p:txBody>
+          <a:bodyPr/>
+          <a:lstStyle/>
+          <a:p>
+            <a:r>
+              <a:rPr lang="en-US" dirty="0" smtClean="0"/>
+              <a:t>algorithms</a:t>
+            </a:r>
+            <a:endParaRPr lang="en-US" dirty="0"/>
+          </a:p>
+        </p:txBody>
+      </p:sp>
+      <p:sp>
+        <p:nvSpPr>
+          <p:cNvPr id="3" name="Content Placeholder 2"/>
+          <p:cNvSpPr>
+            <a:spLocks noGrp="1"/>
+          </p:cNvSpPr>
+          <p:nvPr>
+            <p:ph idx="1"/>
+          </p:nvPr>
+        </p:nvSpPr>
+        <p:spPr/>
+        <p:txBody>
+          <a:bodyPr/>
+          <a:lstStyle/>
+          <a:p>
+            <a:endParaRPr lang="en-US"/>
+          </a:p>
+        </p:txBody>
+      </p:sp>
+    </p:spTree>
+    <p:extLst>
+      <p:ext uri="{BB962C8B-B14F-4D97-AF65-F5344CB8AC3E}">
+        <p14:creationId xmlns:p14="http://schemas.microsoft.com/office/powerpoint/2010/main" val="4026228406"/>
+      </p:ext>
+    </p:extLst>
+  </p:cSld>
+  <p:clrMapOvr>
+    <a:masterClrMapping/>
+  </p:clrMapOvr>
+  <mc:AlternateContent xmlns:mc="http://schemas.openxmlformats.org/markup-compatibility/2006">
+    <mc:Choice xmlns:p14="http://schemas.microsoft.com/office/powerpoint/2010/main" Requires="p14">
+      <p:transition spd="slow" p14:dur="2000"/>
+    </mc:Choice>
+    <mc:Fallback>
+      <p:transition xmlns:p14="http://schemas.microsoft.com/office/powerpoint/2010/main" spd="slow"/>
+    </mc:Fallback>
+  </mc:AlternateContent>
+  <p:timing>
+    <p:tnLst>
+      <p:par>
+        <p:cTn xmlns:p14="http://schemas.microsoft.com/office/powerpoint/2010/main" id="1" dur="indefinite" restart="never" nodeType="tmRoot"/>
+      </p:par>
+    </p:tnLst>
+  </p:timing>
+</p:sld>
+</file>
+
+<file path=ppt/slides/slide28.xml><?xml version="1.0" encoding="utf-8"?>
+<p:sld xmlns:a="http://schemas.openxmlformats.org/drawingml/2006/main" xmlns:r="http://schemas.openxmlformats.org/officeDocument/2006/relationships" xmlns:p="http://schemas.openxmlformats.org/presentationml/2006/main" show="0">
+  <p:cSld>
+    <p:spTree>
+      <p:nvGrpSpPr>
+        <p:cNvPr id="1" name=""/>
+        <p:cNvGrpSpPr/>
+        <p:nvPr/>
+      </p:nvGrpSpPr>
+      <p:grpSpPr>
+        <a:xfrm>
+          <a:off x="0" y="0"/>
+          <a:ext cx="0" cy="0"/>
+          <a:chOff x="0" y="0"/>
+          <a:chExt cx="0" cy="0"/>
+        </a:xfrm>
+      </p:grpSpPr>
+      <p:sp>
+        <p:nvSpPr>
+          <p:cNvPr id="2" name="Title 1"/>
+          <p:cNvSpPr>
+            <a:spLocks noGrp="1"/>
+          </p:cNvSpPr>
+          <p:nvPr>
+            <p:ph type="title"/>
+          </p:nvPr>
+        </p:nvSpPr>
+        <p:spPr/>
+        <p:txBody>
+          <a:bodyPr/>
+          <a:lstStyle/>
+          <a:p>
+            <a:r>
+              <a:rPr lang="en-US" dirty="0" smtClean="0"/>
+              <a:t>development costs</a:t>
+            </a:r>
+            <a:endParaRPr lang="en-US" dirty="0"/>
+          </a:p>
+        </p:txBody>
+      </p:sp>
+      <p:sp>
+        <p:nvSpPr>
+          <p:cNvPr id="3" name="Content Placeholder 2"/>
+          <p:cNvSpPr>
+            <a:spLocks noGrp="1"/>
+          </p:cNvSpPr>
+          <p:nvPr>
+            <p:ph idx="1"/>
+          </p:nvPr>
+        </p:nvSpPr>
+        <p:spPr/>
+        <p:txBody>
+          <a:bodyPr/>
+          <a:lstStyle/>
+          <a:p>
+            <a:endParaRPr lang="en-US"/>
+          </a:p>
+        </p:txBody>
+      </p:sp>
+    </p:spTree>
+    <p:extLst>
+      <p:ext uri="{BB962C8B-B14F-4D97-AF65-F5344CB8AC3E}">
+        <p14:creationId xmlns:p14="http://schemas.microsoft.com/office/powerpoint/2010/main" val="3307229093"/>
+      </p:ext>
+    </p:extLst>
+  </p:cSld>
+  <p:clrMapOvr>
+    <a:masterClrMapping/>
+  </p:clrMapOvr>
+  <mc:AlternateContent xmlns:mc="http://schemas.openxmlformats.org/markup-compatibility/2006">
+    <mc:Choice xmlns:p14="http://schemas.microsoft.com/office/powerpoint/2010/main" Requires="p14">
+      <p:transition spd="slow" p14:dur="2000"/>
+    </mc:Choice>
+    <mc:Fallback>
+      <p:transition xmlns:p14="http://schemas.microsoft.com/office/powerpoint/2010/main" spd="slow"/>
+    </mc:Fallback>
+  </mc:AlternateContent>
+  <p:timing>
+    <p:tnLst>
+      <p:par>
+        <p:cTn xmlns:p14="http://schemas.microsoft.com/office/powerpoint/2010/main" id="1" dur="indefinite" restart="never" nodeType="tmRoot"/>
+      </p:par>
+    </p:tnLst>
+  </p:timing>
+</p:sld>
+</file>
+
+<file path=ppt/slides/slide29.xml><?xml version="1.0" encoding="utf-8"?>
+<p:sld xmlns:a="http://schemas.openxmlformats.org/drawingml/2006/main" xmlns:r="http://schemas.openxmlformats.org/officeDocument/2006/relationships" xmlns:p="http://schemas.openxmlformats.org/presentationml/2006/main">
+  <p:cSld>
+    <p:spTree>
+      <p:nvGrpSpPr>
+        <p:cNvPr id="1" name=""/>
+        <p:cNvGrpSpPr/>
+        <p:nvPr/>
+      </p:nvGrpSpPr>
+      <p:grpSpPr>
+        <a:xfrm>
+          <a:off x="0" y="0"/>
+          <a:ext cx="0" cy="0"/>
+          <a:chOff x="0" y="0"/>
+          <a:chExt cx="0" cy="0"/>
+        </a:xfrm>
+      </p:grpSpPr>
+      <p:sp>
+        <p:nvSpPr>
+          <p:cNvPr id="4" name="Title 3"/>
+          <p:cNvSpPr>
+            <a:spLocks noGrp="1"/>
+          </p:cNvSpPr>
+          <p:nvPr>
+            <p:ph type="title"/>
+          </p:nvPr>
+        </p:nvSpPr>
+        <p:spPr>
+          <a:xfrm>
+            <a:off x="457200" y="2155124"/>
+            <a:ext cx="8229600" cy="1143000"/>
+          </a:xfrm>
+        </p:spPr>
+        <p:txBody>
+          <a:bodyPr/>
+          <a:lstStyle/>
+          <a:p>
+            <a:r>
+              <a:rPr lang="en-US" dirty="0" smtClean="0"/>
+              <a:t>thank you for listening</a:t>
+            </a:r>
+            <a:endParaRPr lang="en-US" dirty="0"/>
+          </a:p>
+        </p:txBody>
+      </p:sp>
+    </p:spTree>
+    <p:extLst>
+      <p:ext uri="{BB962C8B-B14F-4D97-AF65-F5344CB8AC3E}">
+        <p14:creationId xmlns:p14="http://schemas.microsoft.com/office/powerpoint/2010/main" val="3452235787"/>
+      </p:ext>
+    </p:extLst>
+  </p:cSld>
+  <p:clrMapOvr>
+    <a:masterClrMapping/>
+  </p:clrMapOvr>
+  <p:timing>
+    <p:tnLst>
+      <p:par>
+        <p:cTn xmlns:p14="http://schemas.microsoft.com/office/powerpoint/2010/main" id="1" dur="indefinite" restart="never" nodeType="tmRoot"/>
+      </p:par>
+    </p:tnLst>
+  </p:timing>
+</p:sld>
+</file>
+
+<file path=ppt/slides/slide3.xml><?xml version="1.0" encoding="utf-8"?>
+<p:sld xmlns:a="http://schemas.openxmlformats.org/drawingml/2006/main" xmlns:r="http://schemas.openxmlformats.org/officeDocument/2006/relationships" xmlns:p="http://schemas.openxmlformats.org/presentationml/2006/main">
+  <p:cSld>
+    <p:spTree>
+      <p:nvGrpSpPr>
+        <p:cNvPr id="1" name=""/>
+        <p:cNvGrpSpPr/>
+        <p:nvPr/>
+      </p:nvGrpSpPr>
+      <p:grpSpPr>
+        <a:xfrm>
+          <a:off x="0" y="0"/>
+          <a:ext cx="0" cy="0"/>
+          <a:chOff x="0" y="0"/>
+          <a:chExt cx="0" cy="0"/>
+        </a:xfrm>
+      </p:grpSpPr>
+      <p:sp>
+        <p:nvSpPr>
+          <p:cNvPr id="2" name="Title 1"/>
+          <p:cNvSpPr>
+            <a:spLocks noGrp="1"/>
+          </p:cNvSpPr>
+          <p:nvPr>
+            <p:ph type="title"/>
+          </p:nvPr>
+        </p:nvSpPr>
+        <p:spPr/>
+        <p:txBody>
+          <a:bodyPr/>
+          <a:lstStyle/>
+          <a:p>
+            <a:r>
+              <a:rPr lang="en-US" dirty="0" smtClean="0"/>
+              <a:t>outline</a:t>
+            </a:r>
+            <a:endParaRPr lang="en-US" dirty="0"/>
+          </a:p>
+        </p:txBody>
+      </p:sp>
+      <p:sp>
+        <p:nvSpPr>
+          <p:cNvPr id="3" name="Content Placeholder 2"/>
+          <p:cNvSpPr>
+            <a:spLocks noGrp="1"/>
+          </p:cNvSpPr>
+          <p:nvPr>
+            <p:ph idx="1"/>
+          </p:nvPr>
+        </p:nvSpPr>
+        <p:spPr/>
+        <p:txBody>
+          <a:bodyPr/>
+          <a:lstStyle/>
+          <a:p>
+            <a:r>
+              <a:rPr lang="en-US" dirty="0" smtClean="0"/>
+              <a:t>Research of the current market</a:t>
+            </a:r>
+          </a:p>
+          <a:p>
+            <a:r>
+              <a:rPr lang="en-US" dirty="0" smtClean="0"/>
+              <a:t>Design of a concept musical instrument</a:t>
+            </a:r>
+          </a:p>
+          <a:p>
+            <a:r>
+              <a:rPr lang="en-US" dirty="0" smtClean="0"/>
+              <a:t>Implementation of a proof-of-concept</a:t>
+            </a:r>
+          </a:p>
+          <a:p>
+            <a:r>
+              <a:rPr lang="en-US" dirty="0" smtClean="0"/>
+              <a:t>Analysis of the built prototypes</a:t>
+            </a:r>
+          </a:p>
+          <a:p>
+            <a:r>
+              <a:rPr lang="en-US" dirty="0" smtClean="0"/>
+              <a:t>Future Design</a:t>
+            </a:r>
+          </a:p>
           <a:p>
             <a:endParaRPr lang="en-US" dirty="0"/>
           </a:p>
@@ -3276,6 +7691,484 @@
   <p:clrMapOvr>
     <a:masterClrMapping/>
   </p:clrMapOvr>
+  <p:timing>
+    <p:tnLst>
+      <p:par>
+        <p:cTn xmlns:p14="http://schemas.microsoft.com/office/powerpoint/2010/main" id="1" dur="indefinite" restart="never" nodeType="tmRoot"/>
+      </p:par>
+    </p:tnLst>
+  </p:timing>
+</p:sld>
+</file>
+
+<file path=ppt/slides/slide4.xml><?xml version="1.0" encoding="utf-8"?>
+<p:sld xmlns:a="http://schemas.openxmlformats.org/drawingml/2006/main" xmlns:r="http://schemas.openxmlformats.org/officeDocument/2006/relationships" xmlns:p="http://schemas.openxmlformats.org/presentationml/2006/main">
+  <p:cSld>
+    <p:spTree>
+      <p:nvGrpSpPr>
+        <p:cNvPr id="1" name=""/>
+        <p:cNvGrpSpPr/>
+        <p:nvPr/>
+      </p:nvGrpSpPr>
+      <p:grpSpPr>
+        <a:xfrm>
+          <a:off x="0" y="0"/>
+          <a:ext cx="0" cy="0"/>
+          <a:chOff x="0" y="0"/>
+          <a:chExt cx="0" cy="0"/>
+        </a:xfrm>
+      </p:grpSpPr>
+      <p:sp>
+        <p:nvSpPr>
+          <p:cNvPr id="2" name="Title 1"/>
+          <p:cNvSpPr>
+            <a:spLocks noGrp="1"/>
+          </p:cNvSpPr>
+          <p:nvPr>
+            <p:ph type="title"/>
+          </p:nvPr>
+        </p:nvSpPr>
+        <p:spPr/>
+        <p:txBody>
+          <a:bodyPr/>
+          <a:lstStyle/>
+          <a:p>
+            <a:r>
+              <a:rPr lang="en-US" dirty="0"/>
+              <a:t>t</a:t>
+            </a:r>
+            <a:r>
+              <a:rPr lang="en-US" dirty="0" smtClean="0"/>
+              <a:t>he market</a:t>
+            </a:r>
+            <a:endParaRPr lang="en-US" dirty="0"/>
+          </a:p>
+        </p:txBody>
+      </p:sp>
+      <p:sp>
+        <p:nvSpPr>
+          <p:cNvPr id="3" name="Content Placeholder 2"/>
+          <p:cNvSpPr>
+            <a:spLocks noGrp="1"/>
+          </p:cNvSpPr>
+          <p:nvPr>
+            <p:ph idx="1"/>
+          </p:nvPr>
+        </p:nvSpPr>
+        <p:spPr/>
+        <p:txBody>
+          <a:bodyPr/>
+          <a:lstStyle/>
+          <a:p>
+            <a:endParaRPr lang="en-US" dirty="0"/>
+          </a:p>
+        </p:txBody>
+      </p:sp>
+    </p:spTree>
+    <p:extLst>
+      <p:ext uri="{BB962C8B-B14F-4D97-AF65-F5344CB8AC3E}">
+        <p14:creationId xmlns:p14="http://schemas.microsoft.com/office/powerpoint/2010/main" val="604221624"/>
+      </p:ext>
+    </p:extLst>
+  </p:cSld>
+  <p:clrMapOvr>
+    <a:masterClrMapping/>
+  </p:clrMapOvr>
+  <p:timing>
+    <p:tnLst>
+      <p:par>
+        <p:cTn xmlns:p14="http://schemas.microsoft.com/office/powerpoint/2010/main" id="1" dur="indefinite" restart="never" nodeType="tmRoot"/>
+      </p:par>
+    </p:tnLst>
+  </p:timing>
+</p:sld>
+</file>
+
+<file path=ppt/slides/slide5.xml><?xml version="1.0" encoding="utf-8"?>
+<p:sld xmlns:a="http://schemas.openxmlformats.org/drawingml/2006/main" xmlns:r="http://schemas.openxmlformats.org/officeDocument/2006/relationships" xmlns:p="http://schemas.openxmlformats.org/presentationml/2006/main">
+  <p:cSld>
+    <p:spTree>
+      <p:nvGrpSpPr>
+        <p:cNvPr id="1" name=""/>
+        <p:cNvGrpSpPr/>
+        <p:nvPr/>
+      </p:nvGrpSpPr>
+      <p:grpSpPr>
+        <a:xfrm>
+          <a:off x="0" y="0"/>
+          <a:ext cx="0" cy="0"/>
+          <a:chOff x="0" y="0"/>
+          <a:chExt cx="0" cy="0"/>
+        </a:xfrm>
+      </p:grpSpPr>
+      <p:sp>
+        <p:nvSpPr>
+          <p:cNvPr id="2" name="Title 1"/>
+          <p:cNvSpPr>
+            <a:spLocks noGrp="1"/>
+          </p:cNvSpPr>
+          <p:nvPr>
+            <p:ph type="title"/>
+          </p:nvPr>
+        </p:nvSpPr>
+        <p:spPr/>
+        <p:txBody>
+          <a:bodyPr/>
+          <a:lstStyle/>
+          <a:p>
+            <a:r>
+              <a:rPr lang="en-US" dirty="0" smtClean="0"/>
+              <a:t>a new musical instrument</a:t>
+            </a:r>
+            <a:endParaRPr lang="en-US" dirty="0"/>
+          </a:p>
+        </p:txBody>
+      </p:sp>
+      <p:sp>
+        <p:nvSpPr>
+          <p:cNvPr id="3" name="Content Placeholder 2"/>
+          <p:cNvSpPr>
+            <a:spLocks noGrp="1"/>
+          </p:cNvSpPr>
+          <p:nvPr>
+            <p:ph idx="1"/>
+          </p:nvPr>
+        </p:nvSpPr>
+        <p:spPr/>
+        <p:txBody>
+          <a:bodyPr/>
+          <a:lstStyle/>
+          <a:p>
+            <a:endParaRPr lang="en-US" dirty="0"/>
+          </a:p>
+        </p:txBody>
+      </p:sp>
+    </p:spTree>
+    <p:extLst>
+      <p:ext uri="{BB962C8B-B14F-4D97-AF65-F5344CB8AC3E}">
+        <p14:creationId xmlns:p14="http://schemas.microsoft.com/office/powerpoint/2010/main" val="914300712"/>
+      </p:ext>
+    </p:extLst>
+  </p:cSld>
+  <p:clrMapOvr>
+    <a:masterClrMapping/>
+  </p:clrMapOvr>
+  <p:timing>
+    <p:tnLst>
+      <p:par>
+        <p:cTn xmlns:p14="http://schemas.microsoft.com/office/powerpoint/2010/main" id="1" dur="indefinite" restart="never" nodeType="tmRoot"/>
+      </p:par>
+    </p:tnLst>
+  </p:timing>
+</p:sld>
+</file>
+
+<file path=ppt/slides/slide6.xml><?xml version="1.0" encoding="utf-8"?>
+<p:sld xmlns:a="http://schemas.openxmlformats.org/drawingml/2006/main" xmlns:r="http://schemas.openxmlformats.org/officeDocument/2006/relationships" xmlns:p="http://schemas.openxmlformats.org/presentationml/2006/main">
+  <p:cSld>
+    <p:spTree>
+      <p:nvGrpSpPr>
+        <p:cNvPr id="1" name=""/>
+        <p:cNvGrpSpPr/>
+        <p:nvPr/>
+      </p:nvGrpSpPr>
+      <p:grpSpPr>
+        <a:xfrm>
+          <a:off x="0" y="0"/>
+          <a:ext cx="0" cy="0"/>
+          <a:chOff x="0" y="0"/>
+          <a:chExt cx="0" cy="0"/>
+        </a:xfrm>
+      </p:grpSpPr>
+      <p:sp>
+        <p:nvSpPr>
+          <p:cNvPr id="2" name="Title 1"/>
+          <p:cNvSpPr>
+            <a:spLocks noGrp="1"/>
+          </p:cNvSpPr>
+          <p:nvPr>
+            <p:ph type="title"/>
+          </p:nvPr>
+        </p:nvSpPr>
+        <p:spPr/>
+        <p:txBody>
+          <a:bodyPr/>
+          <a:lstStyle/>
+          <a:p>
+            <a:r>
+              <a:rPr lang="en-US" dirty="0" smtClean="0"/>
+              <a:t>requirements</a:t>
+            </a:r>
+            <a:endParaRPr lang="en-US" dirty="0"/>
+          </a:p>
+        </p:txBody>
+      </p:sp>
+      <p:sp>
+        <p:nvSpPr>
+          <p:cNvPr id="3" name="Content Placeholder 2"/>
+          <p:cNvSpPr>
+            <a:spLocks noGrp="1"/>
+          </p:cNvSpPr>
+          <p:nvPr>
+            <p:ph idx="1"/>
+          </p:nvPr>
+        </p:nvSpPr>
+        <p:spPr/>
+        <p:txBody>
+          <a:bodyPr/>
+          <a:lstStyle/>
+          <a:p>
+            <a:endParaRPr lang="en-US" dirty="0"/>
+          </a:p>
+        </p:txBody>
+      </p:sp>
+    </p:spTree>
+    <p:extLst>
+      <p:ext uri="{BB962C8B-B14F-4D97-AF65-F5344CB8AC3E}">
+        <p14:creationId xmlns:p14="http://schemas.microsoft.com/office/powerpoint/2010/main" val="1569442255"/>
+      </p:ext>
+    </p:extLst>
+  </p:cSld>
+  <p:clrMapOvr>
+    <a:masterClrMapping/>
+  </p:clrMapOvr>
+  <p:timing>
+    <p:tnLst>
+      <p:par>
+        <p:cTn xmlns:p14="http://schemas.microsoft.com/office/powerpoint/2010/main" id="1" dur="indefinite" restart="never" nodeType="tmRoot"/>
+      </p:par>
+    </p:tnLst>
+  </p:timing>
+</p:sld>
+</file>
+
+<file path=ppt/slides/slide7.xml><?xml version="1.0" encoding="utf-8"?>
+<p:sld xmlns:a="http://schemas.openxmlformats.org/drawingml/2006/main" xmlns:r="http://schemas.openxmlformats.org/officeDocument/2006/relationships" xmlns:p="http://schemas.openxmlformats.org/presentationml/2006/main">
+  <p:cSld>
+    <p:spTree>
+      <p:nvGrpSpPr>
+        <p:cNvPr id="1" name=""/>
+        <p:cNvGrpSpPr/>
+        <p:nvPr/>
+      </p:nvGrpSpPr>
+      <p:grpSpPr>
+        <a:xfrm>
+          <a:off x="0" y="0"/>
+          <a:ext cx="0" cy="0"/>
+          <a:chOff x="0" y="0"/>
+          <a:chExt cx="0" cy="0"/>
+        </a:xfrm>
+      </p:grpSpPr>
+      <p:sp>
+        <p:nvSpPr>
+          <p:cNvPr id="2" name="Title 1"/>
+          <p:cNvSpPr>
+            <a:spLocks noGrp="1"/>
+          </p:cNvSpPr>
+          <p:nvPr>
+            <p:ph type="title"/>
+          </p:nvPr>
+        </p:nvSpPr>
+        <p:spPr/>
+        <p:txBody>
+          <a:bodyPr/>
+          <a:lstStyle/>
+          <a:p>
+            <a:r>
+              <a:rPr lang="en-US" dirty="0" smtClean="0"/>
+              <a:t>concept design: hi level</a:t>
+            </a:r>
+            <a:endParaRPr lang="en-US" dirty="0"/>
+          </a:p>
+        </p:txBody>
+      </p:sp>
+      <p:sp>
+        <p:nvSpPr>
+          <p:cNvPr id="3" name="Content Placeholder 2"/>
+          <p:cNvSpPr>
+            <a:spLocks noGrp="1"/>
+          </p:cNvSpPr>
+          <p:nvPr>
+            <p:ph idx="1"/>
+          </p:nvPr>
+        </p:nvSpPr>
+        <p:spPr/>
+        <p:txBody>
+          <a:bodyPr/>
+          <a:lstStyle/>
+          <a:p>
+            <a:endParaRPr lang="en-US"/>
+          </a:p>
+        </p:txBody>
+      </p:sp>
+    </p:spTree>
+    <p:extLst>
+      <p:ext uri="{BB962C8B-B14F-4D97-AF65-F5344CB8AC3E}">
+        <p14:creationId xmlns:p14="http://schemas.microsoft.com/office/powerpoint/2010/main" val="150953604"/>
+      </p:ext>
+    </p:extLst>
+  </p:cSld>
+  <p:clrMapOvr>
+    <a:masterClrMapping/>
+  </p:clrMapOvr>
+</p:sld>
+</file>
+
+<file path=ppt/slides/slide8.xml><?xml version="1.0" encoding="utf-8"?>
+<p:sld xmlns:a="http://schemas.openxmlformats.org/drawingml/2006/main" xmlns:r="http://schemas.openxmlformats.org/officeDocument/2006/relationships" xmlns:p="http://schemas.openxmlformats.org/presentationml/2006/main">
+  <p:cSld>
+    <p:spTree>
+      <p:nvGrpSpPr>
+        <p:cNvPr id="1" name=""/>
+        <p:cNvGrpSpPr/>
+        <p:nvPr/>
+      </p:nvGrpSpPr>
+      <p:grpSpPr>
+        <a:xfrm>
+          <a:off x="0" y="0"/>
+          <a:ext cx="0" cy="0"/>
+          <a:chOff x="0" y="0"/>
+          <a:chExt cx="0" cy="0"/>
+        </a:xfrm>
+      </p:grpSpPr>
+      <p:sp>
+        <p:nvSpPr>
+          <p:cNvPr id="2" name="Title 1"/>
+          <p:cNvSpPr>
+            <a:spLocks noGrp="1"/>
+          </p:cNvSpPr>
+          <p:nvPr>
+            <p:ph type="title"/>
+          </p:nvPr>
+        </p:nvSpPr>
+        <p:spPr/>
+        <p:txBody>
+          <a:bodyPr/>
+          <a:lstStyle/>
+          <a:p>
+            <a:r>
+              <a:rPr lang="en-US" dirty="0" smtClean="0"/>
+              <a:t>concept design: lo level</a:t>
+            </a:r>
+            <a:endParaRPr lang="en-US" dirty="0"/>
+          </a:p>
+        </p:txBody>
+      </p:sp>
+      <p:sp>
+        <p:nvSpPr>
+          <p:cNvPr id="3" name="Content Placeholder 2"/>
+          <p:cNvSpPr>
+            <a:spLocks noGrp="1"/>
+          </p:cNvSpPr>
+          <p:nvPr>
+            <p:ph idx="1"/>
+          </p:nvPr>
+        </p:nvSpPr>
+        <p:spPr/>
+        <p:txBody>
+          <a:bodyPr/>
+          <a:lstStyle/>
+          <a:p>
+            <a:endParaRPr lang="en-US"/>
+          </a:p>
+        </p:txBody>
+      </p:sp>
+    </p:spTree>
+    <p:extLst>
+      <p:ext uri="{BB962C8B-B14F-4D97-AF65-F5344CB8AC3E}">
+        <p14:creationId xmlns:p14="http://schemas.microsoft.com/office/powerpoint/2010/main" val="3513723373"/>
+      </p:ext>
+    </p:extLst>
+  </p:cSld>
+  <p:clrMapOvr>
+    <a:masterClrMapping/>
+  </p:clrMapOvr>
+  <p:timing>
+    <p:tnLst>
+      <p:par>
+        <p:cTn xmlns:p14="http://schemas.microsoft.com/office/powerpoint/2010/main" id="1" dur="indefinite" restart="never" nodeType="tmRoot"/>
+      </p:par>
+    </p:tnLst>
+  </p:timing>
+</p:sld>
+</file>
+
+<file path=ppt/slides/slide9.xml><?xml version="1.0" encoding="utf-8"?>
+<p:sld xmlns:a="http://schemas.openxmlformats.org/drawingml/2006/main" xmlns:r="http://schemas.openxmlformats.org/officeDocument/2006/relationships" xmlns:p="http://schemas.openxmlformats.org/presentationml/2006/main">
+  <p:cSld>
+    <p:spTree>
+      <p:nvGrpSpPr>
+        <p:cNvPr id="1" name=""/>
+        <p:cNvGrpSpPr/>
+        <p:nvPr/>
+      </p:nvGrpSpPr>
+      <p:grpSpPr>
+        <a:xfrm>
+          <a:off x="0" y="0"/>
+          <a:ext cx="0" cy="0"/>
+          <a:chOff x="0" y="0"/>
+          <a:chExt cx="0" cy="0"/>
+        </a:xfrm>
+      </p:grpSpPr>
+      <p:sp>
+        <p:nvSpPr>
+          <p:cNvPr id="2" name="Title 1"/>
+          <p:cNvSpPr>
+            <a:spLocks noGrp="1"/>
+          </p:cNvSpPr>
+          <p:nvPr>
+            <p:ph type="title"/>
+          </p:nvPr>
+        </p:nvSpPr>
+        <p:spPr/>
+        <p:txBody>
+          <a:bodyPr/>
+          <a:lstStyle/>
+          <a:p>
+            <a:r>
+              <a:rPr lang="en-US" dirty="0" smtClean="0"/>
+              <a:t>implementation</a:t>
+            </a:r>
+            <a:endParaRPr lang="en-US" dirty="0"/>
+          </a:p>
+        </p:txBody>
+      </p:sp>
+      <p:sp>
+        <p:nvSpPr>
+          <p:cNvPr id="3" name="Content Placeholder 2"/>
+          <p:cNvSpPr>
+            <a:spLocks noGrp="1"/>
+          </p:cNvSpPr>
+          <p:nvPr>
+            <p:ph idx="1"/>
+          </p:nvPr>
+        </p:nvSpPr>
+        <p:spPr/>
+        <p:txBody>
+          <a:bodyPr/>
+          <a:lstStyle/>
+          <a:p>
+            <a:endParaRPr lang="en-US" dirty="0"/>
+          </a:p>
+        </p:txBody>
+      </p:sp>
+    </p:spTree>
+    <p:extLst>
+      <p:ext uri="{BB962C8B-B14F-4D97-AF65-F5344CB8AC3E}">
+        <p14:creationId xmlns:p14="http://schemas.microsoft.com/office/powerpoint/2010/main" val="3890289736"/>
+      </p:ext>
+    </p:extLst>
+  </p:cSld>
+  <p:clrMapOvr>
+    <a:masterClrMapping/>
+  </p:clrMapOvr>
+  <p:timing>
+    <p:tnLst>
+      <p:par>
+        <p:cTn xmlns:p14="http://schemas.microsoft.com/office/powerpoint/2010/main" id="1" dur="indefinite" restart="never" nodeType="tmRoot"/>
+      </p:par>
+    </p:tnLst>
+  </p:timing>
 </p:sld>
 </file>
 
@@ -3597,4 +8490,324 @@
   </a:objectDefaults>
   <a:extraClrSchemeLst/>
 </a:theme>
+</file>
+
+<file path=ppt/theme/theme2.xml><?xml version="1.0" encoding="utf-8"?>
+<a:theme xmlns:a="http://schemas.openxmlformats.org/drawingml/2006/main" name="Office Theme">
+  <a:themeElements>
+    <a:clrScheme name="Office">
+      <a:dk1>
+        <a:sysClr val="windowText" lastClr="000000"/>
+      </a:dk1>
+      <a:lt1>
+        <a:sysClr val="window" lastClr="FFFFFF"/>
+      </a:lt1>
+      <a:dk2>
+        <a:srgbClr val="1F497D"/>
+      </a:dk2>
+      <a:lt2>
+        <a:srgbClr val="EEECE1"/>
+      </a:lt2>
+      <a:accent1>
+        <a:srgbClr val="4F81BD"/>
+      </a:accent1>
+      <a:accent2>
+        <a:srgbClr val="C0504D"/>
+      </a:accent2>
+      <a:accent3>
+        <a:srgbClr val="9BBB59"/>
+      </a:accent3>
+      <a:accent4>
+        <a:srgbClr val="8064A2"/>
+      </a:accent4>
+      <a:accent5>
+        <a:srgbClr val="4BACC6"/>
+      </a:accent5>
+      <a:accent6>
+        <a:srgbClr val="F79646"/>
+      </a:accent6>
+      <a:hlink>
+        <a:srgbClr val="0000FF"/>
+      </a:hlink>
+      <a:folHlink>
+        <a:srgbClr val="800080"/>
+      </a:folHlink>
+    </a:clrScheme>
+    <a:fontScheme name="Office">
+      <a:majorFont>
+        <a:latin typeface="Calibri"/>
+        <a:ea typeface=""/>
+        <a:cs typeface=""/>
+        <a:font script="Jpan" typeface="ＭＳ Ｐゴシック"/>
+        <a:font script="Hang" typeface="맑은 고딕"/>
+        <a:font script="Hans" typeface="宋体"/>
+        <a:font script="Hant" typeface="新細明體"/>
+        <a:font script="Arab" typeface="Times New Roman"/>
+        <a:font script="Hebr" typeface="Times New Roman"/>
+        <a:font script="Thai" typeface="Angsana New"/>
+        <a:font script="Ethi" typeface="Nyala"/>
+        <a:font script="Beng" typeface="Vrinda"/>
+        <a:font script="Gujr" typeface="Shruti"/>
+        <a:font script="Khmr" typeface="MoolBoran"/>
+        <a:font script="Knda" typeface="Tunga"/>
+        <a:font script="Guru" typeface="Raavi"/>
+        <a:font script="Cans" typeface="Euphemia"/>
+        <a:font script="Cher" typeface="Plantagenet Cherokee"/>
+        <a:font script="Yiii" typeface="Microsoft Yi Baiti"/>
+        <a:font script="Tibt" typeface="Microsoft Himalaya"/>
+        <a:font script="Thaa" typeface="MV Boli"/>
+        <a:font script="Deva" typeface="Mangal"/>
+        <a:font script="Telu" typeface="Gautami"/>
+        <a:font script="Taml" typeface="Latha"/>
+        <a:font script="Syrc" typeface="Estrangelo Edessa"/>
+        <a:font script="Orya" typeface="Kalinga"/>
+        <a:font script="Mlym" typeface="Kartika"/>
+        <a:font script="Laoo" typeface="DokChampa"/>
+        <a:font script="Sinh" typeface="Iskoola Pota"/>
+        <a:font script="Mong" typeface="Mongolian Baiti"/>
+        <a:font script="Viet" typeface="Times New Roman"/>
+        <a:font script="Uigh" typeface="Microsoft Uighur"/>
+        <a:font script="Geor" typeface="Sylfaen"/>
+      </a:majorFont>
+      <a:minorFont>
+        <a:latin typeface="Calibri"/>
+        <a:ea typeface=""/>
+        <a:cs typeface=""/>
+        <a:font script="Jpan" typeface="ＭＳ Ｐゴシック"/>
+        <a:font script="Hang" typeface="맑은 고딕"/>
+        <a:font script="Hans" typeface="宋体"/>
+        <a:font script="Hant" typeface="新細明體"/>
+        <a:font script="Arab" typeface="Arial"/>
+        <a:font script="Hebr" typeface="Arial"/>
+        <a:font script="Thai" typeface="Cordia New"/>
+        <a:font script="Ethi" typeface="Nyala"/>
+        <a:font script="Beng" typeface="Vrinda"/>
+        <a:font script="Gujr" typeface="Shruti"/>
+        <a:font script="Khmr" typeface="DaunPenh"/>
+        <a:font script="Knda" typeface="Tunga"/>
+        <a:font script="Guru" typeface="Raavi"/>
+        <a:font script="Cans" typeface="Euphemia"/>
+        <a:font script="Cher" typeface="Plantagenet Cherokee"/>
+        <a:font script="Yiii" typeface="Microsoft Yi Baiti"/>
+        <a:font script="Tibt" typeface="Microsoft Himalaya"/>
+        <a:font script="Thaa" typeface="MV Boli"/>
+        <a:font script="Deva" typeface="Mangal"/>
+        <a:font script="Telu" typeface="Gautami"/>
+        <a:font script="Taml" typeface="Latha"/>
+        <a:font script="Syrc" typeface="Estrangelo Edessa"/>
+        <a:font script="Orya" typeface="Kalinga"/>
+        <a:font script="Mlym" typeface="Kartika"/>
+        <a:font script="Laoo" typeface="DokChampa"/>
+        <a:font script="Sinh" typeface="Iskoola Pota"/>
+        <a:font script="Mong" typeface="Mongolian Baiti"/>
+        <a:font script="Viet" typeface="Arial"/>
+        <a:font script="Uigh" typeface="Microsoft Uighur"/>
+        <a:font script="Geor" typeface="Sylfaen"/>
+      </a:minorFont>
+    </a:fontScheme>
+    <a:fmtScheme name="Office">
+      <a:fillStyleLst>
+        <a:solidFill>
+          <a:schemeClr val="phClr"/>
+        </a:solidFill>
+        <a:gradFill rotWithShape="1">
+          <a:gsLst>
+            <a:gs pos="0">
+              <a:schemeClr val="phClr">
+                <a:tint val="50000"/>
+                <a:satMod val="300000"/>
+              </a:schemeClr>
+            </a:gs>
+            <a:gs pos="35000">
+              <a:schemeClr val="phClr">
+                <a:tint val="37000"/>
+                <a:satMod val="300000"/>
+              </a:schemeClr>
+            </a:gs>
+            <a:gs pos="100000">
+              <a:schemeClr val="phClr">
+                <a:tint val="15000"/>
+                <a:satMod val="350000"/>
+              </a:schemeClr>
+            </a:gs>
+          </a:gsLst>
+          <a:lin ang="16200000" scaled="1"/>
+        </a:gradFill>
+        <a:gradFill rotWithShape="1">
+          <a:gsLst>
+            <a:gs pos="0">
+              <a:schemeClr val="phClr">
+                <a:tint val="100000"/>
+                <a:shade val="100000"/>
+                <a:satMod val="130000"/>
+              </a:schemeClr>
+            </a:gs>
+            <a:gs pos="100000">
+              <a:schemeClr val="phClr">
+                <a:tint val="50000"/>
+                <a:shade val="100000"/>
+                <a:satMod val="350000"/>
+              </a:schemeClr>
+            </a:gs>
+          </a:gsLst>
+          <a:lin ang="16200000" scaled="0"/>
+        </a:gradFill>
+      </a:fillStyleLst>
+      <a:lnStyleLst>
+        <a:ln w="9525" cap="flat" cmpd="sng" algn="ctr">
+          <a:solidFill>
+            <a:schemeClr val="phClr">
+              <a:shade val="95000"/>
+              <a:satMod val="105000"/>
+            </a:schemeClr>
+          </a:solidFill>
+          <a:prstDash val="solid"/>
+        </a:ln>
+        <a:ln w="25400" cap="flat" cmpd="sng" algn="ctr">
+          <a:solidFill>
+            <a:schemeClr val="phClr"/>
+          </a:solidFill>
+          <a:prstDash val="solid"/>
+        </a:ln>
+        <a:ln w="38100" cap="flat" cmpd="sng" algn="ctr">
+          <a:solidFill>
+            <a:schemeClr val="phClr"/>
+          </a:solidFill>
+          <a:prstDash val="solid"/>
+        </a:ln>
+      </a:lnStyleLst>
+      <a:effectStyleLst>
+        <a:effectStyle>
+          <a:effectLst>
+            <a:outerShdw blurRad="40000" dist="20000" dir="5400000" rotWithShape="0">
+              <a:srgbClr val="000000">
+                <a:alpha val="38000"/>
+              </a:srgbClr>
+            </a:outerShdw>
+          </a:effectLst>
+        </a:effectStyle>
+        <a:effectStyle>
+          <a:effectLst>
+            <a:outerShdw blurRad="40000" dist="23000" dir="5400000" rotWithShape="0">
+              <a:srgbClr val="000000">
+                <a:alpha val="35000"/>
+              </a:srgbClr>
+            </a:outerShdw>
+          </a:effectLst>
+        </a:effectStyle>
+        <a:effectStyle>
+          <a:effectLst>
+            <a:outerShdw blurRad="40000" dist="23000" dir="5400000" rotWithShape="0">
+              <a:srgbClr val="000000">
+                <a:alpha val="35000"/>
+              </a:srgbClr>
+            </a:outerShdw>
+          </a:effectLst>
+          <a:scene3d>
+            <a:camera prst="orthographicFront">
+              <a:rot lat="0" lon="0" rev="0"/>
+            </a:camera>
+            <a:lightRig rig="threePt" dir="t">
+              <a:rot lat="0" lon="0" rev="1200000"/>
+            </a:lightRig>
+          </a:scene3d>
+          <a:sp3d>
+            <a:bevelT w="63500" h="25400"/>
+          </a:sp3d>
+        </a:effectStyle>
+      </a:effectStyleLst>
+      <a:bgFillStyleLst>
+        <a:solidFill>
+          <a:schemeClr val="phClr"/>
+        </a:solidFill>
+        <a:gradFill rotWithShape="1">
+          <a:gsLst>
+            <a:gs pos="0">
+              <a:schemeClr val="phClr">
+                <a:tint val="40000"/>
+                <a:satMod val="350000"/>
+              </a:schemeClr>
+            </a:gs>
+            <a:gs pos="40000">
+              <a:schemeClr val="phClr">
+                <a:tint val="45000"/>
+                <a:shade val="99000"/>
+                <a:satMod val="350000"/>
+              </a:schemeClr>
+            </a:gs>
+            <a:gs pos="100000">
+              <a:schemeClr val="phClr">
+                <a:shade val="20000"/>
+                <a:satMod val="255000"/>
+              </a:schemeClr>
+            </a:gs>
+          </a:gsLst>
+          <a:path path="circle">
+            <a:fillToRect l="50000" t="-80000" r="50000" b="180000"/>
+          </a:path>
+        </a:gradFill>
+        <a:gradFill rotWithShape="1">
+          <a:gsLst>
+            <a:gs pos="0">
+              <a:schemeClr val="phClr">
+                <a:tint val="80000"/>
+                <a:satMod val="300000"/>
+              </a:schemeClr>
+            </a:gs>
+            <a:gs pos="100000">
+              <a:schemeClr val="phClr">
+                <a:shade val="30000"/>
+                <a:satMod val="200000"/>
+              </a:schemeClr>
+            </a:gs>
+          </a:gsLst>
+          <a:path path="circle">
+            <a:fillToRect l="50000" t="50000" r="50000" b="50000"/>
+          </a:path>
+        </a:gradFill>
+      </a:bgFillStyleLst>
+    </a:fmtScheme>
+  </a:themeElements>
+  <a:objectDefaults>
+    <a:spDef>
+      <a:spPr/>
+      <a:bodyPr/>
+      <a:lstStyle/>
+      <a:style>
+        <a:lnRef idx="1">
+          <a:schemeClr val="accent1"/>
+        </a:lnRef>
+        <a:fillRef idx="3">
+          <a:schemeClr val="accent1"/>
+        </a:fillRef>
+        <a:effectRef idx="2">
+          <a:schemeClr val="accent1"/>
+        </a:effectRef>
+        <a:fontRef idx="minor">
+          <a:schemeClr val="lt1"/>
+        </a:fontRef>
+      </a:style>
+    </a:spDef>
+    <a:lnDef>
+      <a:spPr/>
+      <a:bodyPr/>
+      <a:lstStyle/>
+      <a:style>
+        <a:lnRef idx="2">
+          <a:schemeClr val="accent1"/>
+        </a:lnRef>
+        <a:fillRef idx="0">
+          <a:schemeClr val="accent1"/>
+        </a:fillRef>
+        <a:effectRef idx="1">
+          <a:schemeClr val="accent1"/>
+        </a:effectRef>
+        <a:fontRef idx="minor">
+          <a:schemeClr val="tx1"/>
+        </a:fontRef>
+      </a:style>
+    </a:lnDef>
+  </a:objectDefaults>
+  <a:extraClrSchemeLst/>
+</a:theme>
 </file>